--- a/temp/hungarian.pptx
+++ b/temp/hungarian.pptx
@@ -277,7 +277,7 @@
           <a:p>
             <a:fld id="{0DAAA78B-305F-40B1-AA0A-4A7B2A823B23}" type="datetimeFigureOut">
               <a:rPr lang="zh-CN" altLang="en-US" smtClean="0"/>
-              <a:t>2020/4/8</a:t>
+              <a:t>2020/4/9</a:t>
             </a:fld>
             <a:endParaRPr lang="zh-CN" altLang="en-US"/>
           </a:p>
@@ -475,7 +475,7 @@
           <a:p>
             <a:fld id="{0DAAA78B-305F-40B1-AA0A-4A7B2A823B23}" type="datetimeFigureOut">
               <a:rPr lang="zh-CN" altLang="en-US" smtClean="0"/>
-              <a:t>2020/4/8</a:t>
+              <a:t>2020/4/9</a:t>
             </a:fld>
             <a:endParaRPr lang="zh-CN" altLang="en-US"/>
           </a:p>
@@ -683,7 +683,7 @@
           <a:p>
             <a:fld id="{0DAAA78B-305F-40B1-AA0A-4A7B2A823B23}" type="datetimeFigureOut">
               <a:rPr lang="zh-CN" altLang="en-US" smtClean="0"/>
-              <a:t>2020/4/8</a:t>
+              <a:t>2020/4/9</a:t>
             </a:fld>
             <a:endParaRPr lang="zh-CN" altLang="en-US"/>
           </a:p>
@@ -881,7 +881,7 @@
           <a:p>
             <a:fld id="{0DAAA78B-305F-40B1-AA0A-4A7B2A823B23}" type="datetimeFigureOut">
               <a:rPr lang="zh-CN" altLang="en-US" smtClean="0"/>
-              <a:t>2020/4/8</a:t>
+              <a:t>2020/4/9</a:t>
             </a:fld>
             <a:endParaRPr lang="zh-CN" altLang="en-US"/>
           </a:p>
@@ -1156,7 +1156,7 @@
           <a:p>
             <a:fld id="{0DAAA78B-305F-40B1-AA0A-4A7B2A823B23}" type="datetimeFigureOut">
               <a:rPr lang="zh-CN" altLang="en-US" smtClean="0"/>
-              <a:t>2020/4/8</a:t>
+              <a:t>2020/4/9</a:t>
             </a:fld>
             <a:endParaRPr lang="zh-CN" altLang="en-US"/>
           </a:p>
@@ -1421,7 +1421,7 @@
           <a:p>
             <a:fld id="{0DAAA78B-305F-40B1-AA0A-4A7B2A823B23}" type="datetimeFigureOut">
               <a:rPr lang="zh-CN" altLang="en-US" smtClean="0"/>
-              <a:t>2020/4/8</a:t>
+              <a:t>2020/4/9</a:t>
             </a:fld>
             <a:endParaRPr lang="zh-CN" altLang="en-US"/>
           </a:p>
@@ -1833,7 +1833,7 @@
           <a:p>
             <a:fld id="{0DAAA78B-305F-40B1-AA0A-4A7B2A823B23}" type="datetimeFigureOut">
               <a:rPr lang="zh-CN" altLang="en-US" smtClean="0"/>
-              <a:t>2020/4/8</a:t>
+              <a:t>2020/4/9</a:t>
             </a:fld>
             <a:endParaRPr lang="zh-CN" altLang="en-US"/>
           </a:p>
@@ -1974,7 +1974,7 @@
           <a:p>
             <a:fld id="{0DAAA78B-305F-40B1-AA0A-4A7B2A823B23}" type="datetimeFigureOut">
               <a:rPr lang="zh-CN" altLang="en-US" smtClean="0"/>
-              <a:t>2020/4/8</a:t>
+              <a:t>2020/4/9</a:t>
             </a:fld>
             <a:endParaRPr lang="zh-CN" altLang="en-US"/>
           </a:p>
@@ -2087,7 +2087,7 @@
           <a:p>
             <a:fld id="{0DAAA78B-305F-40B1-AA0A-4A7B2A823B23}" type="datetimeFigureOut">
               <a:rPr lang="zh-CN" altLang="en-US" smtClean="0"/>
-              <a:t>2020/4/8</a:t>
+              <a:t>2020/4/9</a:t>
             </a:fld>
             <a:endParaRPr lang="zh-CN" altLang="en-US"/>
           </a:p>
@@ -2398,7 +2398,7 @@
           <a:p>
             <a:fld id="{0DAAA78B-305F-40B1-AA0A-4A7B2A823B23}" type="datetimeFigureOut">
               <a:rPr lang="zh-CN" altLang="en-US" smtClean="0"/>
-              <a:t>2020/4/8</a:t>
+              <a:t>2020/4/9</a:t>
             </a:fld>
             <a:endParaRPr lang="zh-CN" altLang="en-US"/>
           </a:p>
@@ -2686,7 +2686,7 @@
           <a:p>
             <a:fld id="{0DAAA78B-305F-40B1-AA0A-4A7B2A823B23}" type="datetimeFigureOut">
               <a:rPr lang="zh-CN" altLang="en-US" smtClean="0"/>
-              <a:t>2020/4/8</a:t>
+              <a:t>2020/4/9</a:t>
             </a:fld>
             <a:endParaRPr lang="zh-CN" altLang="en-US"/>
           </a:p>
@@ -2927,7 +2927,7 @@
           <a:p>
             <a:fld id="{0DAAA78B-305F-40B1-AA0A-4A7B2A823B23}" type="datetimeFigureOut">
               <a:rPr lang="zh-CN" altLang="en-US" smtClean="0"/>
-              <a:t>2020/4/8</a:t>
+              <a:t>2020/4/9</a:t>
             </a:fld>
             <a:endParaRPr lang="zh-CN" altLang="en-US"/>
           </a:p>
@@ -3358,10 +3358,10 @@
         </p:nvGrpSpPr>
         <p:grpSpPr>
           <a:xfrm>
-            <a:off x="4643285" y="799698"/>
-            <a:ext cx="3369541" cy="4114323"/>
-            <a:chOff x="2848347" y="1157146"/>
-            <a:chExt cx="3369541" cy="4114323"/>
+            <a:off x="4625159" y="799698"/>
+            <a:ext cx="3387667" cy="4114323"/>
+            <a:chOff x="2830221" y="1157146"/>
+            <a:chExt cx="3387667" cy="4114323"/>
           </a:xfrm>
         </p:grpSpPr>
         <p:grpSp>
@@ -3378,10 +3378,10 @@
           </p:nvGrpSpPr>
           <p:grpSpPr>
             <a:xfrm>
-              <a:off x="2848347" y="1157146"/>
-              <a:ext cx="3369541" cy="4114323"/>
-              <a:chOff x="2885292" y="1000128"/>
-              <a:chExt cx="3369541" cy="4114323"/>
+              <a:off x="2830221" y="1157146"/>
+              <a:ext cx="3387667" cy="4114323"/>
+              <a:chOff x="2867166" y="1000128"/>
+              <a:chExt cx="3387667" cy="4114323"/>
             </a:xfrm>
           </p:grpSpPr>
           <p:pic>
@@ -3675,6 +3675,183 @@
               <a:xfrm>
                 <a:off x="5394532" y="4273993"/>
                 <a:ext cx="860301" cy="840458"/>
+              </a:xfrm>
+              <a:prstGeom prst="rect">
+                <a:avLst/>
+              </a:prstGeom>
+            </p:spPr>
+          </p:pic>
+          <p:pic>
+            <p:nvPicPr>
+              <p:cNvPr id="32" name="图片 31">
+                <a:extLst>
+                  <a:ext uri="{FF2B5EF4-FFF2-40B4-BE49-F238E27FC236}">
+                    <a16:creationId xmlns:a16="http://schemas.microsoft.com/office/drawing/2014/main" id="{30369532-C28E-48FA-B7D8-3A8E19379878}"/>
+                  </a:ext>
+                </a:extLst>
+              </p:cNvPr>
+              <p:cNvPicPr>
+                <a:picLocks noChangeAspect="1"/>
+              </p:cNvPicPr>
+              <p:nvPr/>
+            </p:nvPicPr>
+            <p:blipFill>
+              <a:blip r:embed="rId2">
+                <a:extLst>
+                  <a:ext uri="{BEBA8EAE-BF5A-486C-A8C5-ECC9F3942E4B}">
+                    <a14:imgProps xmlns:a14="http://schemas.microsoft.com/office/drawing/2010/main">
+                      <a14:imgLayer r:embed="rId3">
+                        <a14:imgEffect>
+                          <a14:artisticCutout/>
+                        </a14:imgEffect>
+                      </a14:imgLayer>
+                    </a14:imgProps>
+                  </a:ext>
+                </a:extLst>
+              </a:blip>
+              <a:stretch>
+                <a:fillRect/>
+              </a:stretch>
+            </p:blipFill>
+            <p:spPr>
+              <a:xfrm>
+                <a:off x="2867167" y="3168151"/>
+                <a:ext cx="860301" cy="840458"/>
+              </a:xfrm>
+              <a:prstGeom prst="rect">
+                <a:avLst/>
+              </a:prstGeom>
+              <a:noFill/>
+              <a:effectLst/>
+            </p:spPr>
+          </p:pic>
+          <p:pic>
+            <p:nvPicPr>
+              <p:cNvPr id="38" name="图片 37">
+                <a:extLst>
+                  <a:ext uri="{FF2B5EF4-FFF2-40B4-BE49-F238E27FC236}">
+                    <a16:creationId xmlns:a16="http://schemas.microsoft.com/office/drawing/2014/main" id="{59F248A4-6D06-4664-8A95-9C9F99EA0556}"/>
+                  </a:ext>
+                </a:extLst>
+              </p:cNvPr>
+              <p:cNvPicPr>
+                <a:picLocks noChangeAspect="1"/>
+              </p:cNvPicPr>
+              <p:nvPr/>
+            </p:nvPicPr>
+            <p:blipFill>
+              <a:blip r:embed="rId4">
+                <a:extLst>
+                  <a:ext uri="{BEBA8EAE-BF5A-486C-A8C5-ECC9F3942E4B}">
+                    <a14:imgProps xmlns:a14="http://schemas.microsoft.com/office/drawing/2010/main">
+                      <a14:imgLayer r:embed="rId5">
+                        <a14:imgEffect>
+                          <a14:artisticCutout/>
+                        </a14:imgEffect>
+                      </a14:imgLayer>
+                    </a14:imgProps>
+                  </a:ext>
+                </a:extLst>
+              </a:blip>
+              <a:stretch>
+                <a:fillRect/>
+              </a:stretch>
+            </p:blipFill>
+            <p:spPr>
+              <a:xfrm>
+                <a:off x="2867167" y="2062310"/>
+                <a:ext cx="860301" cy="840457"/>
+              </a:xfrm>
+              <a:prstGeom prst="rect">
+                <a:avLst/>
+              </a:prstGeom>
+              <a:noFill/>
+              <a:effectLst/>
+            </p:spPr>
+          </p:pic>
+          <p:pic>
+            <p:nvPicPr>
+              <p:cNvPr id="39" name="图片 38">
+                <a:extLst>
+                  <a:ext uri="{FF2B5EF4-FFF2-40B4-BE49-F238E27FC236}">
+                    <a16:creationId xmlns:a16="http://schemas.microsoft.com/office/drawing/2014/main" id="{239AB8DF-98EC-466A-9B6C-2FCF545A1E52}"/>
+                  </a:ext>
+                </a:extLst>
+              </p:cNvPr>
+              <p:cNvPicPr>
+                <a:picLocks noChangeAspect="1"/>
+              </p:cNvPicPr>
+              <p:nvPr/>
+            </p:nvPicPr>
+            <p:blipFill>
+              <a:blip r:embed="rId6">
+                <a:extLst>
+                  <a:ext uri="{BEBA8EAE-BF5A-486C-A8C5-ECC9F3942E4B}">
+                    <a14:imgProps xmlns:a14="http://schemas.microsoft.com/office/drawing/2010/main">
+                      <a14:imgLayer r:embed="rId7">
+                        <a14:imgEffect>
+                          <a14:artisticCrisscrossEtching/>
+                        </a14:imgEffect>
+                      </a14:imgLayer>
+                    </a14:imgProps>
+                  </a:ext>
+                </a:extLst>
+              </a:blip>
+              <a:stretch>
+                <a:fillRect/>
+              </a:stretch>
+            </p:blipFill>
+            <p:spPr>
+              <a:xfrm>
+                <a:off x="2867167" y="1000128"/>
+                <a:ext cx="849745" cy="840458"/>
+              </a:xfrm>
+              <a:prstGeom prst="rect">
+                <a:avLst/>
+              </a:prstGeom>
+              <a:noFill/>
+              <a:ln>
+                <a:noFill/>
+              </a:ln>
+              <a:effectLst/>
+            </p:spPr>
+          </p:pic>
+          <p:pic>
+            <p:nvPicPr>
+              <p:cNvPr id="40" name="图片 39">
+                <a:extLst>
+                  <a:ext uri="{FF2B5EF4-FFF2-40B4-BE49-F238E27FC236}">
+                    <a16:creationId xmlns:a16="http://schemas.microsoft.com/office/drawing/2014/main" id="{619D617A-590D-4C64-ABE8-E620ABDF9FC8}"/>
+                  </a:ext>
+                </a:extLst>
+              </p:cNvPr>
+              <p:cNvPicPr>
+                <a:picLocks noChangeAspect="1"/>
+              </p:cNvPicPr>
+              <p:nvPr/>
+            </p:nvPicPr>
+            <p:blipFill>
+              <a:blip r:embed="rId11">
+                <a:extLst>
+                  <a:ext uri="{BEBA8EAE-BF5A-486C-A8C5-ECC9F3942E4B}">
+                    <a14:imgProps xmlns:a14="http://schemas.microsoft.com/office/drawing/2010/main">
+                      <a14:imgLayer r:embed="rId12">
+                        <a14:imgEffect>
+                          <a14:artisticCutout/>
+                        </a14:imgEffect>
+                      </a14:imgLayer>
+                    </a14:imgProps>
+                  </a:ext>
+                </a:extLst>
+              </a:blip>
+              <a:stretch>
+                <a:fillRect/>
+              </a:stretch>
+            </p:blipFill>
+            <p:spPr>
+              <a:xfrm>
+                <a:off x="2867166" y="4273993"/>
+                <a:ext cx="849745" cy="840458"/>
               </a:xfrm>
               <a:prstGeom prst="rect">
                 <a:avLst/>
@@ -6080,6 +6257,1016 @@
           <a:chExt cx="0" cy="0"/>
         </a:xfrm>
       </p:grpSpPr>
+      <mc:AlternateContent xmlns:mc="http://schemas.openxmlformats.org/markup-compatibility/2006">
+        <mc:Choice xmlns:a14="http://schemas.microsoft.com/office/drawing/2010/main" Requires="a14">
+          <p:sp>
+            <p:nvSpPr>
+              <p:cNvPr id="3" name="文本框 2">
+                <a:extLst>
+                  <a:ext uri="{FF2B5EF4-FFF2-40B4-BE49-F238E27FC236}">
+                    <a16:creationId xmlns:a16="http://schemas.microsoft.com/office/drawing/2014/main" id="{B825F69D-1917-4440-A549-6758652833F1}"/>
+                  </a:ext>
+                </a:extLst>
+              </p:cNvPr>
+              <p:cNvSpPr txBox="1"/>
+              <p:nvPr/>
+            </p:nvSpPr>
+            <p:spPr>
+              <a:xfrm>
+                <a:off x="3733100" y="1484851"/>
+                <a:ext cx="3514987" cy="1587422"/>
+              </a:xfrm>
+              <a:prstGeom prst="rect">
+                <a:avLst/>
+              </a:prstGeom>
+              <a:noFill/>
+            </p:spPr>
+            <p:txBody>
+              <a:bodyPr wrap="square" lIns="0" tIns="0" rIns="0" bIns="0" rtlCol="0">
+                <a:spAutoFit/>
+              </a:bodyPr>
+              <a:lstStyle/>
+              <a:p>
+                <a14:m>
+                  <m:oMathPara xmlns:m="http://schemas.openxmlformats.org/officeDocument/2006/math">
+                    <m:oMathParaPr>
+                      <m:jc m:val="centerGroup"/>
+                    </m:oMathParaPr>
+                    <m:oMath xmlns:m="http://schemas.openxmlformats.org/officeDocument/2006/math">
+                      <m:d>
+                        <m:dPr>
+                          <m:begChr m:val="["/>
+                          <m:endChr m:val="]"/>
+                          <m:ctrlPr>
+                            <a:rPr lang="en-US" altLang="zh-CN" sz="2800" i="1" smtClean="0">
+                              <a:latin typeface="Cambria Math" panose="02040503050406030204" pitchFamily="18" charset="0"/>
+                            </a:rPr>
+                          </m:ctrlPr>
+                        </m:dPr>
+                        <m:e>
+                          <m:m>
+                            <m:mPr>
+                              <m:mcs>
+                                <m:mc>
+                                  <m:mcPr>
+                                    <m:count m:val="4"/>
+                                    <m:mcJc m:val="center"/>
+                                  </m:mcPr>
+                                </m:mc>
+                              </m:mcs>
+                              <m:ctrlPr>
+                                <a:rPr lang="en-US" altLang="zh-CN" sz="2800" i="1" smtClean="0">
+                                  <a:latin typeface="Cambria Math" panose="02040503050406030204" pitchFamily="18" charset="0"/>
+                                </a:rPr>
+                              </m:ctrlPr>
+                            </m:mPr>
+                            <m:mr>
+                              <m:e>
+                                <m:r>
+                                  <m:rPr>
+                                    <m:brk m:alnAt="7"/>
+                                  </m:rPr>
+                                  <a:rPr lang="en-US" altLang="zh-CN" sz="2800" b="0" i="1" smtClean="0">
+                                    <a:latin typeface="Cambria Math" panose="02040503050406030204" pitchFamily="18" charset="0"/>
+                                  </a:rPr>
+                                  <m:t>0.3</m:t>
+                                </m:r>
+                              </m:e>
+                              <m:e>
+                                <m:r>
+                                  <a:rPr lang="en-US" altLang="zh-CN" sz="2800" b="0" i="1" smtClean="0">
+                                    <a:latin typeface="Cambria Math" panose="02040503050406030204" pitchFamily="18" charset="0"/>
+                                  </a:rPr>
+                                  <m:t>0.4</m:t>
+                                </m:r>
+                              </m:e>
+                              <m:e>
+                                <m:r>
+                                  <a:rPr lang="en-US" altLang="zh-CN" sz="2800" b="0" i="1" smtClean="0">
+                                    <a:latin typeface="Cambria Math" panose="02040503050406030204" pitchFamily="18" charset="0"/>
+                                  </a:rPr>
+                                  <m:t>0.5</m:t>
+                                </m:r>
+                              </m:e>
+                              <m:e>
+                                <m:r>
+                                  <a:rPr lang="en-US" altLang="zh-CN" sz="2800" b="0" i="1" smtClean="0">
+                                    <a:latin typeface="Cambria Math" panose="02040503050406030204" pitchFamily="18" charset="0"/>
+                                  </a:rPr>
+                                  <m:t>0.6</m:t>
+                                </m:r>
+                              </m:e>
+                            </m:mr>
+                            <m:mr>
+                              <m:e>
+                                <m:r>
+                                  <a:rPr lang="en-US" altLang="zh-CN" sz="2800" b="0" i="1" smtClean="0">
+                                    <a:latin typeface="Cambria Math" panose="02040503050406030204" pitchFamily="18" charset="0"/>
+                                  </a:rPr>
+                                  <m:t>0.7</m:t>
+                                </m:r>
+                              </m:e>
+                              <m:e>
+                                <m:r>
+                                  <a:rPr lang="en-US" altLang="zh-CN" sz="2800" b="0" i="1" smtClean="0">
+                                    <a:latin typeface="Cambria Math" panose="02040503050406030204" pitchFamily="18" charset="0"/>
+                                  </a:rPr>
+                                  <m:t>0.3</m:t>
+                                </m:r>
+                              </m:e>
+                              <m:e>
+                                <m:r>
+                                  <a:rPr lang="en-US" altLang="zh-CN" sz="2800" b="0" i="1" smtClean="0">
+                                    <a:latin typeface="Cambria Math" panose="02040503050406030204" pitchFamily="18" charset="0"/>
+                                  </a:rPr>
+                                  <m:t>0.4</m:t>
+                                </m:r>
+                              </m:e>
+                              <m:e>
+                                <m:r>
+                                  <a:rPr lang="en-US" altLang="zh-CN" sz="2800" b="0" i="1" smtClean="0">
+                                    <a:latin typeface="Cambria Math" panose="02040503050406030204" pitchFamily="18" charset="0"/>
+                                  </a:rPr>
+                                  <m:t>0.7</m:t>
+                                </m:r>
+                              </m:e>
+                            </m:mr>
+                            <m:mr>
+                              <m:e>
+                                <m:r>
+                                  <a:rPr lang="en-US" altLang="zh-CN" sz="2800" b="0" i="1" smtClean="0">
+                                    <a:latin typeface="Cambria Math" panose="02040503050406030204" pitchFamily="18" charset="0"/>
+                                  </a:rPr>
+                                  <m:t>0.6</m:t>
+                                </m:r>
+                              </m:e>
+                              <m:e>
+                                <m:r>
+                                  <a:rPr lang="en-US" altLang="zh-CN" sz="2800" b="0" i="1" smtClean="0">
+                                    <a:latin typeface="Cambria Math" panose="02040503050406030204" pitchFamily="18" charset="0"/>
+                                  </a:rPr>
+                                  <m:t>0.5</m:t>
+                                </m:r>
+                              </m:e>
+                              <m:e>
+                                <m:r>
+                                  <a:rPr lang="en-US" altLang="zh-CN" sz="2800" b="0" i="1" smtClean="0">
+                                    <a:latin typeface="Cambria Math" panose="02040503050406030204" pitchFamily="18" charset="0"/>
+                                  </a:rPr>
+                                  <m:t>0.6</m:t>
+                                </m:r>
+                              </m:e>
+                              <m:e>
+                                <m:r>
+                                  <a:rPr lang="en-US" altLang="zh-CN" sz="2800" b="0" i="1" smtClean="0">
+                                    <a:latin typeface="Cambria Math" panose="02040503050406030204" pitchFamily="18" charset="0"/>
+                                  </a:rPr>
+                                  <m:t>0.3</m:t>
+                                </m:r>
+                              </m:e>
+                            </m:mr>
+                            <m:mr>
+                              <m:e>
+                                <m:r>
+                                  <a:rPr lang="en-US" altLang="zh-CN" sz="2800" b="0" i="1" smtClean="0">
+                                    <a:latin typeface="Cambria Math" panose="02040503050406030204" pitchFamily="18" charset="0"/>
+                                  </a:rPr>
+                                  <m:t>0.2</m:t>
+                                </m:r>
+                              </m:e>
+                              <m:e>
+                                <m:r>
+                                  <a:rPr lang="en-US" altLang="zh-CN" sz="2800" b="0" i="1" smtClean="0">
+                                    <a:latin typeface="Cambria Math" panose="02040503050406030204" pitchFamily="18" charset="0"/>
+                                  </a:rPr>
+                                  <m:t>0.8</m:t>
+                                </m:r>
+                              </m:e>
+                              <m:e>
+                                <m:r>
+                                  <a:rPr lang="en-US" altLang="zh-CN" sz="2800" b="0" i="1" smtClean="0">
+                                    <a:latin typeface="Cambria Math" panose="02040503050406030204" pitchFamily="18" charset="0"/>
+                                  </a:rPr>
+                                  <m:t>0.5</m:t>
+                                </m:r>
+                              </m:e>
+                              <m:e>
+                                <m:r>
+                                  <a:rPr lang="en-US" altLang="zh-CN" sz="2800" b="0" i="1" smtClean="0">
+                                    <a:latin typeface="Cambria Math" panose="02040503050406030204" pitchFamily="18" charset="0"/>
+                                  </a:rPr>
+                                  <m:t>0.7</m:t>
+                                </m:r>
+                              </m:e>
+                            </m:mr>
+                          </m:m>
+                        </m:e>
+                      </m:d>
+                    </m:oMath>
+                  </m:oMathPara>
+                </a14:m>
+                <a:endParaRPr lang="zh-CN" altLang="en-US" sz="2800" dirty="0"/>
+              </a:p>
+            </p:txBody>
+          </p:sp>
+        </mc:Choice>
+        <mc:Fallback>
+          <p:sp>
+            <p:nvSpPr>
+              <p:cNvPr id="3" name="文本框 2">
+                <a:extLst>
+                  <a:ext uri="{FF2B5EF4-FFF2-40B4-BE49-F238E27FC236}">
+                    <a16:creationId xmlns:a16="http://schemas.microsoft.com/office/drawing/2014/main" id="{B825F69D-1917-4440-A549-6758652833F1}"/>
+                  </a:ext>
+                </a:extLst>
+              </p:cNvPr>
+              <p:cNvSpPr txBox="1">
+                <a:spLocks noRot="1" noChangeAspect="1" noMove="1" noResize="1" noEditPoints="1" noAdjustHandles="1" noChangeArrowheads="1" noChangeShapeType="1" noTextEdit="1"/>
+              </p:cNvSpPr>
+              <p:nvPr/>
+            </p:nvSpPr>
+            <p:spPr>
+              <a:xfrm>
+                <a:off x="3733100" y="1484851"/>
+                <a:ext cx="3514987" cy="1587422"/>
+              </a:xfrm>
+              <a:prstGeom prst="rect">
+                <a:avLst/>
+              </a:prstGeom>
+              <a:blipFill>
+                <a:blip r:embed="rId2"/>
+                <a:stretch>
+                  <a:fillRect/>
+                </a:stretch>
+              </a:blipFill>
+            </p:spPr>
+            <p:txBody>
+              <a:bodyPr/>
+              <a:lstStyle/>
+              <a:p>
+                <a:r>
+                  <a:rPr lang="zh-CN" altLang="en-US">
+                    <a:noFill/>
+                  </a:rPr>
+                  <a:t> </a:t>
+                </a:r>
+              </a:p>
+            </p:txBody>
+          </p:sp>
+        </mc:Fallback>
+      </mc:AlternateContent>
+      <p:sp>
+        <p:nvSpPr>
+          <p:cNvPr id="8" name="文本框 7">
+            <a:extLst>
+              <a:ext uri="{FF2B5EF4-FFF2-40B4-BE49-F238E27FC236}">
+                <a16:creationId xmlns:a16="http://schemas.microsoft.com/office/drawing/2014/main" id="{722E930E-1416-48A9-8D18-74884C03DDEF}"/>
+              </a:ext>
+            </a:extLst>
+          </p:cNvPr>
+          <p:cNvSpPr txBox="1"/>
+          <p:nvPr/>
+        </p:nvSpPr>
+        <p:spPr>
+          <a:xfrm>
+            <a:off x="3917658" y="1006679"/>
+            <a:ext cx="3582098" cy="369332"/>
+          </a:xfrm>
+          <a:prstGeom prst="rect">
+            <a:avLst/>
+          </a:prstGeom>
+          <a:noFill/>
+        </p:spPr>
+        <p:txBody>
+          <a:bodyPr wrap="square" rtlCol="0">
+            <a:spAutoFit/>
+          </a:bodyPr>
+          <a:lstStyle/>
+          <a:p>
+            <a:r>
+              <a:rPr lang="en-US" altLang="zh-CN" dirty="0"/>
+              <a:t>   </a:t>
+            </a:r>
+            <a:r>
+              <a:rPr lang="en-US" altLang="zh-CN" b="1" dirty="0"/>
+              <a:t>A           B           C           D</a:t>
+            </a:r>
+            <a:endParaRPr lang="zh-CN" altLang="en-US" b="1" dirty="0"/>
+          </a:p>
+        </p:txBody>
+      </p:sp>
+      <p:grpSp>
+        <p:nvGrpSpPr>
+          <p:cNvPr id="51" name="组合 50">
+            <a:extLst>
+              <a:ext uri="{FF2B5EF4-FFF2-40B4-BE49-F238E27FC236}">
+                <a16:creationId xmlns:a16="http://schemas.microsoft.com/office/drawing/2014/main" id="{2F8BDAD5-BB63-417B-92A4-1C5CAE79974B}"/>
+              </a:ext>
+            </a:extLst>
+          </p:cNvPr>
+          <p:cNvGrpSpPr/>
+          <p:nvPr/>
+        </p:nvGrpSpPr>
+        <p:grpSpPr>
+          <a:xfrm>
+            <a:off x="3145406" y="3988488"/>
+            <a:ext cx="2345187" cy="2346782"/>
+            <a:chOff x="2396921" y="3766815"/>
+            <a:chExt cx="2345187" cy="2346782"/>
+          </a:xfrm>
+        </p:grpSpPr>
+        <p:sp>
+          <p:nvSpPr>
+            <p:cNvPr id="50" name="矩形: 圆角 49">
+              <a:extLst>
+                <a:ext uri="{FF2B5EF4-FFF2-40B4-BE49-F238E27FC236}">
+                  <a16:creationId xmlns:a16="http://schemas.microsoft.com/office/drawing/2014/main" id="{0C2BB5FD-B9E3-405C-8CA7-778A5D3021BC}"/>
+                </a:ext>
+              </a:extLst>
+            </p:cNvPr>
+            <p:cNvSpPr/>
+            <p:nvPr/>
+          </p:nvSpPr>
+          <p:spPr>
+            <a:xfrm>
+              <a:off x="3929308" y="3767415"/>
+              <a:ext cx="812800" cy="2346182"/>
+            </a:xfrm>
+            <a:prstGeom prst="roundRect">
+              <a:avLst/>
+            </a:prstGeom>
+          </p:spPr>
+          <p:style>
+            <a:lnRef idx="1">
+              <a:schemeClr val="accent5"/>
+            </a:lnRef>
+            <a:fillRef idx="2">
+              <a:schemeClr val="accent5"/>
+            </a:fillRef>
+            <a:effectRef idx="1">
+              <a:schemeClr val="accent5"/>
+            </a:effectRef>
+            <a:fontRef idx="minor">
+              <a:schemeClr val="dk1"/>
+            </a:fontRef>
+          </p:style>
+          <p:txBody>
+            <a:bodyPr rtlCol="0" anchor="ctr"/>
+            <a:lstStyle/>
+            <a:p>
+              <a:pPr algn="ctr"/>
+              <a:endParaRPr lang="zh-CN" altLang="en-US"/>
+            </a:p>
+          </p:txBody>
+        </p:sp>
+        <p:sp>
+          <p:nvSpPr>
+            <p:cNvPr id="48" name="矩形: 圆角 47">
+              <a:extLst>
+                <a:ext uri="{FF2B5EF4-FFF2-40B4-BE49-F238E27FC236}">
+                  <a16:creationId xmlns:a16="http://schemas.microsoft.com/office/drawing/2014/main" id="{688FC977-8A39-42E2-8328-7B7D9471A54F}"/>
+                </a:ext>
+              </a:extLst>
+            </p:cNvPr>
+            <p:cNvSpPr/>
+            <p:nvPr/>
+          </p:nvSpPr>
+          <p:spPr>
+            <a:xfrm>
+              <a:off x="2396921" y="3766815"/>
+              <a:ext cx="812800" cy="2346182"/>
+            </a:xfrm>
+            <a:prstGeom prst="roundRect">
+              <a:avLst/>
+            </a:prstGeom>
+          </p:spPr>
+          <p:style>
+            <a:lnRef idx="1">
+              <a:schemeClr val="accent5"/>
+            </a:lnRef>
+            <a:fillRef idx="2">
+              <a:schemeClr val="accent5"/>
+            </a:fillRef>
+            <a:effectRef idx="1">
+              <a:schemeClr val="accent5"/>
+            </a:effectRef>
+            <a:fontRef idx="minor">
+              <a:schemeClr val="dk1"/>
+            </a:fontRef>
+          </p:style>
+          <p:txBody>
+            <a:bodyPr rtlCol="0" anchor="ctr"/>
+            <a:lstStyle/>
+            <a:p>
+              <a:pPr algn="ctr"/>
+              <a:endParaRPr lang="zh-CN" altLang="en-US"/>
+            </a:p>
+          </p:txBody>
+        </p:sp>
+        <p:sp>
+          <p:nvSpPr>
+            <p:cNvPr id="11" name="文本框 10">
+              <a:extLst>
+                <a:ext uri="{FF2B5EF4-FFF2-40B4-BE49-F238E27FC236}">
+                  <a16:creationId xmlns:a16="http://schemas.microsoft.com/office/drawing/2014/main" id="{6088BB6A-D0AD-4FF4-B125-8A836E788A33}"/>
+                </a:ext>
+              </a:extLst>
+            </p:cNvPr>
+            <p:cNvSpPr txBox="1"/>
+            <p:nvPr/>
+          </p:nvSpPr>
+          <p:spPr>
+            <a:xfrm>
+              <a:off x="2650921" y="3917339"/>
+              <a:ext cx="377505" cy="369332"/>
+            </a:xfrm>
+            <a:prstGeom prst="rect">
+              <a:avLst/>
+            </a:prstGeom>
+            <a:noFill/>
+          </p:spPr>
+          <p:txBody>
+            <a:bodyPr wrap="square" rtlCol="0">
+              <a:spAutoFit/>
+            </a:bodyPr>
+            <a:lstStyle/>
+            <a:p>
+              <a:r>
+                <a:rPr lang="en-US" altLang="zh-CN" b="1" dirty="0"/>
+                <a:t>1</a:t>
+              </a:r>
+              <a:endParaRPr lang="zh-CN" altLang="en-US" b="1" dirty="0"/>
+            </a:p>
+          </p:txBody>
+        </p:sp>
+        <p:sp>
+          <p:nvSpPr>
+            <p:cNvPr id="12" name="文本框 11">
+              <a:extLst>
+                <a:ext uri="{FF2B5EF4-FFF2-40B4-BE49-F238E27FC236}">
+                  <a16:creationId xmlns:a16="http://schemas.microsoft.com/office/drawing/2014/main" id="{B781F548-FD60-42D9-9EC4-7EB442191889}"/>
+                </a:ext>
+              </a:extLst>
+            </p:cNvPr>
+            <p:cNvSpPr txBox="1"/>
+            <p:nvPr/>
+          </p:nvSpPr>
+          <p:spPr>
+            <a:xfrm>
+              <a:off x="2650922" y="4475940"/>
+              <a:ext cx="377505" cy="369332"/>
+            </a:xfrm>
+            <a:prstGeom prst="rect">
+              <a:avLst/>
+            </a:prstGeom>
+            <a:noFill/>
+          </p:spPr>
+          <p:txBody>
+            <a:bodyPr wrap="square" rtlCol="0">
+              <a:spAutoFit/>
+            </a:bodyPr>
+            <a:lstStyle/>
+            <a:p>
+              <a:r>
+                <a:rPr lang="en-US" altLang="zh-CN" b="1" dirty="0"/>
+                <a:t>2</a:t>
+              </a:r>
+              <a:endParaRPr lang="zh-CN" altLang="en-US" b="1" dirty="0"/>
+            </a:p>
+          </p:txBody>
+        </p:sp>
+        <p:sp>
+          <p:nvSpPr>
+            <p:cNvPr id="13" name="文本框 12">
+              <a:extLst>
+                <a:ext uri="{FF2B5EF4-FFF2-40B4-BE49-F238E27FC236}">
+                  <a16:creationId xmlns:a16="http://schemas.microsoft.com/office/drawing/2014/main" id="{67DD9CCE-7A42-4161-BACB-59C06ADFF591}"/>
+                </a:ext>
+              </a:extLst>
+            </p:cNvPr>
+            <p:cNvSpPr txBox="1"/>
+            <p:nvPr/>
+          </p:nvSpPr>
+          <p:spPr>
+            <a:xfrm>
+              <a:off x="2650922" y="5034541"/>
+              <a:ext cx="377505" cy="369332"/>
+            </a:xfrm>
+            <a:prstGeom prst="rect">
+              <a:avLst/>
+            </a:prstGeom>
+            <a:noFill/>
+          </p:spPr>
+          <p:txBody>
+            <a:bodyPr wrap="square" rtlCol="0">
+              <a:spAutoFit/>
+            </a:bodyPr>
+            <a:lstStyle/>
+            <a:p>
+              <a:r>
+                <a:rPr lang="en-US" altLang="zh-CN" b="1" dirty="0"/>
+                <a:t>3</a:t>
+              </a:r>
+              <a:endParaRPr lang="zh-CN" altLang="en-US" b="1" dirty="0"/>
+            </a:p>
+          </p:txBody>
+        </p:sp>
+        <p:sp>
+          <p:nvSpPr>
+            <p:cNvPr id="14" name="文本框 13">
+              <a:extLst>
+                <a:ext uri="{FF2B5EF4-FFF2-40B4-BE49-F238E27FC236}">
+                  <a16:creationId xmlns:a16="http://schemas.microsoft.com/office/drawing/2014/main" id="{7706DDE0-B00D-4EEE-BEB8-233EFD78CE57}"/>
+                </a:ext>
+              </a:extLst>
+            </p:cNvPr>
+            <p:cNvSpPr txBox="1"/>
+            <p:nvPr/>
+          </p:nvSpPr>
+          <p:spPr>
+            <a:xfrm>
+              <a:off x="2663506" y="5593142"/>
+              <a:ext cx="377505" cy="369332"/>
+            </a:xfrm>
+            <a:prstGeom prst="rect">
+              <a:avLst/>
+            </a:prstGeom>
+            <a:noFill/>
+          </p:spPr>
+          <p:txBody>
+            <a:bodyPr wrap="square" rtlCol="0">
+              <a:spAutoFit/>
+            </a:bodyPr>
+            <a:lstStyle/>
+            <a:p>
+              <a:r>
+                <a:rPr lang="en-US" altLang="zh-CN" b="1" dirty="0"/>
+                <a:t>4</a:t>
+              </a:r>
+              <a:endParaRPr lang="zh-CN" altLang="en-US" b="1" dirty="0"/>
+            </a:p>
+          </p:txBody>
+        </p:sp>
+        <p:sp>
+          <p:nvSpPr>
+            <p:cNvPr id="15" name="文本框 14">
+              <a:extLst>
+                <a:ext uri="{FF2B5EF4-FFF2-40B4-BE49-F238E27FC236}">
+                  <a16:creationId xmlns:a16="http://schemas.microsoft.com/office/drawing/2014/main" id="{59DB0A4C-D20D-4089-8653-323827FD5D2E}"/>
+                </a:ext>
+              </a:extLst>
+            </p:cNvPr>
+            <p:cNvSpPr txBox="1"/>
+            <p:nvPr/>
+          </p:nvSpPr>
+          <p:spPr>
+            <a:xfrm>
+              <a:off x="4195893" y="3917339"/>
+              <a:ext cx="377505" cy="369332"/>
+            </a:xfrm>
+            <a:prstGeom prst="rect">
+              <a:avLst/>
+            </a:prstGeom>
+            <a:noFill/>
+          </p:spPr>
+          <p:txBody>
+            <a:bodyPr wrap="square" rtlCol="0">
+              <a:spAutoFit/>
+            </a:bodyPr>
+            <a:lstStyle/>
+            <a:p>
+              <a:r>
+                <a:rPr lang="en-US" altLang="zh-CN" b="1" dirty="0"/>
+                <a:t>A</a:t>
+              </a:r>
+              <a:endParaRPr lang="zh-CN" altLang="en-US" b="1" dirty="0"/>
+            </a:p>
+          </p:txBody>
+        </p:sp>
+        <p:sp>
+          <p:nvSpPr>
+            <p:cNvPr id="16" name="文本框 15">
+              <a:extLst>
+                <a:ext uri="{FF2B5EF4-FFF2-40B4-BE49-F238E27FC236}">
+                  <a16:creationId xmlns:a16="http://schemas.microsoft.com/office/drawing/2014/main" id="{28F82C52-E953-476D-AF09-B58FD2A5DE2A}"/>
+                </a:ext>
+              </a:extLst>
+            </p:cNvPr>
+            <p:cNvSpPr txBox="1"/>
+            <p:nvPr/>
+          </p:nvSpPr>
+          <p:spPr>
+            <a:xfrm>
+              <a:off x="4195894" y="4475940"/>
+              <a:ext cx="377505" cy="369332"/>
+            </a:xfrm>
+            <a:prstGeom prst="rect">
+              <a:avLst/>
+            </a:prstGeom>
+            <a:noFill/>
+          </p:spPr>
+          <p:txBody>
+            <a:bodyPr wrap="square" rtlCol="0">
+              <a:spAutoFit/>
+            </a:bodyPr>
+            <a:lstStyle/>
+            <a:p>
+              <a:r>
+                <a:rPr lang="en-US" altLang="zh-CN" b="1" dirty="0"/>
+                <a:t>B</a:t>
+              </a:r>
+              <a:endParaRPr lang="zh-CN" altLang="en-US" b="1" dirty="0"/>
+            </a:p>
+          </p:txBody>
+        </p:sp>
+        <p:sp>
+          <p:nvSpPr>
+            <p:cNvPr id="17" name="文本框 16">
+              <a:extLst>
+                <a:ext uri="{FF2B5EF4-FFF2-40B4-BE49-F238E27FC236}">
+                  <a16:creationId xmlns:a16="http://schemas.microsoft.com/office/drawing/2014/main" id="{B608DDE8-200F-40AF-AA98-7C738994DCEF}"/>
+                </a:ext>
+              </a:extLst>
+            </p:cNvPr>
+            <p:cNvSpPr txBox="1"/>
+            <p:nvPr/>
+          </p:nvSpPr>
+          <p:spPr>
+            <a:xfrm>
+              <a:off x="4195894" y="5034541"/>
+              <a:ext cx="377505" cy="369332"/>
+            </a:xfrm>
+            <a:prstGeom prst="rect">
+              <a:avLst/>
+            </a:prstGeom>
+            <a:noFill/>
+          </p:spPr>
+          <p:txBody>
+            <a:bodyPr wrap="square" rtlCol="0">
+              <a:spAutoFit/>
+            </a:bodyPr>
+            <a:lstStyle/>
+            <a:p>
+              <a:r>
+                <a:rPr lang="en-US" altLang="zh-CN" b="1" dirty="0"/>
+                <a:t>C</a:t>
+              </a:r>
+              <a:endParaRPr lang="zh-CN" altLang="en-US" b="1" dirty="0"/>
+            </a:p>
+          </p:txBody>
+        </p:sp>
+        <p:sp>
+          <p:nvSpPr>
+            <p:cNvPr id="18" name="文本框 17">
+              <a:extLst>
+                <a:ext uri="{FF2B5EF4-FFF2-40B4-BE49-F238E27FC236}">
+                  <a16:creationId xmlns:a16="http://schemas.microsoft.com/office/drawing/2014/main" id="{1A713382-5B1A-4C31-A65A-2B7A462FCA3C}"/>
+                </a:ext>
+              </a:extLst>
+            </p:cNvPr>
+            <p:cNvSpPr txBox="1"/>
+            <p:nvPr/>
+          </p:nvSpPr>
+          <p:spPr>
+            <a:xfrm>
+              <a:off x="4208478" y="5593142"/>
+              <a:ext cx="377505" cy="369332"/>
+            </a:xfrm>
+            <a:prstGeom prst="rect">
+              <a:avLst/>
+            </a:prstGeom>
+            <a:noFill/>
+          </p:spPr>
+          <p:txBody>
+            <a:bodyPr wrap="square" rtlCol="0">
+              <a:spAutoFit/>
+            </a:bodyPr>
+            <a:lstStyle/>
+            <a:p>
+              <a:r>
+                <a:rPr lang="en-US" altLang="zh-CN" b="1" dirty="0"/>
+                <a:t>D</a:t>
+              </a:r>
+              <a:endParaRPr lang="zh-CN" altLang="en-US" b="1" dirty="0"/>
+            </a:p>
+          </p:txBody>
+        </p:sp>
+        <p:cxnSp>
+          <p:nvCxnSpPr>
+            <p:cNvPr id="21" name="直接连接符 20" descr="0.3">
+              <a:extLst>
+                <a:ext uri="{FF2B5EF4-FFF2-40B4-BE49-F238E27FC236}">
+                  <a16:creationId xmlns:a16="http://schemas.microsoft.com/office/drawing/2014/main" id="{CA47A22C-CB20-48C3-9EFF-21252A1CCF30}"/>
+                </a:ext>
+              </a:extLst>
+            </p:cNvPr>
+            <p:cNvCxnSpPr>
+              <a:cxnSpLocks/>
+              <a:stCxn id="11" idx="3"/>
+              <a:endCxn id="15" idx="1"/>
+            </p:cNvCxnSpPr>
+            <p:nvPr/>
+          </p:nvCxnSpPr>
+          <p:spPr>
+            <a:xfrm>
+              <a:off x="3028426" y="4102005"/>
+              <a:ext cx="1167467" cy="0"/>
+            </a:xfrm>
+            <a:prstGeom prst="line">
+              <a:avLst/>
+            </a:prstGeom>
+            <a:ln w="25400">
+              <a:solidFill>
+                <a:srgbClr val="FF0000"/>
+              </a:solidFill>
+            </a:ln>
+          </p:spPr>
+          <p:style>
+            <a:lnRef idx="1">
+              <a:schemeClr val="accent1"/>
+            </a:lnRef>
+            <a:fillRef idx="0">
+              <a:schemeClr val="accent1"/>
+            </a:fillRef>
+            <a:effectRef idx="0">
+              <a:schemeClr val="accent1"/>
+            </a:effectRef>
+            <a:fontRef idx="minor">
+              <a:schemeClr val="tx1"/>
+            </a:fontRef>
+          </p:style>
+        </p:cxnSp>
+        <p:cxnSp>
+          <p:nvCxnSpPr>
+            <p:cNvPr id="24" name="直接连接符 23" descr="0.3">
+              <a:extLst>
+                <a:ext uri="{FF2B5EF4-FFF2-40B4-BE49-F238E27FC236}">
+                  <a16:creationId xmlns:a16="http://schemas.microsoft.com/office/drawing/2014/main" id="{A2820E3A-422C-4D08-A8F4-A44900B5912C}"/>
+                </a:ext>
+              </a:extLst>
+            </p:cNvPr>
+            <p:cNvCxnSpPr>
+              <a:cxnSpLocks/>
+              <a:stCxn id="11" idx="3"/>
+              <a:endCxn id="16" idx="1"/>
+            </p:cNvCxnSpPr>
+            <p:nvPr/>
+          </p:nvCxnSpPr>
+          <p:spPr>
+            <a:xfrm>
+              <a:off x="3028426" y="4102005"/>
+              <a:ext cx="1167468" cy="558601"/>
+            </a:xfrm>
+            <a:prstGeom prst="line">
+              <a:avLst/>
+            </a:prstGeom>
+            <a:ln w="25400">
+              <a:solidFill>
+                <a:srgbClr val="FF0000"/>
+              </a:solidFill>
+            </a:ln>
+          </p:spPr>
+          <p:style>
+            <a:lnRef idx="1">
+              <a:schemeClr val="accent1"/>
+            </a:lnRef>
+            <a:fillRef idx="0">
+              <a:schemeClr val="accent1"/>
+            </a:fillRef>
+            <a:effectRef idx="0">
+              <a:schemeClr val="accent1"/>
+            </a:effectRef>
+            <a:fontRef idx="minor">
+              <a:schemeClr val="tx1"/>
+            </a:fontRef>
+          </p:style>
+        </p:cxnSp>
+        <p:cxnSp>
+          <p:nvCxnSpPr>
+            <p:cNvPr id="27" name="直接连接符 26" descr="0.3">
+              <a:extLst>
+                <a:ext uri="{FF2B5EF4-FFF2-40B4-BE49-F238E27FC236}">
+                  <a16:creationId xmlns:a16="http://schemas.microsoft.com/office/drawing/2014/main" id="{335FDB72-EE89-4A0A-9922-B4A01A97CD40}"/>
+                </a:ext>
+              </a:extLst>
+            </p:cNvPr>
+            <p:cNvCxnSpPr>
+              <a:cxnSpLocks/>
+              <a:stCxn id="11" idx="3"/>
+              <a:endCxn id="17" idx="1"/>
+            </p:cNvCxnSpPr>
+            <p:nvPr/>
+          </p:nvCxnSpPr>
+          <p:spPr>
+            <a:xfrm>
+              <a:off x="3028426" y="4102005"/>
+              <a:ext cx="1167468" cy="1117202"/>
+            </a:xfrm>
+            <a:prstGeom prst="line">
+              <a:avLst/>
+            </a:prstGeom>
+            <a:ln w="25400">
+              <a:solidFill>
+                <a:srgbClr val="FF0000"/>
+              </a:solidFill>
+            </a:ln>
+          </p:spPr>
+          <p:style>
+            <a:lnRef idx="1">
+              <a:schemeClr val="accent1"/>
+            </a:lnRef>
+            <a:fillRef idx="0">
+              <a:schemeClr val="accent1"/>
+            </a:fillRef>
+            <a:effectRef idx="0">
+              <a:schemeClr val="accent1"/>
+            </a:effectRef>
+            <a:fontRef idx="minor">
+              <a:schemeClr val="tx1"/>
+            </a:fontRef>
+          </p:style>
+        </p:cxnSp>
+        <p:cxnSp>
+          <p:nvCxnSpPr>
+            <p:cNvPr id="30" name="直接连接符 29" descr="0.3">
+              <a:extLst>
+                <a:ext uri="{FF2B5EF4-FFF2-40B4-BE49-F238E27FC236}">
+                  <a16:creationId xmlns:a16="http://schemas.microsoft.com/office/drawing/2014/main" id="{09603E9B-ED51-4224-86F1-81B3B32F0A6B}"/>
+                </a:ext>
+              </a:extLst>
+            </p:cNvPr>
+            <p:cNvCxnSpPr>
+              <a:cxnSpLocks/>
+              <a:stCxn id="12" idx="3"/>
+              <a:endCxn id="16" idx="1"/>
+            </p:cNvCxnSpPr>
+            <p:nvPr/>
+          </p:nvCxnSpPr>
+          <p:spPr>
+            <a:xfrm>
+              <a:off x="3028427" y="4660606"/>
+              <a:ext cx="1167467" cy="0"/>
+            </a:xfrm>
+            <a:prstGeom prst="line">
+              <a:avLst/>
+            </a:prstGeom>
+            <a:ln w="25400">
+              <a:solidFill>
+                <a:srgbClr val="FF0000"/>
+              </a:solidFill>
+            </a:ln>
+          </p:spPr>
+          <p:style>
+            <a:lnRef idx="1">
+              <a:schemeClr val="accent1"/>
+            </a:lnRef>
+            <a:fillRef idx="0">
+              <a:schemeClr val="accent1"/>
+            </a:fillRef>
+            <a:effectRef idx="0">
+              <a:schemeClr val="accent1"/>
+            </a:effectRef>
+            <a:fontRef idx="minor">
+              <a:schemeClr val="tx1"/>
+            </a:fontRef>
+          </p:style>
+        </p:cxnSp>
+        <p:cxnSp>
+          <p:nvCxnSpPr>
+            <p:cNvPr id="33" name="直接连接符 32" descr="0.3">
+              <a:extLst>
+                <a:ext uri="{FF2B5EF4-FFF2-40B4-BE49-F238E27FC236}">
+                  <a16:creationId xmlns:a16="http://schemas.microsoft.com/office/drawing/2014/main" id="{E05D3BF5-282D-4326-BAE1-D8783672B4D4}"/>
+                </a:ext>
+              </a:extLst>
+            </p:cNvPr>
+            <p:cNvCxnSpPr>
+              <a:cxnSpLocks/>
+              <a:stCxn id="12" idx="3"/>
+              <a:endCxn id="17" idx="1"/>
+            </p:cNvCxnSpPr>
+            <p:nvPr/>
+          </p:nvCxnSpPr>
+          <p:spPr>
+            <a:xfrm>
+              <a:off x="3028427" y="4660606"/>
+              <a:ext cx="1167467" cy="558601"/>
+            </a:xfrm>
+            <a:prstGeom prst="line">
+              <a:avLst/>
+            </a:prstGeom>
+            <a:ln w="25400">
+              <a:solidFill>
+                <a:srgbClr val="FF0000"/>
+              </a:solidFill>
+            </a:ln>
+          </p:spPr>
+          <p:style>
+            <a:lnRef idx="1">
+              <a:schemeClr val="accent1"/>
+            </a:lnRef>
+            <a:fillRef idx="0">
+              <a:schemeClr val="accent1"/>
+            </a:fillRef>
+            <a:effectRef idx="0">
+              <a:schemeClr val="accent1"/>
+            </a:effectRef>
+            <a:fontRef idx="minor">
+              <a:schemeClr val="tx1"/>
+            </a:fontRef>
+          </p:style>
+        </p:cxnSp>
+        <p:cxnSp>
+          <p:nvCxnSpPr>
+            <p:cNvPr id="36" name="直接连接符 35" descr="0.3">
+              <a:extLst>
+                <a:ext uri="{FF2B5EF4-FFF2-40B4-BE49-F238E27FC236}">
+                  <a16:creationId xmlns:a16="http://schemas.microsoft.com/office/drawing/2014/main" id="{F46B4E08-763B-49E0-A89A-097680354F64}"/>
+                </a:ext>
+              </a:extLst>
+            </p:cNvPr>
+            <p:cNvCxnSpPr>
+              <a:cxnSpLocks/>
+              <a:stCxn id="14" idx="3"/>
+              <a:endCxn id="15" idx="1"/>
+            </p:cNvCxnSpPr>
+            <p:nvPr/>
+          </p:nvCxnSpPr>
+          <p:spPr>
+            <a:xfrm flipV="1">
+              <a:off x="3041011" y="4102005"/>
+              <a:ext cx="1154882" cy="1675803"/>
+            </a:xfrm>
+            <a:prstGeom prst="line">
+              <a:avLst/>
+            </a:prstGeom>
+            <a:ln w="25400">
+              <a:solidFill>
+                <a:srgbClr val="FF0000"/>
+              </a:solidFill>
+            </a:ln>
+          </p:spPr>
+          <p:style>
+            <a:lnRef idx="1">
+              <a:schemeClr val="accent1"/>
+            </a:lnRef>
+            <a:fillRef idx="0">
+              <a:schemeClr val="accent1"/>
+            </a:fillRef>
+            <a:effectRef idx="0">
+              <a:schemeClr val="accent1"/>
+            </a:effectRef>
+            <a:fontRef idx="minor">
+              <a:schemeClr val="tx1"/>
+            </a:fontRef>
+          </p:style>
+        </p:cxnSp>
+        <p:cxnSp>
+          <p:nvCxnSpPr>
+            <p:cNvPr id="40" name="直接连接符 39" descr="0.3">
+              <a:extLst>
+                <a:ext uri="{FF2B5EF4-FFF2-40B4-BE49-F238E27FC236}">
+                  <a16:creationId xmlns:a16="http://schemas.microsoft.com/office/drawing/2014/main" id="{EE6A5621-9420-482E-A6B7-02562EF42B84}"/>
+                </a:ext>
+              </a:extLst>
+            </p:cNvPr>
+            <p:cNvCxnSpPr>
+              <a:cxnSpLocks/>
+              <a:stCxn id="13" idx="3"/>
+              <a:endCxn id="18" idx="1"/>
+            </p:cNvCxnSpPr>
+            <p:nvPr/>
+          </p:nvCxnSpPr>
+          <p:spPr>
+            <a:xfrm>
+              <a:off x="3028427" y="5219207"/>
+              <a:ext cx="1180051" cy="558601"/>
+            </a:xfrm>
+            <a:prstGeom prst="line">
+              <a:avLst/>
+            </a:prstGeom>
+            <a:ln w="25400">
+              <a:solidFill>
+                <a:srgbClr val="FF0000"/>
+              </a:solidFill>
+            </a:ln>
+          </p:spPr>
+          <p:style>
+            <a:lnRef idx="1">
+              <a:schemeClr val="accent1"/>
+            </a:lnRef>
+            <a:fillRef idx="0">
+              <a:schemeClr val="accent1"/>
+            </a:fillRef>
+            <a:effectRef idx="0">
+              <a:schemeClr val="accent1"/>
+            </a:effectRef>
+            <a:fontRef idx="minor">
+              <a:schemeClr val="tx1"/>
+            </a:fontRef>
+          </p:style>
+        </p:cxnSp>
+      </p:grpSp>
     </p:spTree>
     <p:extLst>
       <p:ext uri="{BB962C8B-B14F-4D97-AF65-F5344CB8AC3E}">
@@ -6110,6 +7297,4609 @@
           <a:chExt cx="0" cy="0"/>
         </a:xfrm>
       </p:grpSpPr>
+      <p:sp>
+        <p:nvSpPr>
+          <p:cNvPr id="74" name="文本框 73">
+            <a:extLst>
+              <a:ext uri="{FF2B5EF4-FFF2-40B4-BE49-F238E27FC236}">
+                <a16:creationId xmlns:a16="http://schemas.microsoft.com/office/drawing/2014/main" id="{02666DA0-6A56-41AE-9697-618391255565}"/>
+              </a:ext>
+            </a:extLst>
+          </p:cNvPr>
+          <p:cNvSpPr txBox="1"/>
+          <p:nvPr/>
+        </p:nvSpPr>
+        <p:spPr>
+          <a:xfrm>
+            <a:off x="1085696" y="6010669"/>
+            <a:ext cx="1511952" cy="369332"/>
+          </a:xfrm>
+          <a:prstGeom prst="rect">
+            <a:avLst/>
+          </a:prstGeom>
+          <a:noFill/>
+        </p:spPr>
+        <p:txBody>
+          <a:bodyPr wrap="none" rtlCol="0">
+            <a:spAutoFit/>
+          </a:bodyPr>
+          <a:lstStyle/>
+          <a:p>
+            <a:r>
+              <a:rPr lang="en-US" altLang="zh-CN" dirty="0"/>
+              <a:t>4-A-1-b-2-c</a:t>
+            </a:r>
+            <a:endParaRPr lang="zh-CN" altLang="en-US" dirty="0"/>
+          </a:p>
+        </p:txBody>
+      </p:sp>
+      <p:grpSp>
+        <p:nvGrpSpPr>
+          <p:cNvPr id="131" name="组合 130">
+            <a:extLst>
+              <a:ext uri="{FF2B5EF4-FFF2-40B4-BE49-F238E27FC236}">
+                <a16:creationId xmlns:a16="http://schemas.microsoft.com/office/drawing/2014/main" id="{B282B542-2E13-439B-976E-101832578A99}"/>
+              </a:ext>
+            </a:extLst>
+          </p:cNvPr>
+          <p:cNvGrpSpPr/>
+          <p:nvPr/>
+        </p:nvGrpSpPr>
+        <p:grpSpPr>
+          <a:xfrm>
+            <a:off x="679296" y="569834"/>
+            <a:ext cx="8722931" cy="5105046"/>
+            <a:chOff x="679296" y="569834"/>
+            <a:chExt cx="8722931" cy="5105046"/>
+          </a:xfrm>
+        </p:grpSpPr>
+        <p:grpSp>
+          <p:nvGrpSpPr>
+            <p:cNvPr id="2" name="组合 1">
+              <a:extLst>
+                <a:ext uri="{FF2B5EF4-FFF2-40B4-BE49-F238E27FC236}">
+                  <a16:creationId xmlns:a16="http://schemas.microsoft.com/office/drawing/2014/main" id="{B15E9C58-53A2-4E05-AF22-E35D32675F6C}"/>
+                </a:ext>
+              </a:extLst>
+            </p:cNvPr>
+            <p:cNvGrpSpPr/>
+            <p:nvPr/>
+          </p:nvGrpSpPr>
+          <p:grpSpPr>
+            <a:xfrm>
+              <a:off x="679296" y="569834"/>
+              <a:ext cx="2345187" cy="2346782"/>
+              <a:chOff x="2396921" y="3766815"/>
+              <a:chExt cx="2345187" cy="2346782"/>
+            </a:xfrm>
+          </p:grpSpPr>
+          <p:sp>
+            <p:nvSpPr>
+              <p:cNvPr id="3" name="矩形: 圆角 2">
+                <a:extLst>
+                  <a:ext uri="{FF2B5EF4-FFF2-40B4-BE49-F238E27FC236}">
+                    <a16:creationId xmlns:a16="http://schemas.microsoft.com/office/drawing/2014/main" id="{796D5E1E-80C9-4ABC-9601-7912FBC728AC}"/>
+                  </a:ext>
+                </a:extLst>
+              </p:cNvPr>
+              <p:cNvSpPr/>
+              <p:nvPr/>
+            </p:nvSpPr>
+            <p:spPr>
+              <a:xfrm>
+                <a:off x="3929308" y="3767415"/>
+                <a:ext cx="812800" cy="2346182"/>
+              </a:xfrm>
+              <a:prstGeom prst="roundRect">
+                <a:avLst/>
+              </a:prstGeom>
+            </p:spPr>
+            <p:style>
+              <a:lnRef idx="1">
+                <a:schemeClr val="accent5"/>
+              </a:lnRef>
+              <a:fillRef idx="2">
+                <a:schemeClr val="accent5"/>
+              </a:fillRef>
+              <a:effectRef idx="1">
+                <a:schemeClr val="accent5"/>
+              </a:effectRef>
+              <a:fontRef idx="minor">
+                <a:schemeClr val="dk1"/>
+              </a:fontRef>
+            </p:style>
+            <p:txBody>
+              <a:bodyPr rtlCol="0" anchor="ctr"/>
+              <a:lstStyle/>
+              <a:p>
+                <a:pPr algn="ctr"/>
+                <a:endParaRPr lang="zh-CN" altLang="en-US"/>
+              </a:p>
+            </p:txBody>
+          </p:sp>
+          <p:sp>
+            <p:nvSpPr>
+              <p:cNvPr id="4" name="矩形: 圆角 3">
+                <a:extLst>
+                  <a:ext uri="{FF2B5EF4-FFF2-40B4-BE49-F238E27FC236}">
+                    <a16:creationId xmlns:a16="http://schemas.microsoft.com/office/drawing/2014/main" id="{FC6D38A2-9191-45A3-87D6-5B05FB474AD8}"/>
+                  </a:ext>
+                </a:extLst>
+              </p:cNvPr>
+              <p:cNvSpPr/>
+              <p:nvPr/>
+            </p:nvSpPr>
+            <p:spPr>
+              <a:xfrm>
+                <a:off x="2396921" y="3766815"/>
+                <a:ext cx="812800" cy="2346182"/>
+              </a:xfrm>
+              <a:prstGeom prst="roundRect">
+                <a:avLst/>
+              </a:prstGeom>
+            </p:spPr>
+            <p:style>
+              <a:lnRef idx="1">
+                <a:schemeClr val="accent5"/>
+              </a:lnRef>
+              <a:fillRef idx="2">
+                <a:schemeClr val="accent5"/>
+              </a:fillRef>
+              <a:effectRef idx="1">
+                <a:schemeClr val="accent5"/>
+              </a:effectRef>
+              <a:fontRef idx="minor">
+                <a:schemeClr val="dk1"/>
+              </a:fontRef>
+            </p:style>
+            <p:txBody>
+              <a:bodyPr rtlCol="0" anchor="ctr"/>
+              <a:lstStyle/>
+              <a:p>
+                <a:pPr algn="ctr"/>
+                <a:endParaRPr lang="zh-CN" altLang="en-US"/>
+              </a:p>
+            </p:txBody>
+          </p:sp>
+          <p:sp>
+            <p:nvSpPr>
+              <p:cNvPr id="5" name="文本框 4">
+                <a:extLst>
+                  <a:ext uri="{FF2B5EF4-FFF2-40B4-BE49-F238E27FC236}">
+                    <a16:creationId xmlns:a16="http://schemas.microsoft.com/office/drawing/2014/main" id="{CD8068D9-145D-4BD6-A06D-EC81DFF87408}"/>
+                  </a:ext>
+                </a:extLst>
+              </p:cNvPr>
+              <p:cNvSpPr txBox="1"/>
+              <p:nvPr/>
+            </p:nvSpPr>
+            <p:spPr>
+              <a:xfrm>
+                <a:off x="2650921" y="3917339"/>
+                <a:ext cx="377505" cy="369332"/>
+              </a:xfrm>
+              <a:prstGeom prst="rect">
+                <a:avLst/>
+              </a:prstGeom>
+              <a:noFill/>
+            </p:spPr>
+            <p:txBody>
+              <a:bodyPr wrap="square" rtlCol="0">
+                <a:spAutoFit/>
+              </a:bodyPr>
+              <a:lstStyle/>
+              <a:p>
+                <a:r>
+                  <a:rPr lang="en-US" altLang="zh-CN" b="1" dirty="0"/>
+                  <a:t>1</a:t>
+                </a:r>
+                <a:endParaRPr lang="zh-CN" altLang="en-US" b="1" dirty="0"/>
+              </a:p>
+            </p:txBody>
+          </p:sp>
+          <p:sp>
+            <p:nvSpPr>
+              <p:cNvPr id="6" name="文本框 5">
+                <a:extLst>
+                  <a:ext uri="{FF2B5EF4-FFF2-40B4-BE49-F238E27FC236}">
+                    <a16:creationId xmlns:a16="http://schemas.microsoft.com/office/drawing/2014/main" id="{2A7783FB-7509-43E5-B918-E7319B1C2204}"/>
+                  </a:ext>
+                </a:extLst>
+              </p:cNvPr>
+              <p:cNvSpPr txBox="1"/>
+              <p:nvPr/>
+            </p:nvSpPr>
+            <p:spPr>
+              <a:xfrm>
+                <a:off x="2650922" y="4475940"/>
+                <a:ext cx="377505" cy="369332"/>
+              </a:xfrm>
+              <a:prstGeom prst="rect">
+                <a:avLst/>
+              </a:prstGeom>
+              <a:noFill/>
+            </p:spPr>
+            <p:txBody>
+              <a:bodyPr wrap="square" rtlCol="0">
+                <a:spAutoFit/>
+              </a:bodyPr>
+              <a:lstStyle/>
+              <a:p>
+                <a:r>
+                  <a:rPr lang="en-US" altLang="zh-CN" b="1" dirty="0"/>
+                  <a:t>2</a:t>
+                </a:r>
+                <a:endParaRPr lang="zh-CN" altLang="en-US" b="1" dirty="0"/>
+              </a:p>
+            </p:txBody>
+          </p:sp>
+          <p:sp>
+            <p:nvSpPr>
+              <p:cNvPr id="7" name="文本框 6">
+                <a:extLst>
+                  <a:ext uri="{FF2B5EF4-FFF2-40B4-BE49-F238E27FC236}">
+                    <a16:creationId xmlns:a16="http://schemas.microsoft.com/office/drawing/2014/main" id="{2E9BE460-F1B7-45F2-8D1E-BB781BC751FE}"/>
+                  </a:ext>
+                </a:extLst>
+              </p:cNvPr>
+              <p:cNvSpPr txBox="1"/>
+              <p:nvPr/>
+            </p:nvSpPr>
+            <p:spPr>
+              <a:xfrm>
+                <a:off x="2650922" y="5034541"/>
+                <a:ext cx="377505" cy="369332"/>
+              </a:xfrm>
+              <a:prstGeom prst="rect">
+                <a:avLst/>
+              </a:prstGeom>
+              <a:noFill/>
+            </p:spPr>
+            <p:txBody>
+              <a:bodyPr wrap="square" rtlCol="0">
+                <a:spAutoFit/>
+              </a:bodyPr>
+              <a:lstStyle/>
+              <a:p>
+                <a:r>
+                  <a:rPr lang="en-US" altLang="zh-CN" b="1" dirty="0"/>
+                  <a:t>3</a:t>
+                </a:r>
+                <a:endParaRPr lang="zh-CN" altLang="en-US" b="1" dirty="0"/>
+              </a:p>
+            </p:txBody>
+          </p:sp>
+          <p:sp>
+            <p:nvSpPr>
+              <p:cNvPr id="8" name="文本框 7">
+                <a:extLst>
+                  <a:ext uri="{FF2B5EF4-FFF2-40B4-BE49-F238E27FC236}">
+                    <a16:creationId xmlns:a16="http://schemas.microsoft.com/office/drawing/2014/main" id="{D4AAC43A-7357-4F7D-9EE3-6C03D365A0E1}"/>
+                  </a:ext>
+                </a:extLst>
+              </p:cNvPr>
+              <p:cNvSpPr txBox="1"/>
+              <p:nvPr/>
+            </p:nvSpPr>
+            <p:spPr>
+              <a:xfrm>
+                <a:off x="2663506" y="5593142"/>
+                <a:ext cx="377505" cy="369332"/>
+              </a:xfrm>
+              <a:prstGeom prst="rect">
+                <a:avLst/>
+              </a:prstGeom>
+              <a:noFill/>
+            </p:spPr>
+            <p:txBody>
+              <a:bodyPr wrap="square" rtlCol="0">
+                <a:spAutoFit/>
+              </a:bodyPr>
+              <a:lstStyle/>
+              <a:p>
+                <a:r>
+                  <a:rPr lang="en-US" altLang="zh-CN" b="1" dirty="0"/>
+                  <a:t>4</a:t>
+                </a:r>
+                <a:endParaRPr lang="zh-CN" altLang="en-US" b="1" dirty="0"/>
+              </a:p>
+            </p:txBody>
+          </p:sp>
+          <p:sp>
+            <p:nvSpPr>
+              <p:cNvPr id="9" name="文本框 8">
+                <a:extLst>
+                  <a:ext uri="{FF2B5EF4-FFF2-40B4-BE49-F238E27FC236}">
+                    <a16:creationId xmlns:a16="http://schemas.microsoft.com/office/drawing/2014/main" id="{133E4D84-AE88-4A02-8630-48D129F8837B}"/>
+                  </a:ext>
+                </a:extLst>
+              </p:cNvPr>
+              <p:cNvSpPr txBox="1"/>
+              <p:nvPr/>
+            </p:nvSpPr>
+            <p:spPr>
+              <a:xfrm>
+                <a:off x="4195893" y="3917339"/>
+                <a:ext cx="377505" cy="369332"/>
+              </a:xfrm>
+              <a:prstGeom prst="rect">
+                <a:avLst/>
+              </a:prstGeom>
+            </p:spPr>
+            <p:style>
+              <a:lnRef idx="2">
+                <a:schemeClr val="accent2">
+                  <a:shade val="50000"/>
+                </a:schemeClr>
+              </a:lnRef>
+              <a:fillRef idx="1">
+                <a:schemeClr val="accent2"/>
+              </a:fillRef>
+              <a:effectRef idx="0">
+                <a:schemeClr val="accent2"/>
+              </a:effectRef>
+              <a:fontRef idx="minor">
+                <a:schemeClr val="lt1"/>
+              </a:fontRef>
+            </p:style>
+            <p:txBody>
+              <a:bodyPr wrap="square" rtlCol="0">
+                <a:spAutoFit/>
+              </a:bodyPr>
+              <a:lstStyle/>
+              <a:p>
+                <a:r>
+                  <a:rPr lang="en-US" altLang="zh-CN" b="1" dirty="0"/>
+                  <a:t>A</a:t>
+                </a:r>
+                <a:endParaRPr lang="zh-CN" altLang="en-US" b="1" dirty="0"/>
+              </a:p>
+            </p:txBody>
+          </p:sp>
+          <p:sp>
+            <p:nvSpPr>
+              <p:cNvPr id="10" name="文本框 9">
+                <a:extLst>
+                  <a:ext uri="{FF2B5EF4-FFF2-40B4-BE49-F238E27FC236}">
+                    <a16:creationId xmlns:a16="http://schemas.microsoft.com/office/drawing/2014/main" id="{51D8A668-5BAE-49D9-A946-08135761C018}"/>
+                  </a:ext>
+                </a:extLst>
+              </p:cNvPr>
+              <p:cNvSpPr txBox="1"/>
+              <p:nvPr/>
+            </p:nvSpPr>
+            <p:spPr>
+              <a:xfrm>
+                <a:off x="4195894" y="4475940"/>
+                <a:ext cx="377505" cy="369332"/>
+              </a:xfrm>
+              <a:prstGeom prst="rect">
+                <a:avLst/>
+              </a:prstGeom>
+              <a:noFill/>
+            </p:spPr>
+            <p:txBody>
+              <a:bodyPr wrap="square" rtlCol="0">
+                <a:spAutoFit/>
+              </a:bodyPr>
+              <a:lstStyle/>
+              <a:p>
+                <a:r>
+                  <a:rPr lang="en-US" altLang="zh-CN" b="1" dirty="0"/>
+                  <a:t>B</a:t>
+                </a:r>
+                <a:endParaRPr lang="zh-CN" altLang="en-US" b="1" dirty="0"/>
+              </a:p>
+            </p:txBody>
+          </p:sp>
+          <p:sp>
+            <p:nvSpPr>
+              <p:cNvPr id="11" name="文本框 10">
+                <a:extLst>
+                  <a:ext uri="{FF2B5EF4-FFF2-40B4-BE49-F238E27FC236}">
+                    <a16:creationId xmlns:a16="http://schemas.microsoft.com/office/drawing/2014/main" id="{FD97870B-AD34-4BBD-A1DA-A1EC221DD8F4}"/>
+                  </a:ext>
+                </a:extLst>
+              </p:cNvPr>
+              <p:cNvSpPr txBox="1"/>
+              <p:nvPr/>
+            </p:nvSpPr>
+            <p:spPr>
+              <a:xfrm>
+                <a:off x="4195894" y="5034541"/>
+                <a:ext cx="377505" cy="369332"/>
+              </a:xfrm>
+              <a:prstGeom prst="rect">
+                <a:avLst/>
+              </a:prstGeom>
+              <a:noFill/>
+            </p:spPr>
+            <p:txBody>
+              <a:bodyPr wrap="square" rtlCol="0">
+                <a:spAutoFit/>
+              </a:bodyPr>
+              <a:lstStyle/>
+              <a:p>
+                <a:r>
+                  <a:rPr lang="en-US" altLang="zh-CN" b="1" dirty="0"/>
+                  <a:t>C</a:t>
+                </a:r>
+                <a:endParaRPr lang="zh-CN" altLang="en-US" b="1" dirty="0"/>
+              </a:p>
+            </p:txBody>
+          </p:sp>
+          <p:sp>
+            <p:nvSpPr>
+              <p:cNvPr id="12" name="文本框 11">
+                <a:extLst>
+                  <a:ext uri="{FF2B5EF4-FFF2-40B4-BE49-F238E27FC236}">
+                    <a16:creationId xmlns:a16="http://schemas.microsoft.com/office/drawing/2014/main" id="{F5068FEC-62D7-4FC9-8320-6E1786136662}"/>
+                  </a:ext>
+                </a:extLst>
+              </p:cNvPr>
+              <p:cNvSpPr txBox="1"/>
+              <p:nvPr/>
+            </p:nvSpPr>
+            <p:spPr>
+              <a:xfrm>
+                <a:off x="4208478" y="5593142"/>
+                <a:ext cx="377505" cy="369332"/>
+              </a:xfrm>
+              <a:prstGeom prst="rect">
+                <a:avLst/>
+              </a:prstGeom>
+              <a:noFill/>
+            </p:spPr>
+            <p:txBody>
+              <a:bodyPr wrap="square" rtlCol="0">
+                <a:spAutoFit/>
+              </a:bodyPr>
+              <a:lstStyle/>
+              <a:p>
+                <a:r>
+                  <a:rPr lang="en-US" altLang="zh-CN" b="1" dirty="0"/>
+                  <a:t>D</a:t>
+                </a:r>
+                <a:endParaRPr lang="zh-CN" altLang="en-US" b="1" dirty="0"/>
+              </a:p>
+            </p:txBody>
+          </p:sp>
+          <p:cxnSp>
+            <p:nvCxnSpPr>
+              <p:cNvPr id="13" name="直接连接符 12" descr="0.3">
+                <a:extLst>
+                  <a:ext uri="{FF2B5EF4-FFF2-40B4-BE49-F238E27FC236}">
+                    <a16:creationId xmlns:a16="http://schemas.microsoft.com/office/drawing/2014/main" id="{74164450-3DF6-4124-86FA-D2F82394C123}"/>
+                  </a:ext>
+                </a:extLst>
+              </p:cNvPr>
+              <p:cNvCxnSpPr>
+                <a:cxnSpLocks/>
+                <a:stCxn id="5" idx="3"/>
+                <a:endCxn id="9" idx="1"/>
+              </p:cNvCxnSpPr>
+              <p:nvPr/>
+            </p:nvCxnSpPr>
+            <p:spPr>
+              <a:xfrm>
+                <a:off x="3028426" y="4102005"/>
+                <a:ext cx="1167467" cy="0"/>
+              </a:xfrm>
+              <a:prstGeom prst="line">
+                <a:avLst/>
+              </a:prstGeom>
+              <a:ln w="25400">
+                <a:solidFill>
+                  <a:schemeClr val="accent1"/>
+                </a:solidFill>
+              </a:ln>
+            </p:spPr>
+            <p:style>
+              <a:lnRef idx="1">
+                <a:schemeClr val="accent1"/>
+              </a:lnRef>
+              <a:fillRef idx="0">
+                <a:schemeClr val="accent1"/>
+              </a:fillRef>
+              <a:effectRef idx="0">
+                <a:schemeClr val="accent1"/>
+              </a:effectRef>
+              <a:fontRef idx="minor">
+                <a:schemeClr val="tx1"/>
+              </a:fontRef>
+            </p:style>
+          </p:cxnSp>
+          <p:cxnSp>
+            <p:nvCxnSpPr>
+              <p:cNvPr id="14" name="直接连接符 13" descr="0.3">
+                <a:extLst>
+                  <a:ext uri="{FF2B5EF4-FFF2-40B4-BE49-F238E27FC236}">
+                    <a16:creationId xmlns:a16="http://schemas.microsoft.com/office/drawing/2014/main" id="{1E63B398-4AAB-40AC-9678-61FC6753D96A}"/>
+                  </a:ext>
+                </a:extLst>
+              </p:cNvPr>
+              <p:cNvCxnSpPr>
+                <a:cxnSpLocks/>
+                <a:stCxn id="5" idx="3"/>
+                <a:endCxn id="10" idx="1"/>
+              </p:cNvCxnSpPr>
+              <p:nvPr/>
+            </p:nvCxnSpPr>
+            <p:spPr>
+              <a:xfrm>
+                <a:off x="3028426" y="4102005"/>
+                <a:ext cx="1167468" cy="558601"/>
+              </a:xfrm>
+              <a:prstGeom prst="line">
+                <a:avLst/>
+              </a:prstGeom>
+              <a:ln w="25400">
+                <a:solidFill>
+                  <a:srgbClr val="FF0000"/>
+                </a:solidFill>
+              </a:ln>
+            </p:spPr>
+            <p:style>
+              <a:lnRef idx="1">
+                <a:schemeClr val="accent1"/>
+              </a:lnRef>
+              <a:fillRef idx="0">
+                <a:schemeClr val="accent1"/>
+              </a:fillRef>
+              <a:effectRef idx="0">
+                <a:schemeClr val="accent1"/>
+              </a:effectRef>
+              <a:fontRef idx="minor">
+                <a:schemeClr val="tx1"/>
+              </a:fontRef>
+            </p:style>
+          </p:cxnSp>
+          <p:cxnSp>
+            <p:nvCxnSpPr>
+              <p:cNvPr id="15" name="直接连接符 14" descr="0.3">
+                <a:extLst>
+                  <a:ext uri="{FF2B5EF4-FFF2-40B4-BE49-F238E27FC236}">
+                    <a16:creationId xmlns:a16="http://schemas.microsoft.com/office/drawing/2014/main" id="{0D3823E1-3B60-4369-8F45-36A56C27E8AD}"/>
+                  </a:ext>
+                </a:extLst>
+              </p:cNvPr>
+              <p:cNvCxnSpPr>
+                <a:cxnSpLocks/>
+                <a:stCxn id="5" idx="3"/>
+                <a:endCxn id="11" idx="1"/>
+              </p:cNvCxnSpPr>
+              <p:nvPr/>
+            </p:nvCxnSpPr>
+            <p:spPr>
+              <a:xfrm>
+                <a:off x="3028426" y="4102005"/>
+                <a:ext cx="1167468" cy="1117202"/>
+              </a:xfrm>
+              <a:prstGeom prst="line">
+                <a:avLst/>
+              </a:prstGeom>
+              <a:ln w="25400">
+                <a:solidFill>
+                  <a:srgbClr val="FF0000"/>
+                </a:solidFill>
+              </a:ln>
+            </p:spPr>
+            <p:style>
+              <a:lnRef idx="1">
+                <a:schemeClr val="accent1"/>
+              </a:lnRef>
+              <a:fillRef idx="0">
+                <a:schemeClr val="accent1"/>
+              </a:fillRef>
+              <a:effectRef idx="0">
+                <a:schemeClr val="accent1"/>
+              </a:effectRef>
+              <a:fontRef idx="minor">
+                <a:schemeClr val="tx1"/>
+              </a:fontRef>
+            </p:style>
+          </p:cxnSp>
+          <p:cxnSp>
+            <p:nvCxnSpPr>
+              <p:cNvPr id="16" name="直接连接符 15" descr="0.3">
+                <a:extLst>
+                  <a:ext uri="{FF2B5EF4-FFF2-40B4-BE49-F238E27FC236}">
+                    <a16:creationId xmlns:a16="http://schemas.microsoft.com/office/drawing/2014/main" id="{B7231360-B644-47E7-A174-E9B9FBA987DA}"/>
+                  </a:ext>
+                </a:extLst>
+              </p:cNvPr>
+              <p:cNvCxnSpPr>
+                <a:cxnSpLocks/>
+                <a:stCxn id="6" idx="3"/>
+                <a:endCxn id="10" idx="1"/>
+              </p:cNvCxnSpPr>
+              <p:nvPr/>
+            </p:nvCxnSpPr>
+            <p:spPr>
+              <a:xfrm>
+                <a:off x="3028427" y="4660606"/>
+                <a:ext cx="1167467" cy="0"/>
+              </a:xfrm>
+              <a:prstGeom prst="line">
+                <a:avLst/>
+              </a:prstGeom>
+              <a:ln w="25400">
+                <a:solidFill>
+                  <a:srgbClr val="FF0000"/>
+                </a:solidFill>
+              </a:ln>
+            </p:spPr>
+            <p:style>
+              <a:lnRef idx="1">
+                <a:schemeClr val="accent1"/>
+              </a:lnRef>
+              <a:fillRef idx="0">
+                <a:schemeClr val="accent1"/>
+              </a:fillRef>
+              <a:effectRef idx="0">
+                <a:schemeClr val="accent1"/>
+              </a:effectRef>
+              <a:fontRef idx="minor">
+                <a:schemeClr val="tx1"/>
+              </a:fontRef>
+            </p:style>
+          </p:cxnSp>
+          <p:cxnSp>
+            <p:nvCxnSpPr>
+              <p:cNvPr id="17" name="直接连接符 16" descr="0.3">
+                <a:extLst>
+                  <a:ext uri="{FF2B5EF4-FFF2-40B4-BE49-F238E27FC236}">
+                    <a16:creationId xmlns:a16="http://schemas.microsoft.com/office/drawing/2014/main" id="{B8EB67C0-27C8-4C27-AC58-E86A9C317620}"/>
+                  </a:ext>
+                </a:extLst>
+              </p:cNvPr>
+              <p:cNvCxnSpPr>
+                <a:cxnSpLocks/>
+                <a:stCxn id="6" idx="3"/>
+                <a:endCxn id="11" idx="1"/>
+              </p:cNvCxnSpPr>
+              <p:nvPr/>
+            </p:nvCxnSpPr>
+            <p:spPr>
+              <a:xfrm>
+                <a:off x="3028427" y="4660606"/>
+                <a:ext cx="1167467" cy="558601"/>
+              </a:xfrm>
+              <a:prstGeom prst="line">
+                <a:avLst/>
+              </a:prstGeom>
+              <a:ln w="25400">
+                <a:solidFill>
+                  <a:srgbClr val="FF0000"/>
+                </a:solidFill>
+              </a:ln>
+            </p:spPr>
+            <p:style>
+              <a:lnRef idx="1">
+                <a:schemeClr val="accent1"/>
+              </a:lnRef>
+              <a:fillRef idx="0">
+                <a:schemeClr val="accent1"/>
+              </a:fillRef>
+              <a:effectRef idx="0">
+                <a:schemeClr val="accent1"/>
+              </a:effectRef>
+              <a:fontRef idx="minor">
+                <a:schemeClr val="tx1"/>
+              </a:fontRef>
+            </p:style>
+          </p:cxnSp>
+          <p:cxnSp>
+            <p:nvCxnSpPr>
+              <p:cNvPr id="18" name="直接连接符 17" descr="0.3">
+                <a:extLst>
+                  <a:ext uri="{FF2B5EF4-FFF2-40B4-BE49-F238E27FC236}">
+                    <a16:creationId xmlns:a16="http://schemas.microsoft.com/office/drawing/2014/main" id="{BB19CD8D-6963-4727-AA8C-424038241E91}"/>
+                  </a:ext>
+                </a:extLst>
+              </p:cNvPr>
+              <p:cNvCxnSpPr>
+                <a:cxnSpLocks/>
+                <a:stCxn id="8" idx="3"/>
+                <a:endCxn id="9" idx="1"/>
+              </p:cNvCxnSpPr>
+              <p:nvPr/>
+            </p:nvCxnSpPr>
+            <p:spPr>
+              <a:xfrm flipV="1">
+                <a:off x="3041011" y="4102005"/>
+                <a:ext cx="1154882" cy="1675803"/>
+              </a:xfrm>
+              <a:prstGeom prst="line">
+                <a:avLst/>
+              </a:prstGeom>
+              <a:ln w="25400">
+                <a:solidFill>
+                  <a:srgbClr val="FF0000"/>
+                </a:solidFill>
+              </a:ln>
+            </p:spPr>
+            <p:style>
+              <a:lnRef idx="1">
+                <a:schemeClr val="accent1"/>
+              </a:lnRef>
+              <a:fillRef idx="0">
+                <a:schemeClr val="accent1"/>
+              </a:fillRef>
+              <a:effectRef idx="0">
+                <a:schemeClr val="accent1"/>
+              </a:effectRef>
+              <a:fontRef idx="minor">
+                <a:schemeClr val="tx1"/>
+              </a:fontRef>
+            </p:style>
+          </p:cxnSp>
+          <p:cxnSp>
+            <p:nvCxnSpPr>
+              <p:cNvPr id="19" name="直接连接符 18" descr="0.3">
+                <a:extLst>
+                  <a:ext uri="{FF2B5EF4-FFF2-40B4-BE49-F238E27FC236}">
+                    <a16:creationId xmlns:a16="http://schemas.microsoft.com/office/drawing/2014/main" id="{7AC38D06-6A0B-4A57-9755-0DECA491F12A}"/>
+                  </a:ext>
+                </a:extLst>
+              </p:cNvPr>
+              <p:cNvCxnSpPr>
+                <a:cxnSpLocks/>
+                <a:stCxn id="7" idx="3"/>
+                <a:endCxn id="12" idx="1"/>
+              </p:cNvCxnSpPr>
+              <p:nvPr/>
+            </p:nvCxnSpPr>
+            <p:spPr>
+              <a:xfrm>
+                <a:off x="3028427" y="5219207"/>
+                <a:ext cx="1180051" cy="558601"/>
+              </a:xfrm>
+              <a:prstGeom prst="line">
+                <a:avLst/>
+              </a:prstGeom>
+              <a:ln w="25400">
+                <a:solidFill>
+                  <a:srgbClr val="FF0000"/>
+                </a:solidFill>
+              </a:ln>
+            </p:spPr>
+            <p:style>
+              <a:lnRef idx="1">
+                <a:schemeClr val="accent1"/>
+              </a:lnRef>
+              <a:fillRef idx="0">
+                <a:schemeClr val="accent1"/>
+              </a:fillRef>
+              <a:effectRef idx="0">
+                <a:schemeClr val="accent1"/>
+              </a:effectRef>
+              <a:fontRef idx="minor">
+                <a:schemeClr val="tx1"/>
+              </a:fontRef>
+            </p:style>
+          </p:cxnSp>
+        </p:grpSp>
+        <p:grpSp>
+          <p:nvGrpSpPr>
+            <p:cNvPr id="20" name="组合 19">
+              <a:extLst>
+                <a:ext uri="{FF2B5EF4-FFF2-40B4-BE49-F238E27FC236}">
+                  <a16:creationId xmlns:a16="http://schemas.microsoft.com/office/drawing/2014/main" id="{4C74C6A7-439D-485A-9469-F3431BA3BF46}"/>
+                </a:ext>
+              </a:extLst>
+            </p:cNvPr>
+            <p:cNvGrpSpPr/>
+            <p:nvPr/>
+          </p:nvGrpSpPr>
+          <p:grpSpPr>
+            <a:xfrm>
+              <a:off x="3868168" y="569834"/>
+              <a:ext cx="2345187" cy="2346782"/>
+              <a:chOff x="2396921" y="3766815"/>
+              <a:chExt cx="2345187" cy="2346782"/>
+            </a:xfrm>
+          </p:grpSpPr>
+          <p:sp>
+            <p:nvSpPr>
+              <p:cNvPr id="21" name="矩形: 圆角 20">
+                <a:extLst>
+                  <a:ext uri="{FF2B5EF4-FFF2-40B4-BE49-F238E27FC236}">
+                    <a16:creationId xmlns:a16="http://schemas.microsoft.com/office/drawing/2014/main" id="{0524F941-5DB4-4BF5-987C-8903A9BCE0F6}"/>
+                  </a:ext>
+                </a:extLst>
+              </p:cNvPr>
+              <p:cNvSpPr/>
+              <p:nvPr/>
+            </p:nvSpPr>
+            <p:spPr>
+              <a:xfrm>
+                <a:off x="3929308" y="3767415"/>
+                <a:ext cx="812800" cy="2346182"/>
+              </a:xfrm>
+              <a:prstGeom prst="roundRect">
+                <a:avLst/>
+              </a:prstGeom>
+            </p:spPr>
+            <p:style>
+              <a:lnRef idx="1">
+                <a:schemeClr val="accent5"/>
+              </a:lnRef>
+              <a:fillRef idx="2">
+                <a:schemeClr val="accent5"/>
+              </a:fillRef>
+              <a:effectRef idx="1">
+                <a:schemeClr val="accent5"/>
+              </a:effectRef>
+              <a:fontRef idx="minor">
+                <a:schemeClr val="dk1"/>
+              </a:fontRef>
+            </p:style>
+            <p:txBody>
+              <a:bodyPr rtlCol="0" anchor="ctr"/>
+              <a:lstStyle/>
+              <a:p>
+                <a:pPr algn="ctr"/>
+                <a:endParaRPr lang="zh-CN" altLang="en-US"/>
+              </a:p>
+            </p:txBody>
+          </p:sp>
+          <p:sp>
+            <p:nvSpPr>
+              <p:cNvPr id="22" name="矩形: 圆角 21">
+                <a:extLst>
+                  <a:ext uri="{FF2B5EF4-FFF2-40B4-BE49-F238E27FC236}">
+                    <a16:creationId xmlns:a16="http://schemas.microsoft.com/office/drawing/2014/main" id="{55ED20DD-5F03-4096-BA97-0CEDAE87ABC8}"/>
+                  </a:ext>
+                </a:extLst>
+              </p:cNvPr>
+              <p:cNvSpPr/>
+              <p:nvPr/>
+            </p:nvSpPr>
+            <p:spPr>
+              <a:xfrm>
+                <a:off x="2396921" y="3766815"/>
+                <a:ext cx="812800" cy="2346182"/>
+              </a:xfrm>
+              <a:prstGeom prst="roundRect">
+                <a:avLst/>
+              </a:prstGeom>
+            </p:spPr>
+            <p:style>
+              <a:lnRef idx="1">
+                <a:schemeClr val="accent5"/>
+              </a:lnRef>
+              <a:fillRef idx="2">
+                <a:schemeClr val="accent5"/>
+              </a:fillRef>
+              <a:effectRef idx="1">
+                <a:schemeClr val="accent5"/>
+              </a:effectRef>
+              <a:fontRef idx="minor">
+                <a:schemeClr val="dk1"/>
+              </a:fontRef>
+            </p:style>
+            <p:txBody>
+              <a:bodyPr rtlCol="0" anchor="ctr"/>
+              <a:lstStyle/>
+              <a:p>
+                <a:pPr algn="ctr"/>
+                <a:endParaRPr lang="zh-CN" altLang="en-US"/>
+              </a:p>
+            </p:txBody>
+          </p:sp>
+          <p:sp>
+            <p:nvSpPr>
+              <p:cNvPr id="23" name="文本框 22">
+                <a:extLst>
+                  <a:ext uri="{FF2B5EF4-FFF2-40B4-BE49-F238E27FC236}">
+                    <a16:creationId xmlns:a16="http://schemas.microsoft.com/office/drawing/2014/main" id="{E5B381BA-2B1F-4B0C-B157-67D1CEB8D3A6}"/>
+                  </a:ext>
+                </a:extLst>
+              </p:cNvPr>
+              <p:cNvSpPr txBox="1"/>
+              <p:nvPr/>
+            </p:nvSpPr>
+            <p:spPr>
+              <a:xfrm>
+                <a:off x="2650921" y="3917339"/>
+                <a:ext cx="377505" cy="369332"/>
+              </a:xfrm>
+              <a:prstGeom prst="rect">
+                <a:avLst/>
+              </a:prstGeom>
+              <a:noFill/>
+            </p:spPr>
+            <p:txBody>
+              <a:bodyPr wrap="square" rtlCol="0">
+                <a:spAutoFit/>
+              </a:bodyPr>
+              <a:lstStyle/>
+              <a:p>
+                <a:r>
+                  <a:rPr lang="en-US" altLang="zh-CN" b="1" dirty="0"/>
+                  <a:t>1</a:t>
+                </a:r>
+                <a:endParaRPr lang="zh-CN" altLang="en-US" b="1" dirty="0"/>
+              </a:p>
+            </p:txBody>
+          </p:sp>
+          <p:sp>
+            <p:nvSpPr>
+              <p:cNvPr id="24" name="文本框 23">
+                <a:extLst>
+                  <a:ext uri="{FF2B5EF4-FFF2-40B4-BE49-F238E27FC236}">
+                    <a16:creationId xmlns:a16="http://schemas.microsoft.com/office/drawing/2014/main" id="{E52B38E6-5C40-49E1-B9A8-A6041ED005BF}"/>
+                  </a:ext>
+                </a:extLst>
+              </p:cNvPr>
+              <p:cNvSpPr txBox="1"/>
+              <p:nvPr/>
+            </p:nvSpPr>
+            <p:spPr>
+              <a:xfrm>
+                <a:off x="2650922" y="4475940"/>
+                <a:ext cx="377505" cy="369332"/>
+              </a:xfrm>
+              <a:prstGeom prst="rect">
+                <a:avLst/>
+              </a:prstGeom>
+              <a:noFill/>
+            </p:spPr>
+            <p:txBody>
+              <a:bodyPr wrap="square" rtlCol="0">
+                <a:spAutoFit/>
+              </a:bodyPr>
+              <a:lstStyle/>
+              <a:p>
+                <a:r>
+                  <a:rPr lang="en-US" altLang="zh-CN" b="1" dirty="0"/>
+                  <a:t>2</a:t>
+                </a:r>
+                <a:endParaRPr lang="zh-CN" altLang="en-US" b="1" dirty="0"/>
+              </a:p>
+            </p:txBody>
+          </p:sp>
+          <p:sp>
+            <p:nvSpPr>
+              <p:cNvPr id="25" name="文本框 24">
+                <a:extLst>
+                  <a:ext uri="{FF2B5EF4-FFF2-40B4-BE49-F238E27FC236}">
+                    <a16:creationId xmlns:a16="http://schemas.microsoft.com/office/drawing/2014/main" id="{8CE16436-3ADA-4EE8-8EA3-CEC2AAB7489F}"/>
+                  </a:ext>
+                </a:extLst>
+              </p:cNvPr>
+              <p:cNvSpPr txBox="1"/>
+              <p:nvPr/>
+            </p:nvSpPr>
+            <p:spPr>
+              <a:xfrm>
+                <a:off x="2650922" y="5034541"/>
+                <a:ext cx="377505" cy="369332"/>
+              </a:xfrm>
+              <a:prstGeom prst="rect">
+                <a:avLst/>
+              </a:prstGeom>
+              <a:noFill/>
+            </p:spPr>
+            <p:txBody>
+              <a:bodyPr wrap="square" rtlCol="0">
+                <a:spAutoFit/>
+              </a:bodyPr>
+              <a:lstStyle/>
+              <a:p>
+                <a:r>
+                  <a:rPr lang="en-US" altLang="zh-CN" b="1" dirty="0"/>
+                  <a:t>3</a:t>
+                </a:r>
+                <a:endParaRPr lang="zh-CN" altLang="en-US" b="1" dirty="0"/>
+              </a:p>
+            </p:txBody>
+          </p:sp>
+          <p:sp>
+            <p:nvSpPr>
+              <p:cNvPr id="26" name="文本框 25">
+                <a:extLst>
+                  <a:ext uri="{FF2B5EF4-FFF2-40B4-BE49-F238E27FC236}">
+                    <a16:creationId xmlns:a16="http://schemas.microsoft.com/office/drawing/2014/main" id="{40E21A23-37D8-4DE6-BEA0-0C17BD831CE2}"/>
+                  </a:ext>
+                </a:extLst>
+              </p:cNvPr>
+              <p:cNvSpPr txBox="1"/>
+              <p:nvPr/>
+            </p:nvSpPr>
+            <p:spPr>
+              <a:xfrm>
+                <a:off x="2663506" y="5593142"/>
+                <a:ext cx="377505" cy="369332"/>
+              </a:xfrm>
+              <a:prstGeom prst="rect">
+                <a:avLst/>
+              </a:prstGeom>
+              <a:noFill/>
+            </p:spPr>
+            <p:txBody>
+              <a:bodyPr wrap="square" rtlCol="0">
+                <a:spAutoFit/>
+              </a:bodyPr>
+              <a:lstStyle/>
+              <a:p>
+                <a:r>
+                  <a:rPr lang="en-US" altLang="zh-CN" b="1" dirty="0"/>
+                  <a:t>4</a:t>
+                </a:r>
+                <a:endParaRPr lang="zh-CN" altLang="en-US" b="1" dirty="0"/>
+              </a:p>
+            </p:txBody>
+          </p:sp>
+          <p:sp>
+            <p:nvSpPr>
+              <p:cNvPr id="27" name="文本框 26">
+                <a:extLst>
+                  <a:ext uri="{FF2B5EF4-FFF2-40B4-BE49-F238E27FC236}">
+                    <a16:creationId xmlns:a16="http://schemas.microsoft.com/office/drawing/2014/main" id="{37D3AF18-5CB2-488F-9A3A-8218F474F66B}"/>
+                  </a:ext>
+                </a:extLst>
+              </p:cNvPr>
+              <p:cNvSpPr txBox="1"/>
+              <p:nvPr/>
+            </p:nvSpPr>
+            <p:spPr>
+              <a:xfrm>
+                <a:off x="4195893" y="3917339"/>
+                <a:ext cx="377505" cy="369332"/>
+              </a:xfrm>
+              <a:prstGeom prst="rect">
+                <a:avLst/>
+              </a:prstGeom>
+            </p:spPr>
+            <p:style>
+              <a:lnRef idx="2">
+                <a:schemeClr val="accent2">
+                  <a:shade val="50000"/>
+                </a:schemeClr>
+              </a:lnRef>
+              <a:fillRef idx="1">
+                <a:schemeClr val="accent2"/>
+              </a:fillRef>
+              <a:effectRef idx="0">
+                <a:schemeClr val="accent2"/>
+              </a:effectRef>
+              <a:fontRef idx="minor">
+                <a:schemeClr val="lt1"/>
+              </a:fontRef>
+            </p:style>
+            <p:txBody>
+              <a:bodyPr wrap="square" rtlCol="0">
+                <a:spAutoFit/>
+              </a:bodyPr>
+              <a:lstStyle/>
+              <a:p>
+                <a:r>
+                  <a:rPr lang="en-US" altLang="zh-CN" b="1" dirty="0"/>
+                  <a:t>A</a:t>
+                </a:r>
+                <a:endParaRPr lang="zh-CN" altLang="en-US" b="1" dirty="0"/>
+              </a:p>
+            </p:txBody>
+          </p:sp>
+          <p:sp>
+            <p:nvSpPr>
+              <p:cNvPr id="28" name="文本框 27">
+                <a:extLst>
+                  <a:ext uri="{FF2B5EF4-FFF2-40B4-BE49-F238E27FC236}">
+                    <a16:creationId xmlns:a16="http://schemas.microsoft.com/office/drawing/2014/main" id="{877AF752-DF6B-41D6-816C-135B765570DE}"/>
+                  </a:ext>
+                </a:extLst>
+              </p:cNvPr>
+              <p:cNvSpPr txBox="1"/>
+              <p:nvPr/>
+            </p:nvSpPr>
+            <p:spPr>
+              <a:xfrm>
+                <a:off x="4195894" y="4475940"/>
+                <a:ext cx="377505" cy="369332"/>
+              </a:xfrm>
+              <a:prstGeom prst="rect">
+                <a:avLst/>
+              </a:prstGeom>
+            </p:spPr>
+            <p:style>
+              <a:lnRef idx="2">
+                <a:schemeClr val="accent2">
+                  <a:shade val="50000"/>
+                </a:schemeClr>
+              </a:lnRef>
+              <a:fillRef idx="1">
+                <a:schemeClr val="accent2"/>
+              </a:fillRef>
+              <a:effectRef idx="0">
+                <a:schemeClr val="accent2"/>
+              </a:effectRef>
+              <a:fontRef idx="minor">
+                <a:schemeClr val="lt1"/>
+              </a:fontRef>
+            </p:style>
+            <p:txBody>
+              <a:bodyPr wrap="square" rtlCol="0">
+                <a:spAutoFit/>
+              </a:bodyPr>
+              <a:lstStyle/>
+              <a:p>
+                <a:r>
+                  <a:rPr lang="en-US" altLang="zh-CN" b="1" dirty="0"/>
+                  <a:t>B</a:t>
+                </a:r>
+                <a:endParaRPr lang="zh-CN" altLang="en-US" b="1" dirty="0"/>
+              </a:p>
+            </p:txBody>
+          </p:sp>
+          <p:sp>
+            <p:nvSpPr>
+              <p:cNvPr id="29" name="文本框 28">
+                <a:extLst>
+                  <a:ext uri="{FF2B5EF4-FFF2-40B4-BE49-F238E27FC236}">
+                    <a16:creationId xmlns:a16="http://schemas.microsoft.com/office/drawing/2014/main" id="{08E8C216-B97A-4F7F-A9EA-D97409E725CF}"/>
+                  </a:ext>
+                </a:extLst>
+              </p:cNvPr>
+              <p:cNvSpPr txBox="1"/>
+              <p:nvPr/>
+            </p:nvSpPr>
+            <p:spPr>
+              <a:xfrm>
+                <a:off x="4195894" y="5034541"/>
+                <a:ext cx="377505" cy="369332"/>
+              </a:xfrm>
+              <a:prstGeom prst="rect">
+                <a:avLst/>
+              </a:prstGeom>
+              <a:noFill/>
+            </p:spPr>
+            <p:txBody>
+              <a:bodyPr wrap="square" rtlCol="0">
+                <a:spAutoFit/>
+              </a:bodyPr>
+              <a:lstStyle/>
+              <a:p>
+                <a:r>
+                  <a:rPr lang="en-US" altLang="zh-CN" b="1" dirty="0"/>
+                  <a:t>C</a:t>
+                </a:r>
+                <a:endParaRPr lang="zh-CN" altLang="en-US" b="1" dirty="0"/>
+              </a:p>
+            </p:txBody>
+          </p:sp>
+          <p:sp>
+            <p:nvSpPr>
+              <p:cNvPr id="30" name="文本框 29">
+                <a:extLst>
+                  <a:ext uri="{FF2B5EF4-FFF2-40B4-BE49-F238E27FC236}">
+                    <a16:creationId xmlns:a16="http://schemas.microsoft.com/office/drawing/2014/main" id="{82C4DE83-CD90-4C14-8999-FD29F18AA38D}"/>
+                  </a:ext>
+                </a:extLst>
+              </p:cNvPr>
+              <p:cNvSpPr txBox="1"/>
+              <p:nvPr/>
+            </p:nvSpPr>
+            <p:spPr>
+              <a:xfrm>
+                <a:off x="4208478" y="5593142"/>
+                <a:ext cx="377505" cy="369332"/>
+              </a:xfrm>
+              <a:prstGeom prst="rect">
+                <a:avLst/>
+              </a:prstGeom>
+              <a:noFill/>
+            </p:spPr>
+            <p:txBody>
+              <a:bodyPr wrap="square" rtlCol="0">
+                <a:spAutoFit/>
+              </a:bodyPr>
+              <a:lstStyle/>
+              <a:p>
+                <a:r>
+                  <a:rPr lang="en-US" altLang="zh-CN" b="1" dirty="0"/>
+                  <a:t>D</a:t>
+                </a:r>
+                <a:endParaRPr lang="zh-CN" altLang="en-US" b="1" dirty="0"/>
+              </a:p>
+            </p:txBody>
+          </p:sp>
+          <p:cxnSp>
+            <p:nvCxnSpPr>
+              <p:cNvPr id="31" name="直接连接符 30" descr="0.3">
+                <a:extLst>
+                  <a:ext uri="{FF2B5EF4-FFF2-40B4-BE49-F238E27FC236}">
+                    <a16:creationId xmlns:a16="http://schemas.microsoft.com/office/drawing/2014/main" id="{AE374E89-30E2-4809-9410-C1473F9FDF68}"/>
+                  </a:ext>
+                </a:extLst>
+              </p:cNvPr>
+              <p:cNvCxnSpPr>
+                <a:cxnSpLocks/>
+                <a:stCxn id="23" idx="3"/>
+                <a:endCxn id="27" idx="1"/>
+              </p:cNvCxnSpPr>
+              <p:nvPr/>
+            </p:nvCxnSpPr>
+            <p:spPr>
+              <a:xfrm>
+                <a:off x="3028426" y="4102005"/>
+                <a:ext cx="1167467" cy="0"/>
+              </a:xfrm>
+              <a:prstGeom prst="line">
+                <a:avLst/>
+              </a:prstGeom>
+              <a:ln w="25400">
+                <a:solidFill>
+                  <a:schemeClr val="accent1"/>
+                </a:solidFill>
+              </a:ln>
+            </p:spPr>
+            <p:style>
+              <a:lnRef idx="1">
+                <a:schemeClr val="accent1"/>
+              </a:lnRef>
+              <a:fillRef idx="0">
+                <a:schemeClr val="accent1"/>
+              </a:fillRef>
+              <a:effectRef idx="0">
+                <a:schemeClr val="accent1"/>
+              </a:effectRef>
+              <a:fontRef idx="minor">
+                <a:schemeClr val="tx1"/>
+              </a:fontRef>
+            </p:style>
+          </p:cxnSp>
+          <p:cxnSp>
+            <p:nvCxnSpPr>
+              <p:cNvPr id="32" name="直接连接符 31" descr="0.3">
+                <a:extLst>
+                  <a:ext uri="{FF2B5EF4-FFF2-40B4-BE49-F238E27FC236}">
+                    <a16:creationId xmlns:a16="http://schemas.microsoft.com/office/drawing/2014/main" id="{5EA3126C-CE27-4705-9582-FD86F94DAAA0}"/>
+                  </a:ext>
+                </a:extLst>
+              </p:cNvPr>
+              <p:cNvCxnSpPr>
+                <a:cxnSpLocks/>
+                <a:stCxn id="23" idx="3"/>
+                <a:endCxn id="28" idx="1"/>
+              </p:cNvCxnSpPr>
+              <p:nvPr/>
+            </p:nvCxnSpPr>
+            <p:spPr>
+              <a:xfrm>
+                <a:off x="3028426" y="4102005"/>
+                <a:ext cx="1167468" cy="558601"/>
+              </a:xfrm>
+              <a:prstGeom prst="line">
+                <a:avLst/>
+              </a:prstGeom>
+              <a:ln w="25400">
+                <a:solidFill>
+                  <a:srgbClr val="FF0000"/>
+                </a:solidFill>
+              </a:ln>
+            </p:spPr>
+            <p:style>
+              <a:lnRef idx="1">
+                <a:schemeClr val="accent1"/>
+              </a:lnRef>
+              <a:fillRef idx="0">
+                <a:schemeClr val="accent1"/>
+              </a:fillRef>
+              <a:effectRef idx="0">
+                <a:schemeClr val="accent1"/>
+              </a:effectRef>
+              <a:fontRef idx="minor">
+                <a:schemeClr val="tx1"/>
+              </a:fontRef>
+            </p:style>
+          </p:cxnSp>
+          <p:cxnSp>
+            <p:nvCxnSpPr>
+              <p:cNvPr id="33" name="直接连接符 32" descr="0.3">
+                <a:extLst>
+                  <a:ext uri="{FF2B5EF4-FFF2-40B4-BE49-F238E27FC236}">
+                    <a16:creationId xmlns:a16="http://schemas.microsoft.com/office/drawing/2014/main" id="{B4022EB2-E538-4F8C-A488-476D4856AA07}"/>
+                  </a:ext>
+                </a:extLst>
+              </p:cNvPr>
+              <p:cNvCxnSpPr>
+                <a:cxnSpLocks/>
+                <a:stCxn id="23" idx="3"/>
+                <a:endCxn id="29" idx="1"/>
+              </p:cNvCxnSpPr>
+              <p:nvPr/>
+            </p:nvCxnSpPr>
+            <p:spPr>
+              <a:xfrm>
+                <a:off x="3028426" y="4102005"/>
+                <a:ext cx="1167468" cy="1117202"/>
+              </a:xfrm>
+              <a:prstGeom prst="line">
+                <a:avLst/>
+              </a:prstGeom>
+              <a:ln w="25400">
+                <a:solidFill>
+                  <a:srgbClr val="FF0000"/>
+                </a:solidFill>
+              </a:ln>
+            </p:spPr>
+            <p:style>
+              <a:lnRef idx="1">
+                <a:schemeClr val="accent1"/>
+              </a:lnRef>
+              <a:fillRef idx="0">
+                <a:schemeClr val="accent1"/>
+              </a:fillRef>
+              <a:effectRef idx="0">
+                <a:schemeClr val="accent1"/>
+              </a:effectRef>
+              <a:fontRef idx="minor">
+                <a:schemeClr val="tx1"/>
+              </a:fontRef>
+            </p:style>
+          </p:cxnSp>
+          <p:cxnSp>
+            <p:nvCxnSpPr>
+              <p:cNvPr id="34" name="直接连接符 33" descr="0.3">
+                <a:extLst>
+                  <a:ext uri="{FF2B5EF4-FFF2-40B4-BE49-F238E27FC236}">
+                    <a16:creationId xmlns:a16="http://schemas.microsoft.com/office/drawing/2014/main" id="{FA2AD079-F096-4357-A7C8-4D36BDCD2863}"/>
+                  </a:ext>
+                </a:extLst>
+              </p:cNvPr>
+              <p:cNvCxnSpPr>
+                <a:cxnSpLocks/>
+                <a:stCxn id="24" idx="3"/>
+                <a:endCxn id="28" idx="1"/>
+              </p:cNvCxnSpPr>
+              <p:nvPr/>
+            </p:nvCxnSpPr>
+            <p:spPr>
+              <a:xfrm>
+                <a:off x="3028427" y="4660606"/>
+                <a:ext cx="1167467" cy="0"/>
+              </a:xfrm>
+              <a:prstGeom prst="line">
+                <a:avLst/>
+              </a:prstGeom>
+              <a:ln w="25400">
+                <a:solidFill>
+                  <a:schemeClr val="accent1"/>
+                </a:solidFill>
+              </a:ln>
+            </p:spPr>
+            <p:style>
+              <a:lnRef idx="1">
+                <a:schemeClr val="accent1"/>
+              </a:lnRef>
+              <a:fillRef idx="0">
+                <a:schemeClr val="accent1"/>
+              </a:fillRef>
+              <a:effectRef idx="0">
+                <a:schemeClr val="accent1"/>
+              </a:effectRef>
+              <a:fontRef idx="minor">
+                <a:schemeClr val="tx1"/>
+              </a:fontRef>
+            </p:style>
+          </p:cxnSp>
+          <p:cxnSp>
+            <p:nvCxnSpPr>
+              <p:cNvPr id="35" name="直接连接符 34" descr="0.3">
+                <a:extLst>
+                  <a:ext uri="{FF2B5EF4-FFF2-40B4-BE49-F238E27FC236}">
+                    <a16:creationId xmlns:a16="http://schemas.microsoft.com/office/drawing/2014/main" id="{7A2A5AE5-C840-4FC4-A23A-4104143BD01C}"/>
+                  </a:ext>
+                </a:extLst>
+              </p:cNvPr>
+              <p:cNvCxnSpPr>
+                <a:cxnSpLocks/>
+                <a:stCxn id="24" idx="3"/>
+                <a:endCxn id="29" idx="1"/>
+              </p:cNvCxnSpPr>
+              <p:nvPr/>
+            </p:nvCxnSpPr>
+            <p:spPr>
+              <a:xfrm>
+                <a:off x="3028427" y="4660606"/>
+                <a:ext cx="1167467" cy="558601"/>
+              </a:xfrm>
+              <a:prstGeom prst="line">
+                <a:avLst/>
+              </a:prstGeom>
+              <a:ln w="25400">
+                <a:solidFill>
+                  <a:srgbClr val="FF0000"/>
+                </a:solidFill>
+              </a:ln>
+            </p:spPr>
+            <p:style>
+              <a:lnRef idx="1">
+                <a:schemeClr val="accent1"/>
+              </a:lnRef>
+              <a:fillRef idx="0">
+                <a:schemeClr val="accent1"/>
+              </a:fillRef>
+              <a:effectRef idx="0">
+                <a:schemeClr val="accent1"/>
+              </a:effectRef>
+              <a:fontRef idx="minor">
+                <a:schemeClr val="tx1"/>
+              </a:fontRef>
+            </p:style>
+          </p:cxnSp>
+          <p:cxnSp>
+            <p:nvCxnSpPr>
+              <p:cNvPr id="36" name="直接连接符 35" descr="0.3">
+                <a:extLst>
+                  <a:ext uri="{FF2B5EF4-FFF2-40B4-BE49-F238E27FC236}">
+                    <a16:creationId xmlns:a16="http://schemas.microsoft.com/office/drawing/2014/main" id="{8A9D6B4B-887A-4F3F-B151-B7E95022753C}"/>
+                  </a:ext>
+                </a:extLst>
+              </p:cNvPr>
+              <p:cNvCxnSpPr>
+                <a:cxnSpLocks/>
+                <a:stCxn id="26" idx="3"/>
+                <a:endCxn id="27" idx="1"/>
+              </p:cNvCxnSpPr>
+              <p:nvPr/>
+            </p:nvCxnSpPr>
+            <p:spPr>
+              <a:xfrm flipV="1">
+                <a:off x="3041011" y="4102005"/>
+                <a:ext cx="1154882" cy="1675803"/>
+              </a:xfrm>
+              <a:prstGeom prst="line">
+                <a:avLst/>
+              </a:prstGeom>
+              <a:ln w="25400">
+                <a:solidFill>
+                  <a:srgbClr val="FF0000"/>
+                </a:solidFill>
+              </a:ln>
+            </p:spPr>
+            <p:style>
+              <a:lnRef idx="1">
+                <a:schemeClr val="accent1"/>
+              </a:lnRef>
+              <a:fillRef idx="0">
+                <a:schemeClr val="accent1"/>
+              </a:fillRef>
+              <a:effectRef idx="0">
+                <a:schemeClr val="accent1"/>
+              </a:effectRef>
+              <a:fontRef idx="minor">
+                <a:schemeClr val="tx1"/>
+              </a:fontRef>
+            </p:style>
+          </p:cxnSp>
+          <p:cxnSp>
+            <p:nvCxnSpPr>
+              <p:cNvPr id="37" name="直接连接符 36" descr="0.3">
+                <a:extLst>
+                  <a:ext uri="{FF2B5EF4-FFF2-40B4-BE49-F238E27FC236}">
+                    <a16:creationId xmlns:a16="http://schemas.microsoft.com/office/drawing/2014/main" id="{BC83E5C9-D15D-4EBA-8E77-7F7000C7C88B}"/>
+                  </a:ext>
+                </a:extLst>
+              </p:cNvPr>
+              <p:cNvCxnSpPr>
+                <a:cxnSpLocks/>
+                <a:stCxn id="25" idx="3"/>
+                <a:endCxn id="30" idx="1"/>
+              </p:cNvCxnSpPr>
+              <p:nvPr/>
+            </p:nvCxnSpPr>
+            <p:spPr>
+              <a:xfrm>
+                <a:off x="3028427" y="5219207"/>
+                <a:ext cx="1180051" cy="558601"/>
+              </a:xfrm>
+              <a:prstGeom prst="line">
+                <a:avLst/>
+              </a:prstGeom>
+              <a:ln w="25400">
+                <a:solidFill>
+                  <a:srgbClr val="FF0000"/>
+                </a:solidFill>
+              </a:ln>
+            </p:spPr>
+            <p:style>
+              <a:lnRef idx="1">
+                <a:schemeClr val="accent1"/>
+              </a:lnRef>
+              <a:fillRef idx="0">
+                <a:schemeClr val="accent1"/>
+              </a:fillRef>
+              <a:effectRef idx="0">
+                <a:schemeClr val="accent1"/>
+              </a:effectRef>
+              <a:fontRef idx="minor">
+                <a:schemeClr val="tx1"/>
+              </a:fontRef>
+            </p:style>
+          </p:cxnSp>
+        </p:grpSp>
+        <p:grpSp>
+          <p:nvGrpSpPr>
+            <p:cNvPr id="56" name="组合 55">
+              <a:extLst>
+                <a:ext uri="{FF2B5EF4-FFF2-40B4-BE49-F238E27FC236}">
+                  <a16:creationId xmlns:a16="http://schemas.microsoft.com/office/drawing/2014/main" id="{DE77B606-58BF-4821-AF4D-401E5C95DD02}"/>
+                </a:ext>
+              </a:extLst>
+            </p:cNvPr>
+            <p:cNvGrpSpPr/>
+            <p:nvPr/>
+          </p:nvGrpSpPr>
+          <p:grpSpPr>
+            <a:xfrm>
+              <a:off x="679296" y="3328098"/>
+              <a:ext cx="2345187" cy="2346782"/>
+              <a:chOff x="2396921" y="3766815"/>
+              <a:chExt cx="2345187" cy="2346782"/>
+            </a:xfrm>
+          </p:grpSpPr>
+          <p:sp>
+            <p:nvSpPr>
+              <p:cNvPr id="57" name="矩形: 圆角 56">
+                <a:extLst>
+                  <a:ext uri="{FF2B5EF4-FFF2-40B4-BE49-F238E27FC236}">
+                    <a16:creationId xmlns:a16="http://schemas.microsoft.com/office/drawing/2014/main" id="{D5AC9ACD-1599-4E1E-94F5-A1FBE1946E68}"/>
+                  </a:ext>
+                </a:extLst>
+              </p:cNvPr>
+              <p:cNvSpPr/>
+              <p:nvPr/>
+            </p:nvSpPr>
+            <p:spPr>
+              <a:xfrm>
+                <a:off x="3929308" y="3767415"/>
+                <a:ext cx="812800" cy="2346182"/>
+              </a:xfrm>
+              <a:prstGeom prst="roundRect">
+                <a:avLst/>
+              </a:prstGeom>
+            </p:spPr>
+            <p:style>
+              <a:lnRef idx="1">
+                <a:schemeClr val="accent5"/>
+              </a:lnRef>
+              <a:fillRef idx="2">
+                <a:schemeClr val="accent5"/>
+              </a:fillRef>
+              <a:effectRef idx="1">
+                <a:schemeClr val="accent5"/>
+              </a:effectRef>
+              <a:fontRef idx="minor">
+                <a:schemeClr val="dk1"/>
+              </a:fontRef>
+            </p:style>
+            <p:txBody>
+              <a:bodyPr rtlCol="0" anchor="ctr"/>
+              <a:lstStyle/>
+              <a:p>
+                <a:pPr algn="ctr"/>
+                <a:endParaRPr lang="zh-CN" altLang="en-US"/>
+              </a:p>
+            </p:txBody>
+          </p:sp>
+          <p:sp>
+            <p:nvSpPr>
+              <p:cNvPr id="58" name="矩形: 圆角 57">
+                <a:extLst>
+                  <a:ext uri="{FF2B5EF4-FFF2-40B4-BE49-F238E27FC236}">
+                    <a16:creationId xmlns:a16="http://schemas.microsoft.com/office/drawing/2014/main" id="{74C5F65A-421C-4A7A-B9A3-F92BB31FDB14}"/>
+                  </a:ext>
+                </a:extLst>
+              </p:cNvPr>
+              <p:cNvSpPr/>
+              <p:nvPr/>
+            </p:nvSpPr>
+            <p:spPr>
+              <a:xfrm>
+                <a:off x="2396921" y="3766815"/>
+                <a:ext cx="812800" cy="2346182"/>
+              </a:xfrm>
+              <a:prstGeom prst="roundRect">
+                <a:avLst/>
+              </a:prstGeom>
+            </p:spPr>
+            <p:style>
+              <a:lnRef idx="1">
+                <a:schemeClr val="accent5"/>
+              </a:lnRef>
+              <a:fillRef idx="2">
+                <a:schemeClr val="accent5"/>
+              </a:fillRef>
+              <a:effectRef idx="1">
+                <a:schemeClr val="accent5"/>
+              </a:effectRef>
+              <a:fontRef idx="minor">
+                <a:schemeClr val="dk1"/>
+              </a:fontRef>
+            </p:style>
+            <p:txBody>
+              <a:bodyPr rtlCol="0" anchor="ctr"/>
+              <a:lstStyle/>
+              <a:p>
+                <a:pPr algn="ctr"/>
+                <a:endParaRPr lang="zh-CN" altLang="en-US"/>
+              </a:p>
+            </p:txBody>
+          </p:sp>
+          <p:sp>
+            <p:nvSpPr>
+              <p:cNvPr id="59" name="文本框 58">
+                <a:extLst>
+                  <a:ext uri="{FF2B5EF4-FFF2-40B4-BE49-F238E27FC236}">
+                    <a16:creationId xmlns:a16="http://schemas.microsoft.com/office/drawing/2014/main" id="{4E489880-9599-4F6E-B516-6575925D3520}"/>
+                  </a:ext>
+                </a:extLst>
+              </p:cNvPr>
+              <p:cNvSpPr txBox="1"/>
+              <p:nvPr/>
+            </p:nvSpPr>
+            <p:spPr>
+              <a:xfrm>
+                <a:off x="2650921" y="3917339"/>
+                <a:ext cx="377505" cy="369332"/>
+              </a:xfrm>
+              <a:prstGeom prst="rect">
+                <a:avLst/>
+              </a:prstGeom>
+              <a:noFill/>
+            </p:spPr>
+            <p:txBody>
+              <a:bodyPr wrap="square" rtlCol="0">
+                <a:spAutoFit/>
+              </a:bodyPr>
+              <a:lstStyle/>
+              <a:p>
+                <a:r>
+                  <a:rPr lang="en-US" altLang="zh-CN" b="1" dirty="0"/>
+                  <a:t>1</a:t>
+                </a:r>
+                <a:endParaRPr lang="zh-CN" altLang="en-US" b="1" dirty="0"/>
+              </a:p>
+            </p:txBody>
+          </p:sp>
+          <p:sp>
+            <p:nvSpPr>
+              <p:cNvPr id="60" name="文本框 59">
+                <a:extLst>
+                  <a:ext uri="{FF2B5EF4-FFF2-40B4-BE49-F238E27FC236}">
+                    <a16:creationId xmlns:a16="http://schemas.microsoft.com/office/drawing/2014/main" id="{7F2499D5-B2BE-473D-80C3-7B38392CB2EA}"/>
+                  </a:ext>
+                </a:extLst>
+              </p:cNvPr>
+              <p:cNvSpPr txBox="1"/>
+              <p:nvPr/>
+            </p:nvSpPr>
+            <p:spPr>
+              <a:xfrm>
+                <a:off x="2650922" y="4475940"/>
+                <a:ext cx="377505" cy="369332"/>
+              </a:xfrm>
+              <a:prstGeom prst="rect">
+                <a:avLst/>
+              </a:prstGeom>
+              <a:noFill/>
+            </p:spPr>
+            <p:txBody>
+              <a:bodyPr wrap="square" rtlCol="0">
+                <a:spAutoFit/>
+              </a:bodyPr>
+              <a:lstStyle/>
+              <a:p>
+                <a:r>
+                  <a:rPr lang="en-US" altLang="zh-CN" b="1" dirty="0"/>
+                  <a:t>2</a:t>
+                </a:r>
+                <a:endParaRPr lang="zh-CN" altLang="en-US" b="1" dirty="0"/>
+              </a:p>
+            </p:txBody>
+          </p:sp>
+          <p:sp>
+            <p:nvSpPr>
+              <p:cNvPr id="61" name="文本框 60">
+                <a:extLst>
+                  <a:ext uri="{FF2B5EF4-FFF2-40B4-BE49-F238E27FC236}">
+                    <a16:creationId xmlns:a16="http://schemas.microsoft.com/office/drawing/2014/main" id="{048A1DE5-8B59-44AE-B158-CC889274D9A5}"/>
+                  </a:ext>
+                </a:extLst>
+              </p:cNvPr>
+              <p:cNvSpPr txBox="1"/>
+              <p:nvPr/>
+            </p:nvSpPr>
+            <p:spPr>
+              <a:xfrm>
+                <a:off x="2650922" y="5034541"/>
+                <a:ext cx="377505" cy="369332"/>
+              </a:xfrm>
+              <a:prstGeom prst="rect">
+                <a:avLst/>
+              </a:prstGeom>
+              <a:noFill/>
+            </p:spPr>
+            <p:txBody>
+              <a:bodyPr wrap="square" rtlCol="0">
+                <a:spAutoFit/>
+              </a:bodyPr>
+              <a:lstStyle/>
+              <a:p>
+                <a:r>
+                  <a:rPr lang="en-US" altLang="zh-CN" b="1" dirty="0"/>
+                  <a:t>3</a:t>
+                </a:r>
+                <a:endParaRPr lang="zh-CN" altLang="en-US" b="1" dirty="0"/>
+              </a:p>
+            </p:txBody>
+          </p:sp>
+          <p:sp>
+            <p:nvSpPr>
+              <p:cNvPr id="62" name="文本框 61">
+                <a:extLst>
+                  <a:ext uri="{FF2B5EF4-FFF2-40B4-BE49-F238E27FC236}">
+                    <a16:creationId xmlns:a16="http://schemas.microsoft.com/office/drawing/2014/main" id="{26B6445A-1C40-44C2-B232-DEE246A37932}"/>
+                  </a:ext>
+                </a:extLst>
+              </p:cNvPr>
+              <p:cNvSpPr txBox="1"/>
+              <p:nvPr/>
+            </p:nvSpPr>
+            <p:spPr>
+              <a:xfrm>
+                <a:off x="2663506" y="5593142"/>
+                <a:ext cx="377505" cy="369332"/>
+              </a:xfrm>
+              <a:prstGeom prst="rect">
+                <a:avLst/>
+              </a:prstGeom>
+              <a:noFill/>
+            </p:spPr>
+            <p:txBody>
+              <a:bodyPr wrap="square" rtlCol="0">
+                <a:spAutoFit/>
+              </a:bodyPr>
+              <a:lstStyle/>
+              <a:p>
+                <a:r>
+                  <a:rPr lang="en-US" altLang="zh-CN" b="1" dirty="0"/>
+                  <a:t>4</a:t>
+                </a:r>
+                <a:endParaRPr lang="zh-CN" altLang="en-US" b="1" dirty="0"/>
+              </a:p>
+            </p:txBody>
+          </p:sp>
+          <p:sp>
+            <p:nvSpPr>
+              <p:cNvPr id="63" name="文本框 62">
+                <a:extLst>
+                  <a:ext uri="{FF2B5EF4-FFF2-40B4-BE49-F238E27FC236}">
+                    <a16:creationId xmlns:a16="http://schemas.microsoft.com/office/drawing/2014/main" id="{F0213CC7-B91F-4A77-94F5-98D8BE7D182E}"/>
+                  </a:ext>
+                </a:extLst>
+              </p:cNvPr>
+              <p:cNvSpPr txBox="1"/>
+              <p:nvPr/>
+            </p:nvSpPr>
+            <p:spPr>
+              <a:xfrm>
+                <a:off x="4195893" y="3917339"/>
+                <a:ext cx="377505" cy="369332"/>
+              </a:xfrm>
+              <a:prstGeom prst="rect">
+                <a:avLst/>
+              </a:prstGeom>
+            </p:spPr>
+            <p:style>
+              <a:lnRef idx="2">
+                <a:schemeClr val="accent2">
+                  <a:shade val="50000"/>
+                </a:schemeClr>
+              </a:lnRef>
+              <a:fillRef idx="1">
+                <a:schemeClr val="accent2"/>
+              </a:fillRef>
+              <a:effectRef idx="0">
+                <a:schemeClr val="accent2"/>
+              </a:effectRef>
+              <a:fontRef idx="minor">
+                <a:schemeClr val="lt1"/>
+              </a:fontRef>
+            </p:style>
+            <p:txBody>
+              <a:bodyPr wrap="square" rtlCol="0">
+                <a:spAutoFit/>
+              </a:bodyPr>
+              <a:lstStyle/>
+              <a:p>
+                <a:r>
+                  <a:rPr lang="en-US" altLang="zh-CN" b="1" dirty="0"/>
+                  <a:t>A</a:t>
+                </a:r>
+                <a:endParaRPr lang="zh-CN" altLang="en-US" b="1" dirty="0"/>
+              </a:p>
+            </p:txBody>
+          </p:sp>
+          <p:sp>
+            <p:nvSpPr>
+              <p:cNvPr id="64" name="文本框 63">
+                <a:extLst>
+                  <a:ext uri="{FF2B5EF4-FFF2-40B4-BE49-F238E27FC236}">
+                    <a16:creationId xmlns:a16="http://schemas.microsoft.com/office/drawing/2014/main" id="{DA635708-4EA5-4A92-94EB-7CDC23CF3333}"/>
+                  </a:ext>
+                </a:extLst>
+              </p:cNvPr>
+              <p:cNvSpPr txBox="1"/>
+              <p:nvPr/>
+            </p:nvSpPr>
+            <p:spPr>
+              <a:xfrm>
+                <a:off x="4195894" y="4475940"/>
+                <a:ext cx="377505" cy="369332"/>
+              </a:xfrm>
+              <a:prstGeom prst="rect">
+                <a:avLst/>
+              </a:prstGeom>
+            </p:spPr>
+            <p:style>
+              <a:lnRef idx="2">
+                <a:schemeClr val="accent2">
+                  <a:shade val="50000"/>
+                </a:schemeClr>
+              </a:lnRef>
+              <a:fillRef idx="1">
+                <a:schemeClr val="accent2"/>
+              </a:fillRef>
+              <a:effectRef idx="0">
+                <a:schemeClr val="accent2"/>
+              </a:effectRef>
+              <a:fontRef idx="minor">
+                <a:schemeClr val="lt1"/>
+              </a:fontRef>
+            </p:style>
+            <p:txBody>
+              <a:bodyPr wrap="square" rtlCol="0">
+                <a:spAutoFit/>
+              </a:bodyPr>
+              <a:lstStyle/>
+              <a:p>
+                <a:r>
+                  <a:rPr lang="en-US" altLang="zh-CN" b="1" dirty="0"/>
+                  <a:t>B</a:t>
+                </a:r>
+                <a:endParaRPr lang="zh-CN" altLang="en-US" b="1" dirty="0"/>
+              </a:p>
+            </p:txBody>
+          </p:sp>
+          <p:sp>
+            <p:nvSpPr>
+              <p:cNvPr id="65" name="文本框 64">
+                <a:extLst>
+                  <a:ext uri="{FF2B5EF4-FFF2-40B4-BE49-F238E27FC236}">
+                    <a16:creationId xmlns:a16="http://schemas.microsoft.com/office/drawing/2014/main" id="{0A154277-C5B7-494E-93F1-C308D6867D6B}"/>
+                  </a:ext>
+                </a:extLst>
+              </p:cNvPr>
+              <p:cNvSpPr txBox="1"/>
+              <p:nvPr/>
+            </p:nvSpPr>
+            <p:spPr>
+              <a:xfrm>
+                <a:off x="4195894" y="5034541"/>
+                <a:ext cx="377505" cy="369332"/>
+              </a:xfrm>
+              <a:prstGeom prst="rect">
+                <a:avLst/>
+              </a:prstGeom>
+              <a:noFill/>
+            </p:spPr>
+            <p:txBody>
+              <a:bodyPr wrap="square" rtlCol="0">
+                <a:spAutoFit/>
+              </a:bodyPr>
+              <a:lstStyle/>
+              <a:p>
+                <a:r>
+                  <a:rPr lang="en-US" altLang="zh-CN" b="1" dirty="0"/>
+                  <a:t>C</a:t>
+                </a:r>
+                <a:endParaRPr lang="zh-CN" altLang="en-US" b="1" dirty="0"/>
+              </a:p>
+            </p:txBody>
+          </p:sp>
+          <p:sp>
+            <p:nvSpPr>
+              <p:cNvPr id="66" name="文本框 65">
+                <a:extLst>
+                  <a:ext uri="{FF2B5EF4-FFF2-40B4-BE49-F238E27FC236}">
+                    <a16:creationId xmlns:a16="http://schemas.microsoft.com/office/drawing/2014/main" id="{BA2D8028-D08C-4922-A558-85631AA0564C}"/>
+                  </a:ext>
+                </a:extLst>
+              </p:cNvPr>
+              <p:cNvSpPr txBox="1"/>
+              <p:nvPr/>
+            </p:nvSpPr>
+            <p:spPr>
+              <a:xfrm>
+                <a:off x="4208478" y="5593142"/>
+                <a:ext cx="377505" cy="369332"/>
+              </a:xfrm>
+              <a:prstGeom prst="rect">
+                <a:avLst/>
+              </a:prstGeom>
+            </p:spPr>
+            <p:style>
+              <a:lnRef idx="2">
+                <a:schemeClr val="accent2">
+                  <a:shade val="50000"/>
+                </a:schemeClr>
+              </a:lnRef>
+              <a:fillRef idx="1">
+                <a:schemeClr val="accent2"/>
+              </a:fillRef>
+              <a:effectRef idx="0">
+                <a:schemeClr val="accent2"/>
+              </a:effectRef>
+              <a:fontRef idx="minor">
+                <a:schemeClr val="lt1"/>
+              </a:fontRef>
+            </p:style>
+            <p:txBody>
+              <a:bodyPr wrap="square" rtlCol="0">
+                <a:spAutoFit/>
+              </a:bodyPr>
+              <a:lstStyle/>
+              <a:p>
+                <a:r>
+                  <a:rPr lang="en-US" altLang="zh-CN" b="1" dirty="0"/>
+                  <a:t>D</a:t>
+                </a:r>
+                <a:endParaRPr lang="zh-CN" altLang="en-US" b="1" dirty="0"/>
+              </a:p>
+            </p:txBody>
+          </p:sp>
+          <p:cxnSp>
+            <p:nvCxnSpPr>
+              <p:cNvPr id="67" name="直接连接符 66" descr="0.3">
+                <a:extLst>
+                  <a:ext uri="{FF2B5EF4-FFF2-40B4-BE49-F238E27FC236}">
+                    <a16:creationId xmlns:a16="http://schemas.microsoft.com/office/drawing/2014/main" id="{F4E34605-39B7-4366-B6C7-716B853C0819}"/>
+                  </a:ext>
+                </a:extLst>
+              </p:cNvPr>
+              <p:cNvCxnSpPr>
+                <a:cxnSpLocks/>
+                <a:stCxn id="59" idx="3"/>
+                <a:endCxn id="63" idx="1"/>
+              </p:cNvCxnSpPr>
+              <p:nvPr/>
+            </p:nvCxnSpPr>
+            <p:spPr>
+              <a:xfrm>
+                <a:off x="3028426" y="4102005"/>
+                <a:ext cx="1167467" cy="0"/>
+              </a:xfrm>
+              <a:prstGeom prst="line">
+                <a:avLst/>
+              </a:prstGeom>
+              <a:ln w="25400">
+                <a:solidFill>
+                  <a:schemeClr val="accent1"/>
+                </a:solidFill>
+                <a:prstDash val="sysDot"/>
+              </a:ln>
+            </p:spPr>
+            <p:style>
+              <a:lnRef idx="1">
+                <a:schemeClr val="accent1"/>
+              </a:lnRef>
+              <a:fillRef idx="0">
+                <a:schemeClr val="accent1"/>
+              </a:fillRef>
+              <a:effectRef idx="0">
+                <a:schemeClr val="accent1"/>
+              </a:effectRef>
+              <a:fontRef idx="minor">
+                <a:schemeClr val="tx1"/>
+              </a:fontRef>
+            </p:style>
+          </p:cxnSp>
+          <p:cxnSp>
+            <p:nvCxnSpPr>
+              <p:cNvPr id="68" name="直接连接符 67" descr="0.3">
+                <a:extLst>
+                  <a:ext uri="{FF2B5EF4-FFF2-40B4-BE49-F238E27FC236}">
+                    <a16:creationId xmlns:a16="http://schemas.microsoft.com/office/drawing/2014/main" id="{98B3ECAC-102D-4BA6-BB3F-624481B6E094}"/>
+                  </a:ext>
+                </a:extLst>
+              </p:cNvPr>
+              <p:cNvCxnSpPr>
+                <a:cxnSpLocks/>
+                <a:stCxn id="59" idx="3"/>
+                <a:endCxn id="64" idx="1"/>
+              </p:cNvCxnSpPr>
+              <p:nvPr/>
+            </p:nvCxnSpPr>
+            <p:spPr>
+              <a:xfrm>
+                <a:off x="3028426" y="4102005"/>
+                <a:ext cx="1167468" cy="558601"/>
+              </a:xfrm>
+              <a:prstGeom prst="line">
+                <a:avLst/>
+              </a:prstGeom>
+              <a:ln w="25400">
+                <a:solidFill>
+                  <a:srgbClr val="FF0000"/>
+                </a:solidFill>
+                <a:prstDash val="sysDot"/>
+              </a:ln>
+            </p:spPr>
+            <p:style>
+              <a:lnRef idx="1">
+                <a:schemeClr val="accent1"/>
+              </a:lnRef>
+              <a:fillRef idx="0">
+                <a:schemeClr val="accent1"/>
+              </a:fillRef>
+              <a:effectRef idx="0">
+                <a:schemeClr val="accent1"/>
+              </a:effectRef>
+              <a:fontRef idx="minor">
+                <a:schemeClr val="tx1"/>
+              </a:fontRef>
+            </p:style>
+          </p:cxnSp>
+          <p:cxnSp>
+            <p:nvCxnSpPr>
+              <p:cNvPr id="69" name="直接连接符 68" descr="0.3">
+                <a:extLst>
+                  <a:ext uri="{FF2B5EF4-FFF2-40B4-BE49-F238E27FC236}">
+                    <a16:creationId xmlns:a16="http://schemas.microsoft.com/office/drawing/2014/main" id="{84F2E41F-EF3B-419A-AB3B-7FE851F4ECCC}"/>
+                  </a:ext>
+                </a:extLst>
+              </p:cNvPr>
+              <p:cNvCxnSpPr>
+                <a:cxnSpLocks/>
+                <a:stCxn id="59" idx="3"/>
+                <a:endCxn id="65" idx="1"/>
+              </p:cNvCxnSpPr>
+              <p:nvPr/>
+            </p:nvCxnSpPr>
+            <p:spPr>
+              <a:xfrm>
+                <a:off x="3028426" y="4102005"/>
+                <a:ext cx="1167468" cy="1117202"/>
+              </a:xfrm>
+              <a:prstGeom prst="line">
+                <a:avLst/>
+              </a:prstGeom>
+              <a:ln w="25400">
+                <a:solidFill>
+                  <a:srgbClr val="FF0000"/>
+                </a:solidFill>
+              </a:ln>
+            </p:spPr>
+            <p:style>
+              <a:lnRef idx="1">
+                <a:schemeClr val="accent1"/>
+              </a:lnRef>
+              <a:fillRef idx="0">
+                <a:schemeClr val="accent1"/>
+              </a:fillRef>
+              <a:effectRef idx="0">
+                <a:schemeClr val="accent1"/>
+              </a:effectRef>
+              <a:fontRef idx="minor">
+                <a:schemeClr val="tx1"/>
+              </a:fontRef>
+            </p:style>
+          </p:cxnSp>
+          <p:cxnSp>
+            <p:nvCxnSpPr>
+              <p:cNvPr id="70" name="直接连接符 69" descr="0.3">
+                <a:extLst>
+                  <a:ext uri="{FF2B5EF4-FFF2-40B4-BE49-F238E27FC236}">
+                    <a16:creationId xmlns:a16="http://schemas.microsoft.com/office/drawing/2014/main" id="{90325F97-393E-4242-9EFF-04F95C4C2A48}"/>
+                  </a:ext>
+                </a:extLst>
+              </p:cNvPr>
+              <p:cNvCxnSpPr>
+                <a:cxnSpLocks/>
+                <a:stCxn id="60" idx="3"/>
+                <a:endCxn id="64" idx="1"/>
+              </p:cNvCxnSpPr>
+              <p:nvPr/>
+            </p:nvCxnSpPr>
+            <p:spPr>
+              <a:xfrm>
+                <a:off x="3028427" y="4660606"/>
+                <a:ext cx="1167467" cy="0"/>
+              </a:xfrm>
+              <a:prstGeom prst="line">
+                <a:avLst/>
+              </a:prstGeom>
+              <a:ln w="25400">
+                <a:solidFill>
+                  <a:schemeClr val="accent1"/>
+                </a:solidFill>
+                <a:prstDash val="sysDot"/>
+              </a:ln>
+            </p:spPr>
+            <p:style>
+              <a:lnRef idx="1">
+                <a:schemeClr val="accent1"/>
+              </a:lnRef>
+              <a:fillRef idx="0">
+                <a:schemeClr val="accent1"/>
+              </a:fillRef>
+              <a:effectRef idx="0">
+                <a:schemeClr val="accent1"/>
+              </a:effectRef>
+              <a:fontRef idx="minor">
+                <a:schemeClr val="tx1"/>
+              </a:fontRef>
+            </p:style>
+          </p:cxnSp>
+          <p:cxnSp>
+            <p:nvCxnSpPr>
+              <p:cNvPr id="71" name="直接连接符 70" descr="0.3">
+                <a:extLst>
+                  <a:ext uri="{FF2B5EF4-FFF2-40B4-BE49-F238E27FC236}">
+                    <a16:creationId xmlns:a16="http://schemas.microsoft.com/office/drawing/2014/main" id="{06109E9D-8A29-4866-BB6F-C33802AAAD21}"/>
+                  </a:ext>
+                </a:extLst>
+              </p:cNvPr>
+              <p:cNvCxnSpPr>
+                <a:cxnSpLocks/>
+                <a:stCxn id="60" idx="3"/>
+                <a:endCxn id="65" idx="1"/>
+              </p:cNvCxnSpPr>
+              <p:nvPr/>
+            </p:nvCxnSpPr>
+            <p:spPr>
+              <a:xfrm>
+                <a:off x="3028427" y="4660606"/>
+                <a:ext cx="1167467" cy="558601"/>
+              </a:xfrm>
+              <a:prstGeom prst="line">
+                <a:avLst/>
+              </a:prstGeom>
+              <a:ln w="25400">
+                <a:solidFill>
+                  <a:srgbClr val="FF0000"/>
+                </a:solidFill>
+                <a:prstDash val="sysDot"/>
+              </a:ln>
+            </p:spPr>
+            <p:style>
+              <a:lnRef idx="1">
+                <a:schemeClr val="accent1"/>
+              </a:lnRef>
+              <a:fillRef idx="0">
+                <a:schemeClr val="accent1"/>
+              </a:fillRef>
+              <a:effectRef idx="0">
+                <a:schemeClr val="accent1"/>
+              </a:effectRef>
+              <a:fontRef idx="minor">
+                <a:schemeClr val="tx1"/>
+              </a:fontRef>
+            </p:style>
+          </p:cxnSp>
+          <p:cxnSp>
+            <p:nvCxnSpPr>
+              <p:cNvPr id="72" name="直接连接符 71" descr="0.3">
+                <a:extLst>
+                  <a:ext uri="{FF2B5EF4-FFF2-40B4-BE49-F238E27FC236}">
+                    <a16:creationId xmlns:a16="http://schemas.microsoft.com/office/drawing/2014/main" id="{57BE8177-10D7-4112-9E36-1759EEFC7954}"/>
+                  </a:ext>
+                </a:extLst>
+              </p:cNvPr>
+              <p:cNvCxnSpPr>
+                <a:cxnSpLocks/>
+                <a:stCxn id="62" idx="3"/>
+                <a:endCxn id="63" idx="1"/>
+              </p:cNvCxnSpPr>
+              <p:nvPr/>
+            </p:nvCxnSpPr>
+            <p:spPr>
+              <a:xfrm flipV="1">
+                <a:off x="3041011" y="4102005"/>
+                <a:ext cx="1154882" cy="1675803"/>
+              </a:xfrm>
+              <a:prstGeom prst="line">
+                <a:avLst/>
+              </a:prstGeom>
+              <a:ln w="25400">
+                <a:solidFill>
+                  <a:srgbClr val="FF0000"/>
+                </a:solidFill>
+                <a:prstDash val="sysDot"/>
+              </a:ln>
+            </p:spPr>
+            <p:style>
+              <a:lnRef idx="1">
+                <a:schemeClr val="accent1"/>
+              </a:lnRef>
+              <a:fillRef idx="0">
+                <a:schemeClr val="accent1"/>
+              </a:fillRef>
+              <a:effectRef idx="0">
+                <a:schemeClr val="accent1"/>
+              </a:effectRef>
+              <a:fontRef idx="minor">
+                <a:schemeClr val="tx1"/>
+              </a:fontRef>
+            </p:style>
+          </p:cxnSp>
+          <p:cxnSp>
+            <p:nvCxnSpPr>
+              <p:cNvPr id="73" name="直接连接符 72" descr="0.3">
+                <a:extLst>
+                  <a:ext uri="{FF2B5EF4-FFF2-40B4-BE49-F238E27FC236}">
+                    <a16:creationId xmlns:a16="http://schemas.microsoft.com/office/drawing/2014/main" id="{F3CF7AA4-26C7-4183-A2AA-B5843FD45841}"/>
+                  </a:ext>
+                </a:extLst>
+              </p:cNvPr>
+              <p:cNvCxnSpPr>
+                <a:cxnSpLocks/>
+                <a:stCxn id="61" idx="3"/>
+                <a:endCxn id="66" idx="1"/>
+              </p:cNvCxnSpPr>
+              <p:nvPr/>
+            </p:nvCxnSpPr>
+            <p:spPr>
+              <a:xfrm>
+                <a:off x="3028427" y="5219207"/>
+                <a:ext cx="1180051" cy="558601"/>
+              </a:xfrm>
+              <a:prstGeom prst="line">
+                <a:avLst/>
+              </a:prstGeom>
+              <a:ln w="25400">
+                <a:solidFill>
+                  <a:schemeClr val="accent1"/>
+                </a:solidFill>
+              </a:ln>
+            </p:spPr>
+            <p:style>
+              <a:lnRef idx="1">
+                <a:schemeClr val="accent1"/>
+              </a:lnRef>
+              <a:fillRef idx="0">
+                <a:schemeClr val="accent1"/>
+              </a:fillRef>
+              <a:effectRef idx="0">
+                <a:schemeClr val="accent1"/>
+              </a:effectRef>
+              <a:fontRef idx="minor">
+                <a:schemeClr val="tx1"/>
+              </a:fontRef>
+            </p:style>
+          </p:cxnSp>
+        </p:grpSp>
+        <p:grpSp>
+          <p:nvGrpSpPr>
+            <p:cNvPr id="75" name="组合 74">
+              <a:extLst>
+                <a:ext uri="{FF2B5EF4-FFF2-40B4-BE49-F238E27FC236}">
+                  <a16:creationId xmlns:a16="http://schemas.microsoft.com/office/drawing/2014/main" id="{0E5843FB-6125-4C4D-8939-04B5B88D800C}"/>
+                </a:ext>
+              </a:extLst>
+            </p:cNvPr>
+            <p:cNvGrpSpPr/>
+            <p:nvPr/>
+          </p:nvGrpSpPr>
+          <p:grpSpPr>
+            <a:xfrm>
+              <a:off x="7057040" y="569834"/>
+              <a:ext cx="2345187" cy="2346782"/>
+              <a:chOff x="2396921" y="3766815"/>
+              <a:chExt cx="2345187" cy="2346782"/>
+            </a:xfrm>
+          </p:grpSpPr>
+          <p:sp>
+            <p:nvSpPr>
+              <p:cNvPr id="76" name="矩形: 圆角 75">
+                <a:extLst>
+                  <a:ext uri="{FF2B5EF4-FFF2-40B4-BE49-F238E27FC236}">
+                    <a16:creationId xmlns:a16="http://schemas.microsoft.com/office/drawing/2014/main" id="{56BEAFB5-91D8-4719-8C9A-C261D3F1D869}"/>
+                  </a:ext>
+                </a:extLst>
+              </p:cNvPr>
+              <p:cNvSpPr/>
+              <p:nvPr/>
+            </p:nvSpPr>
+            <p:spPr>
+              <a:xfrm>
+                <a:off x="3929308" y="3767415"/>
+                <a:ext cx="812800" cy="2346182"/>
+              </a:xfrm>
+              <a:prstGeom prst="roundRect">
+                <a:avLst/>
+              </a:prstGeom>
+            </p:spPr>
+            <p:style>
+              <a:lnRef idx="1">
+                <a:schemeClr val="accent5"/>
+              </a:lnRef>
+              <a:fillRef idx="2">
+                <a:schemeClr val="accent5"/>
+              </a:fillRef>
+              <a:effectRef idx="1">
+                <a:schemeClr val="accent5"/>
+              </a:effectRef>
+              <a:fontRef idx="minor">
+                <a:schemeClr val="dk1"/>
+              </a:fontRef>
+            </p:style>
+            <p:txBody>
+              <a:bodyPr rtlCol="0" anchor="ctr"/>
+              <a:lstStyle/>
+              <a:p>
+                <a:pPr algn="ctr"/>
+                <a:endParaRPr lang="zh-CN" altLang="en-US"/>
+              </a:p>
+            </p:txBody>
+          </p:sp>
+          <p:sp>
+            <p:nvSpPr>
+              <p:cNvPr id="77" name="矩形: 圆角 76">
+                <a:extLst>
+                  <a:ext uri="{FF2B5EF4-FFF2-40B4-BE49-F238E27FC236}">
+                    <a16:creationId xmlns:a16="http://schemas.microsoft.com/office/drawing/2014/main" id="{984EB90F-0229-406B-AE4F-2419934AA891}"/>
+                  </a:ext>
+                </a:extLst>
+              </p:cNvPr>
+              <p:cNvSpPr/>
+              <p:nvPr/>
+            </p:nvSpPr>
+            <p:spPr>
+              <a:xfrm>
+                <a:off x="2396921" y="3766815"/>
+                <a:ext cx="812800" cy="2346182"/>
+              </a:xfrm>
+              <a:prstGeom prst="roundRect">
+                <a:avLst/>
+              </a:prstGeom>
+            </p:spPr>
+            <p:style>
+              <a:lnRef idx="1">
+                <a:schemeClr val="accent5"/>
+              </a:lnRef>
+              <a:fillRef idx="2">
+                <a:schemeClr val="accent5"/>
+              </a:fillRef>
+              <a:effectRef idx="1">
+                <a:schemeClr val="accent5"/>
+              </a:effectRef>
+              <a:fontRef idx="minor">
+                <a:schemeClr val="dk1"/>
+              </a:fontRef>
+            </p:style>
+            <p:txBody>
+              <a:bodyPr rtlCol="0" anchor="ctr"/>
+              <a:lstStyle/>
+              <a:p>
+                <a:pPr algn="ctr"/>
+                <a:endParaRPr lang="zh-CN" altLang="en-US"/>
+              </a:p>
+            </p:txBody>
+          </p:sp>
+          <p:sp>
+            <p:nvSpPr>
+              <p:cNvPr id="78" name="文本框 77">
+                <a:extLst>
+                  <a:ext uri="{FF2B5EF4-FFF2-40B4-BE49-F238E27FC236}">
+                    <a16:creationId xmlns:a16="http://schemas.microsoft.com/office/drawing/2014/main" id="{225B1334-795D-439E-8B23-217A066FD00D}"/>
+                  </a:ext>
+                </a:extLst>
+              </p:cNvPr>
+              <p:cNvSpPr txBox="1"/>
+              <p:nvPr/>
+            </p:nvSpPr>
+            <p:spPr>
+              <a:xfrm>
+                <a:off x="2650921" y="3917339"/>
+                <a:ext cx="377505" cy="369332"/>
+              </a:xfrm>
+              <a:prstGeom prst="rect">
+                <a:avLst/>
+              </a:prstGeom>
+              <a:noFill/>
+            </p:spPr>
+            <p:txBody>
+              <a:bodyPr wrap="square" rtlCol="0">
+                <a:spAutoFit/>
+              </a:bodyPr>
+              <a:lstStyle/>
+              <a:p>
+                <a:r>
+                  <a:rPr lang="en-US" altLang="zh-CN" b="1" dirty="0"/>
+                  <a:t>1</a:t>
+                </a:r>
+                <a:endParaRPr lang="zh-CN" altLang="en-US" b="1" dirty="0"/>
+              </a:p>
+            </p:txBody>
+          </p:sp>
+          <p:sp>
+            <p:nvSpPr>
+              <p:cNvPr id="79" name="文本框 78">
+                <a:extLst>
+                  <a:ext uri="{FF2B5EF4-FFF2-40B4-BE49-F238E27FC236}">
+                    <a16:creationId xmlns:a16="http://schemas.microsoft.com/office/drawing/2014/main" id="{B4AEFEEC-BA56-4CD3-B9F5-9EAA7AC466F3}"/>
+                  </a:ext>
+                </a:extLst>
+              </p:cNvPr>
+              <p:cNvSpPr txBox="1"/>
+              <p:nvPr/>
+            </p:nvSpPr>
+            <p:spPr>
+              <a:xfrm>
+                <a:off x="2650922" y="4475940"/>
+                <a:ext cx="377505" cy="369332"/>
+              </a:xfrm>
+              <a:prstGeom prst="rect">
+                <a:avLst/>
+              </a:prstGeom>
+              <a:noFill/>
+            </p:spPr>
+            <p:txBody>
+              <a:bodyPr wrap="square" rtlCol="0">
+                <a:spAutoFit/>
+              </a:bodyPr>
+              <a:lstStyle/>
+              <a:p>
+                <a:r>
+                  <a:rPr lang="en-US" altLang="zh-CN" b="1" dirty="0"/>
+                  <a:t>2</a:t>
+                </a:r>
+                <a:endParaRPr lang="zh-CN" altLang="en-US" b="1" dirty="0"/>
+              </a:p>
+            </p:txBody>
+          </p:sp>
+          <p:sp>
+            <p:nvSpPr>
+              <p:cNvPr id="80" name="文本框 79">
+                <a:extLst>
+                  <a:ext uri="{FF2B5EF4-FFF2-40B4-BE49-F238E27FC236}">
+                    <a16:creationId xmlns:a16="http://schemas.microsoft.com/office/drawing/2014/main" id="{82556FEE-0AF5-4D50-AE12-856C4BABD616}"/>
+                  </a:ext>
+                </a:extLst>
+              </p:cNvPr>
+              <p:cNvSpPr txBox="1"/>
+              <p:nvPr/>
+            </p:nvSpPr>
+            <p:spPr>
+              <a:xfrm>
+                <a:off x="2650922" y="5034541"/>
+                <a:ext cx="377505" cy="369332"/>
+              </a:xfrm>
+              <a:prstGeom prst="rect">
+                <a:avLst/>
+              </a:prstGeom>
+              <a:noFill/>
+            </p:spPr>
+            <p:txBody>
+              <a:bodyPr wrap="square" rtlCol="0">
+                <a:spAutoFit/>
+              </a:bodyPr>
+              <a:lstStyle/>
+              <a:p>
+                <a:r>
+                  <a:rPr lang="en-US" altLang="zh-CN" b="1" dirty="0"/>
+                  <a:t>3</a:t>
+                </a:r>
+                <a:endParaRPr lang="zh-CN" altLang="en-US" b="1" dirty="0"/>
+              </a:p>
+            </p:txBody>
+          </p:sp>
+          <p:sp>
+            <p:nvSpPr>
+              <p:cNvPr id="81" name="文本框 80">
+                <a:extLst>
+                  <a:ext uri="{FF2B5EF4-FFF2-40B4-BE49-F238E27FC236}">
+                    <a16:creationId xmlns:a16="http://schemas.microsoft.com/office/drawing/2014/main" id="{8CEF7958-5CE4-4CA3-85B9-C665D2727CF0}"/>
+                  </a:ext>
+                </a:extLst>
+              </p:cNvPr>
+              <p:cNvSpPr txBox="1"/>
+              <p:nvPr/>
+            </p:nvSpPr>
+            <p:spPr>
+              <a:xfrm>
+                <a:off x="2663506" y="5593142"/>
+                <a:ext cx="377505" cy="369332"/>
+              </a:xfrm>
+              <a:prstGeom prst="rect">
+                <a:avLst/>
+              </a:prstGeom>
+              <a:noFill/>
+            </p:spPr>
+            <p:txBody>
+              <a:bodyPr wrap="square" rtlCol="0">
+                <a:spAutoFit/>
+              </a:bodyPr>
+              <a:lstStyle/>
+              <a:p>
+                <a:r>
+                  <a:rPr lang="en-US" altLang="zh-CN" b="1" dirty="0"/>
+                  <a:t>4</a:t>
+                </a:r>
+                <a:endParaRPr lang="zh-CN" altLang="en-US" b="1" dirty="0"/>
+              </a:p>
+            </p:txBody>
+          </p:sp>
+          <p:sp>
+            <p:nvSpPr>
+              <p:cNvPr id="82" name="文本框 81">
+                <a:extLst>
+                  <a:ext uri="{FF2B5EF4-FFF2-40B4-BE49-F238E27FC236}">
+                    <a16:creationId xmlns:a16="http://schemas.microsoft.com/office/drawing/2014/main" id="{1FFE0A2D-8360-452E-A8AC-C4FB9B364AED}"/>
+                  </a:ext>
+                </a:extLst>
+              </p:cNvPr>
+              <p:cNvSpPr txBox="1"/>
+              <p:nvPr/>
+            </p:nvSpPr>
+            <p:spPr>
+              <a:xfrm>
+                <a:off x="4195893" y="3917339"/>
+                <a:ext cx="377505" cy="369332"/>
+              </a:xfrm>
+              <a:prstGeom prst="rect">
+                <a:avLst/>
+              </a:prstGeom>
+            </p:spPr>
+            <p:style>
+              <a:lnRef idx="2">
+                <a:schemeClr val="accent2">
+                  <a:shade val="50000"/>
+                </a:schemeClr>
+              </a:lnRef>
+              <a:fillRef idx="1">
+                <a:schemeClr val="accent2"/>
+              </a:fillRef>
+              <a:effectRef idx="0">
+                <a:schemeClr val="accent2"/>
+              </a:effectRef>
+              <a:fontRef idx="minor">
+                <a:schemeClr val="lt1"/>
+              </a:fontRef>
+            </p:style>
+            <p:txBody>
+              <a:bodyPr wrap="square" rtlCol="0">
+                <a:spAutoFit/>
+              </a:bodyPr>
+              <a:lstStyle/>
+              <a:p>
+                <a:r>
+                  <a:rPr lang="en-US" altLang="zh-CN" b="1" dirty="0"/>
+                  <a:t>A</a:t>
+                </a:r>
+                <a:endParaRPr lang="zh-CN" altLang="en-US" b="1" dirty="0"/>
+              </a:p>
+            </p:txBody>
+          </p:sp>
+          <p:sp>
+            <p:nvSpPr>
+              <p:cNvPr id="83" name="文本框 82">
+                <a:extLst>
+                  <a:ext uri="{FF2B5EF4-FFF2-40B4-BE49-F238E27FC236}">
+                    <a16:creationId xmlns:a16="http://schemas.microsoft.com/office/drawing/2014/main" id="{F18519C9-9F52-4B68-85FE-F896FA9D5185}"/>
+                  </a:ext>
+                </a:extLst>
+              </p:cNvPr>
+              <p:cNvSpPr txBox="1"/>
+              <p:nvPr/>
+            </p:nvSpPr>
+            <p:spPr>
+              <a:xfrm>
+                <a:off x="4195894" y="4475940"/>
+                <a:ext cx="377505" cy="369332"/>
+              </a:xfrm>
+              <a:prstGeom prst="rect">
+                <a:avLst/>
+              </a:prstGeom>
+            </p:spPr>
+            <p:style>
+              <a:lnRef idx="2">
+                <a:schemeClr val="accent2">
+                  <a:shade val="50000"/>
+                </a:schemeClr>
+              </a:lnRef>
+              <a:fillRef idx="1">
+                <a:schemeClr val="accent2"/>
+              </a:fillRef>
+              <a:effectRef idx="0">
+                <a:schemeClr val="accent2"/>
+              </a:effectRef>
+              <a:fontRef idx="minor">
+                <a:schemeClr val="lt1"/>
+              </a:fontRef>
+            </p:style>
+            <p:txBody>
+              <a:bodyPr wrap="square" rtlCol="0">
+                <a:spAutoFit/>
+              </a:bodyPr>
+              <a:lstStyle/>
+              <a:p>
+                <a:r>
+                  <a:rPr lang="en-US" altLang="zh-CN" b="1" dirty="0"/>
+                  <a:t>B</a:t>
+                </a:r>
+                <a:endParaRPr lang="zh-CN" altLang="en-US" b="1" dirty="0"/>
+              </a:p>
+            </p:txBody>
+          </p:sp>
+          <p:sp>
+            <p:nvSpPr>
+              <p:cNvPr id="84" name="文本框 83">
+                <a:extLst>
+                  <a:ext uri="{FF2B5EF4-FFF2-40B4-BE49-F238E27FC236}">
+                    <a16:creationId xmlns:a16="http://schemas.microsoft.com/office/drawing/2014/main" id="{AE563352-409B-4C2B-8840-3DA24BFE40C3}"/>
+                  </a:ext>
+                </a:extLst>
+              </p:cNvPr>
+              <p:cNvSpPr txBox="1"/>
+              <p:nvPr/>
+            </p:nvSpPr>
+            <p:spPr>
+              <a:xfrm>
+                <a:off x="4195894" y="5034541"/>
+                <a:ext cx="377505" cy="369332"/>
+              </a:xfrm>
+              <a:prstGeom prst="rect">
+                <a:avLst/>
+              </a:prstGeom>
+              <a:noFill/>
+            </p:spPr>
+            <p:txBody>
+              <a:bodyPr wrap="square" rtlCol="0">
+                <a:spAutoFit/>
+              </a:bodyPr>
+              <a:lstStyle/>
+              <a:p>
+                <a:r>
+                  <a:rPr lang="en-US" altLang="zh-CN" b="1" dirty="0"/>
+                  <a:t>C</a:t>
+                </a:r>
+                <a:endParaRPr lang="zh-CN" altLang="en-US" b="1" dirty="0"/>
+              </a:p>
+            </p:txBody>
+          </p:sp>
+          <p:sp>
+            <p:nvSpPr>
+              <p:cNvPr id="85" name="文本框 84">
+                <a:extLst>
+                  <a:ext uri="{FF2B5EF4-FFF2-40B4-BE49-F238E27FC236}">
+                    <a16:creationId xmlns:a16="http://schemas.microsoft.com/office/drawing/2014/main" id="{86BB4C55-3764-416B-B0A6-C849240EAA7D}"/>
+                  </a:ext>
+                </a:extLst>
+              </p:cNvPr>
+              <p:cNvSpPr txBox="1"/>
+              <p:nvPr/>
+            </p:nvSpPr>
+            <p:spPr>
+              <a:xfrm>
+                <a:off x="4208478" y="5593142"/>
+                <a:ext cx="377505" cy="369332"/>
+              </a:xfrm>
+              <a:prstGeom prst="rect">
+                <a:avLst/>
+              </a:prstGeom>
+            </p:spPr>
+            <p:style>
+              <a:lnRef idx="2">
+                <a:schemeClr val="accent2">
+                  <a:shade val="50000"/>
+                </a:schemeClr>
+              </a:lnRef>
+              <a:fillRef idx="1">
+                <a:schemeClr val="accent2"/>
+              </a:fillRef>
+              <a:effectRef idx="0">
+                <a:schemeClr val="accent2"/>
+              </a:effectRef>
+              <a:fontRef idx="minor">
+                <a:schemeClr val="lt1"/>
+              </a:fontRef>
+            </p:style>
+            <p:txBody>
+              <a:bodyPr wrap="square" rtlCol="0">
+                <a:spAutoFit/>
+              </a:bodyPr>
+              <a:lstStyle/>
+              <a:p>
+                <a:r>
+                  <a:rPr lang="en-US" altLang="zh-CN" b="1" dirty="0"/>
+                  <a:t>D</a:t>
+                </a:r>
+                <a:endParaRPr lang="zh-CN" altLang="en-US" b="1" dirty="0"/>
+              </a:p>
+            </p:txBody>
+          </p:sp>
+          <p:cxnSp>
+            <p:nvCxnSpPr>
+              <p:cNvPr id="86" name="直接连接符 85" descr="0.3">
+                <a:extLst>
+                  <a:ext uri="{FF2B5EF4-FFF2-40B4-BE49-F238E27FC236}">
+                    <a16:creationId xmlns:a16="http://schemas.microsoft.com/office/drawing/2014/main" id="{2733DD90-8046-41B6-AF55-44D70035F1BF}"/>
+                  </a:ext>
+                </a:extLst>
+              </p:cNvPr>
+              <p:cNvCxnSpPr>
+                <a:cxnSpLocks/>
+                <a:stCxn id="78" idx="3"/>
+                <a:endCxn id="82" idx="1"/>
+              </p:cNvCxnSpPr>
+              <p:nvPr/>
+            </p:nvCxnSpPr>
+            <p:spPr>
+              <a:xfrm>
+                <a:off x="3028426" y="4102005"/>
+                <a:ext cx="1167467" cy="0"/>
+              </a:xfrm>
+              <a:prstGeom prst="line">
+                <a:avLst/>
+              </a:prstGeom>
+              <a:ln w="25400">
+                <a:solidFill>
+                  <a:schemeClr val="accent1"/>
+                </a:solidFill>
+              </a:ln>
+            </p:spPr>
+            <p:style>
+              <a:lnRef idx="1">
+                <a:schemeClr val="accent1"/>
+              </a:lnRef>
+              <a:fillRef idx="0">
+                <a:schemeClr val="accent1"/>
+              </a:fillRef>
+              <a:effectRef idx="0">
+                <a:schemeClr val="accent1"/>
+              </a:effectRef>
+              <a:fontRef idx="minor">
+                <a:schemeClr val="tx1"/>
+              </a:fontRef>
+            </p:style>
+          </p:cxnSp>
+          <p:cxnSp>
+            <p:nvCxnSpPr>
+              <p:cNvPr id="87" name="直接连接符 86" descr="0.3">
+                <a:extLst>
+                  <a:ext uri="{FF2B5EF4-FFF2-40B4-BE49-F238E27FC236}">
+                    <a16:creationId xmlns:a16="http://schemas.microsoft.com/office/drawing/2014/main" id="{C86CBFD9-45C6-4907-8FC2-141E7DB00B3B}"/>
+                  </a:ext>
+                </a:extLst>
+              </p:cNvPr>
+              <p:cNvCxnSpPr>
+                <a:cxnSpLocks/>
+                <a:stCxn id="78" idx="3"/>
+                <a:endCxn id="83" idx="1"/>
+              </p:cNvCxnSpPr>
+              <p:nvPr/>
+            </p:nvCxnSpPr>
+            <p:spPr>
+              <a:xfrm>
+                <a:off x="3028426" y="4102005"/>
+                <a:ext cx="1167468" cy="558601"/>
+              </a:xfrm>
+              <a:prstGeom prst="line">
+                <a:avLst/>
+              </a:prstGeom>
+              <a:ln w="25400">
+                <a:solidFill>
+                  <a:srgbClr val="FF0000"/>
+                </a:solidFill>
+              </a:ln>
+            </p:spPr>
+            <p:style>
+              <a:lnRef idx="1">
+                <a:schemeClr val="accent1"/>
+              </a:lnRef>
+              <a:fillRef idx="0">
+                <a:schemeClr val="accent1"/>
+              </a:fillRef>
+              <a:effectRef idx="0">
+                <a:schemeClr val="accent1"/>
+              </a:effectRef>
+              <a:fontRef idx="minor">
+                <a:schemeClr val="tx1"/>
+              </a:fontRef>
+            </p:style>
+          </p:cxnSp>
+          <p:cxnSp>
+            <p:nvCxnSpPr>
+              <p:cNvPr id="88" name="直接连接符 87" descr="0.3">
+                <a:extLst>
+                  <a:ext uri="{FF2B5EF4-FFF2-40B4-BE49-F238E27FC236}">
+                    <a16:creationId xmlns:a16="http://schemas.microsoft.com/office/drawing/2014/main" id="{08C392E6-0B1D-4779-9D18-31F871D916EB}"/>
+                  </a:ext>
+                </a:extLst>
+              </p:cNvPr>
+              <p:cNvCxnSpPr>
+                <a:cxnSpLocks/>
+                <a:stCxn id="78" idx="3"/>
+                <a:endCxn id="84" idx="1"/>
+              </p:cNvCxnSpPr>
+              <p:nvPr/>
+            </p:nvCxnSpPr>
+            <p:spPr>
+              <a:xfrm>
+                <a:off x="3028426" y="4102005"/>
+                <a:ext cx="1167468" cy="1117202"/>
+              </a:xfrm>
+              <a:prstGeom prst="line">
+                <a:avLst/>
+              </a:prstGeom>
+              <a:ln w="25400">
+                <a:solidFill>
+                  <a:srgbClr val="FF0000"/>
+                </a:solidFill>
+              </a:ln>
+            </p:spPr>
+            <p:style>
+              <a:lnRef idx="1">
+                <a:schemeClr val="accent1"/>
+              </a:lnRef>
+              <a:fillRef idx="0">
+                <a:schemeClr val="accent1"/>
+              </a:fillRef>
+              <a:effectRef idx="0">
+                <a:schemeClr val="accent1"/>
+              </a:effectRef>
+              <a:fontRef idx="minor">
+                <a:schemeClr val="tx1"/>
+              </a:fontRef>
+            </p:style>
+          </p:cxnSp>
+          <p:cxnSp>
+            <p:nvCxnSpPr>
+              <p:cNvPr id="89" name="直接连接符 88" descr="0.3">
+                <a:extLst>
+                  <a:ext uri="{FF2B5EF4-FFF2-40B4-BE49-F238E27FC236}">
+                    <a16:creationId xmlns:a16="http://schemas.microsoft.com/office/drawing/2014/main" id="{AD36C868-A8FA-41C3-A1AB-6CE0AB21FD18}"/>
+                  </a:ext>
+                </a:extLst>
+              </p:cNvPr>
+              <p:cNvCxnSpPr>
+                <a:cxnSpLocks/>
+                <a:stCxn id="79" idx="3"/>
+                <a:endCxn id="83" idx="1"/>
+              </p:cNvCxnSpPr>
+              <p:nvPr/>
+            </p:nvCxnSpPr>
+            <p:spPr>
+              <a:xfrm>
+                <a:off x="3028427" y="4660606"/>
+                <a:ext cx="1167467" cy="0"/>
+              </a:xfrm>
+              <a:prstGeom prst="line">
+                <a:avLst/>
+              </a:prstGeom>
+              <a:ln w="25400">
+                <a:solidFill>
+                  <a:schemeClr val="accent1"/>
+                </a:solidFill>
+              </a:ln>
+            </p:spPr>
+            <p:style>
+              <a:lnRef idx="1">
+                <a:schemeClr val="accent1"/>
+              </a:lnRef>
+              <a:fillRef idx="0">
+                <a:schemeClr val="accent1"/>
+              </a:fillRef>
+              <a:effectRef idx="0">
+                <a:schemeClr val="accent1"/>
+              </a:effectRef>
+              <a:fontRef idx="minor">
+                <a:schemeClr val="tx1"/>
+              </a:fontRef>
+            </p:style>
+          </p:cxnSp>
+          <p:cxnSp>
+            <p:nvCxnSpPr>
+              <p:cNvPr id="90" name="直接连接符 89" descr="0.3">
+                <a:extLst>
+                  <a:ext uri="{FF2B5EF4-FFF2-40B4-BE49-F238E27FC236}">
+                    <a16:creationId xmlns:a16="http://schemas.microsoft.com/office/drawing/2014/main" id="{5E530D3A-F09E-4699-B0A7-20FEE9A2B856}"/>
+                  </a:ext>
+                </a:extLst>
+              </p:cNvPr>
+              <p:cNvCxnSpPr>
+                <a:cxnSpLocks/>
+                <a:stCxn id="79" idx="3"/>
+                <a:endCxn id="84" idx="1"/>
+              </p:cNvCxnSpPr>
+              <p:nvPr/>
+            </p:nvCxnSpPr>
+            <p:spPr>
+              <a:xfrm>
+                <a:off x="3028427" y="4660606"/>
+                <a:ext cx="1167467" cy="558601"/>
+              </a:xfrm>
+              <a:prstGeom prst="line">
+                <a:avLst/>
+              </a:prstGeom>
+              <a:ln w="25400">
+                <a:solidFill>
+                  <a:srgbClr val="FF0000"/>
+                </a:solidFill>
+              </a:ln>
+            </p:spPr>
+            <p:style>
+              <a:lnRef idx="1">
+                <a:schemeClr val="accent1"/>
+              </a:lnRef>
+              <a:fillRef idx="0">
+                <a:schemeClr val="accent1"/>
+              </a:fillRef>
+              <a:effectRef idx="0">
+                <a:schemeClr val="accent1"/>
+              </a:effectRef>
+              <a:fontRef idx="minor">
+                <a:schemeClr val="tx1"/>
+              </a:fontRef>
+            </p:style>
+          </p:cxnSp>
+          <p:cxnSp>
+            <p:nvCxnSpPr>
+              <p:cNvPr id="91" name="直接连接符 90" descr="0.3">
+                <a:extLst>
+                  <a:ext uri="{FF2B5EF4-FFF2-40B4-BE49-F238E27FC236}">
+                    <a16:creationId xmlns:a16="http://schemas.microsoft.com/office/drawing/2014/main" id="{BBCC714D-9E64-497A-92D0-CA563DD6213D}"/>
+                  </a:ext>
+                </a:extLst>
+              </p:cNvPr>
+              <p:cNvCxnSpPr>
+                <a:cxnSpLocks/>
+                <a:stCxn id="81" idx="3"/>
+                <a:endCxn id="82" idx="1"/>
+              </p:cNvCxnSpPr>
+              <p:nvPr/>
+            </p:nvCxnSpPr>
+            <p:spPr>
+              <a:xfrm flipV="1">
+                <a:off x="3041011" y="4102005"/>
+                <a:ext cx="1154882" cy="1675803"/>
+              </a:xfrm>
+              <a:prstGeom prst="line">
+                <a:avLst/>
+              </a:prstGeom>
+              <a:ln w="25400">
+                <a:solidFill>
+                  <a:srgbClr val="FF0000"/>
+                </a:solidFill>
+              </a:ln>
+            </p:spPr>
+            <p:style>
+              <a:lnRef idx="1">
+                <a:schemeClr val="accent1"/>
+              </a:lnRef>
+              <a:fillRef idx="0">
+                <a:schemeClr val="accent1"/>
+              </a:fillRef>
+              <a:effectRef idx="0">
+                <a:schemeClr val="accent1"/>
+              </a:effectRef>
+              <a:fontRef idx="minor">
+                <a:schemeClr val="tx1"/>
+              </a:fontRef>
+            </p:style>
+          </p:cxnSp>
+          <p:cxnSp>
+            <p:nvCxnSpPr>
+              <p:cNvPr id="92" name="直接连接符 91" descr="0.3">
+                <a:extLst>
+                  <a:ext uri="{FF2B5EF4-FFF2-40B4-BE49-F238E27FC236}">
+                    <a16:creationId xmlns:a16="http://schemas.microsoft.com/office/drawing/2014/main" id="{450DCB5B-5792-4C10-8407-6BBB7B2BE0EE}"/>
+                  </a:ext>
+                </a:extLst>
+              </p:cNvPr>
+              <p:cNvCxnSpPr>
+                <a:cxnSpLocks/>
+                <a:stCxn id="80" idx="3"/>
+                <a:endCxn id="85" idx="1"/>
+              </p:cNvCxnSpPr>
+              <p:nvPr/>
+            </p:nvCxnSpPr>
+            <p:spPr>
+              <a:xfrm>
+                <a:off x="3028427" y="5219207"/>
+                <a:ext cx="1180051" cy="558601"/>
+              </a:xfrm>
+              <a:prstGeom prst="line">
+                <a:avLst/>
+              </a:prstGeom>
+              <a:ln w="25400">
+                <a:solidFill>
+                  <a:schemeClr val="accent1"/>
+                </a:solidFill>
+              </a:ln>
+            </p:spPr>
+            <p:style>
+              <a:lnRef idx="1">
+                <a:schemeClr val="accent1"/>
+              </a:lnRef>
+              <a:fillRef idx="0">
+                <a:schemeClr val="accent1"/>
+              </a:fillRef>
+              <a:effectRef idx="0">
+                <a:schemeClr val="accent1"/>
+              </a:effectRef>
+              <a:fontRef idx="minor">
+                <a:schemeClr val="tx1"/>
+              </a:fontRef>
+            </p:style>
+          </p:cxnSp>
+        </p:grpSp>
+        <p:grpSp>
+          <p:nvGrpSpPr>
+            <p:cNvPr id="93" name="组合 92">
+              <a:extLst>
+                <a:ext uri="{FF2B5EF4-FFF2-40B4-BE49-F238E27FC236}">
+                  <a16:creationId xmlns:a16="http://schemas.microsoft.com/office/drawing/2014/main" id="{65C1E00D-0741-415D-8F5F-4C9185071768}"/>
+                </a:ext>
+              </a:extLst>
+            </p:cNvPr>
+            <p:cNvGrpSpPr/>
+            <p:nvPr/>
+          </p:nvGrpSpPr>
+          <p:grpSpPr>
+            <a:xfrm>
+              <a:off x="3868168" y="3328098"/>
+              <a:ext cx="2345187" cy="2346782"/>
+              <a:chOff x="2396921" y="3766815"/>
+              <a:chExt cx="2345187" cy="2346782"/>
+            </a:xfrm>
+          </p:grpSpPr>
+          <p:sp>
+            <p:nvSpPr>
+              <p:cNvPr id="94" name="矩形: 圆角 93">
+                <a:extLst>
+                  <a:ext uri="{FF2B5EF4-FFF2-40B4-BE49-F238E27FC236}">
+                    <a16:creationId xmlns:a16="http://schemas.microsoft.com/office/drawing/2014/main" id="{D597B4AF-0B01-4874-A71A-9330E0FF42E4}"/>
+                  </a:ext>
+                </a:extLst>
+              </p:cNvPr>
+              <p:cNvSpPr/>
+              <p:nvPr/>
+            </p:nvSpPr>
+            <p:spPr>
+              <a:xfrm>
+                <a:off x="3929308" y="3767415"/>
+                <a:ext cx="812800" cy="2346182"/>
+              </a:xfrm>
+              <a:prstGeom prst="roundRect">
+                <a:avLst/>
+              </a:prstGeom>
+            </p:spPr>
+            <p:style>
+              <a:lnRef idx="1">
+                <a:schemeClr val="accent5"/>
+              </a:lnRef>
+              <a:fillRef idx="2">
+                <a:schemeClr val="accent5"/>
+              </a:fillRef>
+              <a:effectRef idx="1">
+                <a:schemeClr val="accent5"/>
+              </a:effectRef>
+              <a:fontRef idx="minor">
+                <a:schemeClr val="dk1"/>
+              </a:fontRef>
+            </p:style>
+            <p:txBody>
+              <a:bodyPr rtlCol="0" anchor="ctr"/>
+              <a:lstStyle/>
+              <a:p>
+                <a:pPr algn="ctr"/>
+                <a:endParaRPr lang="zh-CN" altLang="en-US"/>
+              </a:p>
+            </p:txBody>
+          </p:sp>
+          <p:sp>
+            <p:nvSpPr>
+              <p:cNvPr id="95" name="矩形: 圆角 94">
+                <a:extLst>
+                  <a:ext uri="{FF2B5EF4-FFF2-40B4-BE49-F238E27FC236}">
+                    <a16:creationId xmlns:a16="http://schemas.microsoft.com/office/drawing/2014/main" id="{35AD4059-6135-4532-85FD-55CE87B8383C}"/>
+                  </a:ext>
+                </a:extLst>
+              </p:cNvPr>
+              <p:cNvSpPr/>
+              <p:nvPr/>
+            </p:nvSpPr>
+            <p:spPr>
+              <a:xfrm>
+                <a:off x="2396921" y="3766815"/>
+                <a:ext cx="812800" cy="2346182"/>
+              </a:xfrm>
+              <a:prstGeom prst="roundRect">
+                <a:avLst/>
+              </a:prstGeom>
+            </p:spPr>
+            <p:style>
+              <a:lnRef idx="1">
+                <a:schemeClr val="accent5"/>
+              </a:lnRef>
+              <a:fillRef idx="2">
+                <a:schemeClr val="accent5"/>
+              </a:fillRef>
+              <a:effectRef idx="1">
+                <a:schemeClr val="accent5"/>
+              </a:effectRef>
+              <a:fontRef idx="minor">
+                <a:schemeClr val="dk1"/>
+              </a:fontRef>
+            </p:style>
+            <p:txBody>
+              <a:bodyPr rtlCol="0" anchor="ctr"/>
+              <a:lstStyle/>
+              <a:p>
+                <a:pPr algn="ctr"/>
+                <a:endParaRPr lang="zh-CN" altLang="en-US"/>
+              </a:p>
+            </p:txBody>
+          </p:sp>
+          <p:sp>
+            <p:nvSpPr>
+              <p:cNvPr id="96" name="文本框 95">
+                <a:extLst>
+                  <a:ext uri="{FF2B5EF4-FFF2-40B4-BE49-F238E27FC236}">
+                    <a16:creationId xmlns:a16="http://schemas.microsoft.com/office/drawing/2014/main" id="{6834434B-74FA-4738-8E6A-EE1FD0518725}"/>
+                  </a:ext>
+                </a:extLst>
+              </p:cNvPr>
+              <p:cNvSpPr txBox="1"/>
+              <p:nvPr/>
+            </p:nvSpPr>
+            <p:spPr>
+              <a:xfrm>
+                <a:off x="2650921" y="3917339"/>
+                <a:ext cx="377505" cy="369332"/>
+              </a:xfrm>
+              <a:prstGeom prst="rect">
+                <a:avLst/>
+              </a:prstGeom>
+              <a:noFill/>
+            </p:spPr>
+            <p:txBody>
+              <a:bodyPr wrap="square" rtlCol="0">
+                <a:spAutoFit/>
+              </a:bodyPr>
+              <a:lstStyle/>
+              <a:p>
+                <a:r>
+                  <a:rPr lang="en-US" altLang="zh-CN" b="1" dirty="0"/>
+                  <a:t>1</a:t>
+                </a:r>
+                <a:endParaRPr lang="zh-CN" altLang="en-US" b="1" dirty="0"/>
+              </a:p>
+            </p:txBody>
+          </p:sp>
+          <p:sp>
+            <p:nvSpPr>
+              <p:cNvPr id="97" name="文本框 96">
+                <a:extLst>
+                  <a:ext uri="{FF2B5EF4-FFF2-40B4-BE49-F238E27FC236}">
+                    <a16:creationId xmlns:a16="http://schemas.microsoft.com/office/drawing/2014/main" id="{B3383292-313D-4204-BED4-9219E3B03C70}"/>
+                  </a:ext>
+                </a:extLst>
+              </p:cNvPr>
+              <p:cNvSpPr txBox="1"/>
+              <p:nvPr/>
+            </p:nvSpPr>
+            <p:spPr>
+              <a:xfrm>
+                <a:off x="2650922" y="4475940"/>
+                <a:ext cx="377505" cy="369332"/>
+              </a:xfrm>
+              <a:prstGeom prst="rect">
+                <a:avLst/>
+              </a:prstGeom>
+              <a:noFill/>
+            </p:spPr>
+            <p:txBody>
+              <a:bodyPr wrap="square" rtlCol="0">
+                <a:spAutoFit/>
+              </a:bodyPr>
+              <a:lstStyle/>
+              <a:p>
+                <a:r>
+                  <a:rPr lang="en-US" altLang="zh-CN" b="1" dirty="0"/>
+                  <a:t>2</a:t>
+                </a:r>
+                <a:endParaRPr lang="zh-CN" altLang="en-US" b="1" dirty="0"/>
+              </a:p>
+            </p:txBody>
+          </p:sp>
+          <p:sp>
+            <p:nvSpPr>
+              <p:cNvPr id="98" name="文本框 97">
+                <a:extLst>
+                  <a:ext uri="{FF2B5EF4-FFF2-40B4-BE49-F238E27FC236}">
+                    <a16:creationId xmlns:a16="http://schemas.microsoft.com/office/drawing/2014/main" id="{BC41688C-6E38-44C8-8BF9-EFE67B7A988E}"/>
+                  </a:ext>
+                </a:extLst>
+              </p:cNvPr>
+              <p:cNvSpPr txBox="1"/>
+              <p:nvPr/>
+            </p:nvSpPr>
+            <p:spPr>
+              <a:xfrm>
+                <a:off x="2650922" y="5034541"/>
+                <a:ext cx="377505" cy="369332"/>
+              </a:xfrm>
+              <a:prstGeom prst="rect">
+                <a:avLst/>
+              </a:prstGeom>
+              <a:noFill/>
+            </p:spPr>
+            <p:txBody>
+              <a:bodyPr wrap="square" rtlCol="0">
+                <a:spAutoFit/>
+              </a:bodyPr>
+              <a:lstStyle/>
+              <a:p>
+                <a:r>
+                  <a:rPr lang="en-US" altLang="zh-CN" b="1" dirty="0"/>
+                  <a:t>3</a:t>
+                </a:r>
+                <a:endParaRPr lang="zh-CN" altLang="en-US" b="1" dirty="0"/>
+              </a:p>
+            </p:txBody>
+          </p:sp>
+          <p:sp>
+            <p:nvSpPr>
+              <p:cNvPr id="99" name="文本框 98">
+                <a:extLst>
+                  <a:ext uri="{FF2B5EF4-FFF2-40B4-BE49-F238E27FC236}">
+                    <a16:creationId xmlns:a16="http://schemas.microsoft.com/office/drawing/2014/main" id="{1E3D45A9-F8B3-493D-858D-7037B86AE37E}"/>
+                  </a:ext>
+                </a:extLst>
+              </p:cNvPr>
+              <p:cNvSpPr txBox="1"/>
+              <p:nvPr/>
+            </p:nvSpPr>
+            <p:spPr>
+              <a:xfrm>
+                <a:off x="2663506" y="5593142"/>
+                <a:ext cx="377505" cy="369332"/>
+              </a:xfrm>
+              <a:prstGeom prst="rect">
+                <a:avLst/>
+              </a:prstGeom>
+              <a:noFill/>
+            </p:spPr>
+            <p:txBody>
+              <a:bodyPr wrap="square" rtlCol="0">
+                <a:spAutoFit/>
+              </a:bodyPr>
+              <a:lstStyle/>
+              <a:p>
+                <a:r>
+                  <a:rPr lang="en-US" altLang="zh-CN" b="1" dirty="0"/>
+                  <a:t>4</a:t>
+                </a:r>
+                <a:endParaRPr lang="zh-CN" altLang="en-US" b="1" dirty="0"/>
+              </a:p>
+            </p:txBody>
+          </p:sp>
+          <p:sp>
+            <p:nvSpPr>
+              <p:cNvPr id="100" name="文本框 99">
+                <a:extLst>
+                  <a:ext uri="{FF2B5EF4-FFF2-40B4-BE49-F238E27FC236}">
+                    <a16:creationId xmlns:a16="http://schemas.microsoft.com/office/drawing/2014/main" id="{25FD0BC9-068D-427B-BCBE-4EB3F3BF27BD}"/>
+                  </a:ext>
+                </a:extLst>
+              </p:cNvPr>
+              <p:cNvSpPr txBox="1"/>
+              <p:nvPr/>
+            </p:nvSpPr>
+            <p:spPr>
+              <a:xfrm>
+                <a:off x="4195893" y="3917339"/>
+                <a:ext cx="377505" cy="369332"/>
+              </a:xfrm>
+              <a:prstGeom prst="rect">
+                <a:avLst/>
+              </a:prstGeom>
+            </p:spPr>
+            <p:style>
+              <a:lnRef idx="2">
+                <a:schemeClr val="accent2">
+                  <a:shade val="50000"/>
+                </a:schemeClr>
+              </a:lnRef>
+              <a:fillRef idx="1">
+                <a:schemeClr val="accent2"/>
+              </a:fillRef>
+              <a:effectRef idx="0">
+                <a:schemeClr val="accent2"/>
+              </a:effectRef>
+              <a:fontRef idx="minor">
+                <a:schemeClr val="lt1"/>
+              </a:fontRef>
+            </p:style>
+            <p:txBody>
+              <a:bodyPr wrap="square" rtlCol="0">
+                <a:spAutoFit/>
+              </a:bodyPr>
+              <a:lstStyle/>
+              <a:p>
+                <a:r>
+                  <a:rPr lang="en-US" altLang="zh-CN" b="1" dirty="0"/>
+                  <a:t>A</a:t>
+                </a:r>
+                <a:endParaRPr lang="zh-CN" altLang="en-US" b="1" dirty="0"/>
+              </a:p>
+            </p:txBody>
+          </p:sp>
+          <p:sp>
+            <p:nvSpPr>
+              <p:cNvPr id="101" name="文本框 100">
+                <a:extLst>
+                  <a:ext uri="{FF2B5EF4-FFF2-40B4-BE49-F238E27FC236}">
+                    <a16:creationId xmlns:a16="http://schemas.microsoft.com/office/drawing/2014/main" id="{BC72607A-0873-48A8-9162-F6A674C5DBE8}"/>
+                  </a:ext>
+                </a:extLst>
+              </p:cNvPr>
+              <p:cNvSpPr txBox="1"/>
+              <p:nvPr/>
+            </p:nvSpPr>
+            <p:spPr>
+              <a:xfrm>
+                <a:off x="4195894" y="4475940"/>
+                <a:ext cx="377505" cy="369332"/>
+              </a:xfrm>
+              <a:prstGeom prst="rect">
+                <a:avLst/>
+              </a:prstGeom>
+            </p:spPr>
+            <p:style>
+              <a:lnRef idx="2">
+                <a:schemeClr val="accent2">
+                  <a:shade val="50000"/>
+                </a:schemeClr>
+              </a:lnRef>
+              <a:fillRef idx="1">
+                <a:schemeClr val="accent2"/>
+              </a:fillRef>
+              <a:effectRef idx="0">
+                <a:schemeClr val="accent2"/>
+              </a:effectRef>
+              <a:fontRef idx="minor">
+                <a:schemeClr val="lt1"/>
+              </a:fontRef>
+            </p:style>
+            <p:txBody>
+              <a:bodyPr wrap="square" rtlCol="0">
+                <a:spAutoFit/>
+              </a:bodyPr>
+              <a:lstStyle/>
+              <a:p>
+                <a:r>
+                  <a:rPr lang="en-US" altLang="zh-CN" b="1" dirty="0"/>
+                  <a:t>B</a:t>
+                </a:r>
+                <a:endParaRPr lang="zh-CN" altLang="en-US" b="1" dirty="0"/>
+              </a:p>
+            </p:txBody>
+          </p:sp>
+          <p:sp>
+            <p:nvSpPr>
+              <p:cNvPr id="102" name="文本框 101">
+                <a:extLst>
+                  <a:ext uri="{FF2B5EF4-FFF2-40B4-BE49-F238E27FC236}">
+                    <a16:creationId xmlns:a16="http://schemas.microsoft.com/office/drawing/2014/main" id="{686B10BE-68B7-4402-A45E-8BCE3FDC048E}"/>
+                  </a:ext>
+                </a:extLst>
+              </p:cNvPr>
+              <p:cNvSpPr txBox="1"/>
+              <p:nvPr/>
+            </p:nvSpPr>
+            <p:spPr>
+              <a:xfrm>
+                <a:off x="4195894" y="5034541"/>
+                <a:ext cx="377505" cy="369332"/>
+              </a:xfrm>
+              <a:prstGeom prst="rect">
+                <a:avLst/>
+              </a:prstGeom>
+              <a:noFill/>
+            </p:spPr>
+            <p:txBody>
+              <a:bodyPr wrap="square" rtlCol="0">
+                <a:spAutoFit/>
+              </a:bodyPr>
+              <a:lstStyle/>
+              <a:p>
+                <a:r>
+                  <a:rPr lang="en-US" altLang="zh-CN" b="1" dirty="0"/>
+                  <a:t>C</a:t>
+                </a:r>
+                <a:endParaRPr lang="zh-CN" altLang="en-US" b="1" dirty="0"/>
+              </a:p>
+            </p:txBody>
+          </p:sp>
+          <p:sp>
+            <p:nvSpPr>
+              <p:cNvPr id="103" name="文本框 102">
+                <a:extLst>
+                  <a:ext uri="{FF2B5EF4-FFF2-40B4-BE49-F238E27FC236}">
+                    <a16:creationId xmlns:a16="http://schemas.microsoft.com/office/drawing/2014/main" id="{82F5C779-BC7F-491C-88CD-FF3BD23A8ED5}"/>
+                  </a:ext>
+                </a:extLst>
+              </p:cNvPr>
+              <p:cNvSpPr txBox="1"/>
+              <p:nvPr/>
+            </p:nvSpPr>
+            <p:spPr>
+              <a:xfrm>
+                <a:off x="4208478" y="5593142"/>
+                <a:ext cx="377505" cy="369332"/>
+              </a:xfrm>
+              <a:prstGeom prst="rect">
+                <a:avLst/>
+              </a:prstGeom>
+            </p:spPr>
+            <p:style>
+              <a:lnRef idx="2">
+                <a:schemeClr val="accent2">
+                  <a:shade val="50000"/>
+                </a:schemeClr>
+              </a:lnRef>
+              <a:fillRef idx="1">
+                <a:schemeClr val="accent2"/>
+              </a:fillRef>
+              <a:effectRef idx="0">
+                <a:schemeClr val="accent2"/>
+              </a:effectRef>
+              <a:fontRef idx="minor">
+                <a:schemeClr val="lt1"/>
+              </a:fontRef>
+            </p:style>
+            <p:txBody>
+              <a:bodyPr wrap="square" rtlCol="0">
+                <a:spAutoFit/>
+              </a:bodyPr>
+              <a:lstStyle/>
+              <a:p>
+                <a:r>
+                  <a:rPr lang="en-US" altLang="zh-CN" b="1" dirty="0"/>
+                  <a:t>D</a:t>
+                </a:r>
+                <a:endParaRPr lang="zh-CN" altLang="en-US" b="1" dirty="0"/>
+              </a:p>
+            </p:txBody>
+          </p:sp>
+          <p:cxnSp>
+            <p:nvCxnSpPr>
+              <p:cNvPr id="104" name="直接连接符 103" descr="0.3">
+                <a:extLst>
+                  <a:ext uri="{FF2B5EF4-FFF2-40B4-BE49-F238E27FC236}">
+                    <a16:creationId xmlns:a16="http://schemas.microsoft.com/office/drawing/2014/main" id="{83FF1A2B-9753-4478-840D-8B824943BD53}"/>
+                  </a:ext>
+                </a:extLst>
+              </p:cNvPr>
+              <p:cNvCxnSpPr>
+                <a:cxnSpLocks/>
+                <a:stCxn id="96" idx="3"/>
+                <a:endCxn id="100" idx="1"/>
+              </p:cNvCxnSpPr>
+              <p:nvPr/>
+            </p:nvCxnSpPr>
+            <p:spPr>
+              <a:xfrm>
+                <a:off x="3028426" y="4102005"/>
+                <a:ext cx="1167467" cy="0"/>
+              </a:xfrm>
+              <a:prstGeom prst="line">
+                <a:avLst/>
+              </a:prstGeom>
+              <a:ln w="25400">
+                <a:solidFill>
+                  <a:srgbClr val="FF0000"/>
+                </a:solidFill>
+                <a:prstDash val="sysDot"/>
+              </a:ln>
+            </p:spPr>
+            <p:style>
+              <a:lnRef idx="1">
+                <a:schemeClr val="accent1"/>
+              </a:lnRef>
+              <a:fillRef idx="0">
+                <a:schemeClr val="accent1"/>
+              </a:fillRef>
+              <a:effectRef idx="0">
+                <a:schemeClr val="accent1"/>
+              </a:effectRef>
+              <a:fontRef idx="minor">
+                <a:schemeClr val="tx1"/>
+              </a:fontRef>
+            </p:style>
+          </p:cxnSp>
+          <p:cxnSp>
+            <p:nvCxnSpPr>
+              <p:cNvPr id="105" name="直接连接符 104" descr="0.3">
+                <a:extLst>
+                  <a:ext uri="{FF2B5EF4-FFF2-40B4-BE49-F238E27FC236}">
+                    <a16:creationId xmlns:a16="http://schemas.microsoft.com/office/drawing/2014/main" id="{0DE5D1B0-A55F-47F4-BD40-CEC81C27A71F}"/>
+                  </a:ext>
+                </a:extLst>
+              </p:cNvPr>
+              <p:cNvCxnSpPr>
+                <a:cxnSpLocks/>
+                <a:stCxn id="96" idx="3"/>
+                <a:endCxn id="101" idx="1"/>
+              </p:cNvCxnSpPr>
+              <p:nvPr/>
+            </p:nvCxnSpPr>
+            <p:spPr>
+              <a:xfrm>
+                <a:off x="3028426" y="4102005"/>
+                <a:ext cx="1167468" cy="558601"/>
+              </a:xfrm>
+              <a:prstGeom prst="line">
+                <a:avLst/>
+              </a:prstGeom>
+              <a:ln w="25400">
+                <a:solidFill>
+                  <a:schemeClr val="accent1"/>
+                </a:solidFill>
+                <a:prstDash val="sysDot"/>
+              </a:ln>
+            </p:spPr>
+            <p:style>
+              <a:lnRef idx="1">
+                <a:schemeClr val="accent1"/>
+              </a:lnRef>
+              <a:fillRef idx="0">
+                <a:schemeClr val="accent1"/>
+              </a:fillRef>
+              <a:effectRef idx="0">
+                <a:schemeClr val="accent1"/>
+              </a:effectRef>
+              <a:fontRef idx="minor">
+                <a:schemeClr val="tx1"/>
+              </a:fontRef>
+            </p:style>
+          </p:cxnSp>
+          <p:cxnSp>
+            <p:nvCxnSpPr>
+              <p:cNvPr id="106" name="直接连接符 105" descr="0.3">
+                <a:extLst>
+                  <a:ext uri="{FF2B5EF4-FFF2-40B4-BE49-F238E27FC236}">
+                    <a16:creationId xmlns:a16="http://schemas.microsoft.com/office/drawing/2014/main" id="{E7551CEA-2B43-4394-A440-B7F162626C2F}"/>
+                  </a:ext>
+                </a:extLst>
+              </p:cNvPr>
+              <p:cNvCxnSpPr>
+                <a:cxnSpLocks/>
+                <a:stCxn id="96" idx="3"/>
+                <a:endCxn id="102" idx="1"/>
+              </p:cNvCxnSpPr>
+              <p:nvPr/>
+            </p:nvCxnSpPr>
+            <p:spPr>
+              <a:xfrm>
+                <a:off x="3028426" y="4102005"/>
+                <a:ext cx="1167468" cy="1117202"/>
+              </a:xfrm>
+              <a:prstGeom prst="line">
+                <a:avLst/>
+              </a:prstGeom>
+              <a:ln w="25400">
+                <a:solidFill>
+                  <a:srgbClr val="FF0000"/>
+                </a:solidFill>
+              </a:ln>
+            </p:spPr>
+            <p:style>
+              <a:lnRef idx="1">
+                <a:schemeClr val="accent1"/>
+              </a:lnRef>
+              <a:fillRef idx="0">
+                <a:schemeClr val="accent1"/>
+              </a:fillRef>
+              <a:effectRef idx="0">
+                <a:schemeClr val="accent1"/>
+              </a:effectRef>
+              <a:fontRef idx="minor">
+                <a:schemeClr val="tx1"/>
+              </a:fontRef>
+            </p:style>
+          </p:cxnSp>
+          <p:cxnSp>
+            <p:nvCxnSpPr>
+              <p:cNvPr id="107" name="直接连接符 106" descr="0.3">
+                <a:extLst>
+                  <a:ext uri="{FF2B5EF4-FFF2-40B4-BE49-F238E27FC236}">
+                    <a16:creationId xmlns:a16="http://schemas.microsoft.com/office/drawing/2014/main" id="{C62F2EA0-8BA6-4EA1-9A29-51A889C8FDF0}"/>
+                  </a:ext>
+                </a:extLst>
+              </p:cNvPr>
+              <p:cNvCxnSpPr>
+                <a:cxnSpLocks/>
+                <a:stCxn id="97" idx="3"/>
+                <a:endCxn id="101" idx="1"/>
+              </p:cNvCxnSpPr>
+              <p:nvPr/>
+            </p:nvCxnSpPr>
+            <p:spPr>
+              <a:xfrm>
+                <a:off x="3028427" y="4660606"/>
+                <a:ext cx="1167467" cy="0"/>
+              </a:xfrm>
+              <a:prstGeom prst="line">
+                <a:avLst/>
+              </a:prstGeom>
+              <a:ln w="25400">
+                <a:solidFill>
+                  <a:srgbClr val="FF0000"/>
+                </a:solidFill>
+                <a:prstDash val="sysDot"/>
+              </a:ln>
+            </p:spPr>
+            <p:style>
+              <a:lnRef idx="1">
+                <a:schemeClr val="accent1"/>
+              </a:lnRef>
+              <a:fillRef idx="0">
+                <a:schemeClr val="accent1"/>
+              </a:fillRef>
+              <a:effectRef idx="0">
+                <a:schemeClr val="accent1"/>
+              </a:effectRef>
+              <a:fontRef idx="minor">
+                <a:schemeClr val="tx1"/>
+              </a:fontRef>
+            </p:style>
+          </p:cxnSp>
+          <p:cxnSp>
+            <p:nvCxnSpPr>
+              <p:cNvPr id="108" name="直接连接符 107" descr="0.3">
+                <a:extLst>
+                  <a:ext uri="{FF2B5EF4-FFF2-40B4-BE49-F238E27FC236}">
+                    <a16:creationId xmlns:a16="http://schemas.microsoft.com/office/drawing/2014/main" id="{A24B57CA-6D05-4476-8323-3726C3EE9B66}"/>
+                  </a:ext>
+                </a:extLst>
+              </p:cNvPr>
+              <p:cNvCxnSpPr>
+                <a:cxnSpLocks/>
+                <a:stCxn id="97" idx="3"/>
+                <a:endCxn id="102" idx="1"/>
+              </p:cNvCxnSpPr>
+              <p:nvPr/>
+            </p:nvCxnSpPr>
+            <p:spPr>
+              <a:xfrm>
+                <a:off x="3028427" y="4660606"/>
+                <a:ext cx="1167467" cy="558601"/>
+              </a:xfrm>
+              <a:prstGeom prst="line">
+                <a:avLst/>
+              </a:prstGeom>
+              <a:ln w="25400">
+                <a:solidFill>
+                  <a:schemeClr val="accent1"/>
+                </a:solidFill>
+                <a:prstDash val="sysDot"/>
+              </a:ln>
+            </p:spPr>
+            <p:style>
+              <a:lnRef idx="1">
+                <a:schemeClr val="accent1"/>
+              </a:lnRef>
+              <a:fillRef idx="0">
+                <a:schemeClr val="accent1"/>
+              </a:fillRef>
+              <a:effectRef idx="0">
+                <a:schemeClr val="accent1"/>
+              </a:effectRef>
+              <a:fontRef idx="minor">
+                <a:schemeClr val="tx1"/>
+              </a:fontRef>
+            </p:style>
+          </p:cxnSp>
+          <p:cxnSp>
+            <p:nvCxnSpPr>
+              <p:cNvPr id="109" name="直接连接符 108" descr="0.3">
+                <a:extLst>
+                  <a:ext uri="{FF2B5EF4-FFF2-40B4-BE49-F238E27FC236}">
+                    <a16:creationId xmlns:a16="http://schemas.microsoft.com/office/drawing/2014/main" id="{A6BE8926-84D3-48BA-8E03-B3572EE5836C}"/>
+                  </a:ext>
+                </a:extLst>
+              </p:cNvPr>
+              <p:cNvCxnSpPr>
+                <a:cxnSpLocks/>
+                <a:stCxn id="99" idx="3"/>
+                <a:endCxn id="100" idx="1"/>
+              </p:cNvCxnSpPr>
+              <p:nvPr/>
+            </p:nvCxnSpPr>
+            <p:spPr>
+              <a:xfrm flipV="1">
+                <a:off x="3041011" y="4102005"/>
+                <a:ext cx="1154882" cy="1675803"/>
+              </a:xfrm>
+              <a:prstGeom prst="line">
+                <a:avLst/>
+              </a:prstGeom>
+              <a:ln w="25400">
+                <a:solidFill>
+                  <a:schemeClr val="accent1"/>
+                </a:solidFill>
+                <a:prstDash val="sysDot"/>
+              </a:ln>
+            </p:spPr>
+            <p:style>
+              <a:lnRef idx="1">
+                <a:schemeClr val="accent1"/>
+              </a:lnRef>
+              <a:fillRef idx="0">
+                <a:schemeClr val="accent1"/>
+              </a:fillRef>
+              <a:effectRef idx="0">
+                <a:schemeClr val="accent1"/>
+              </a:effectRef>
+              <a:fontRef idx="minor">
+                <a:schemeClr val="tx1"/>
+              </a:fontRef>
+            </p:style>
+          </p:cxnSp>
+          <p:cxnSp>
+            <p:nvCxnSpPr>
+              <p:cNvPr id="110" name="直接连接符 109" descr="0.3">
+                <a:extLst>
+                  <a:ext uri="{FF2B5EF4-FFF2-40B4-BE49-F238E27FC236}">
+                    <a16:creationId xmlns:a16="http://schemas.microsoft.com/office/drawing/2014/main" id="{632B07AF-4B2A-44D3-81ED-3503F0E0030F}"/>
+                  </a:ext>
+                </a:extLst>
+              </p:cNvPr>
+              <p:cNvCxnSpPr>
+                <a:cxnSpLocks/>
+                <a:stCxn id="98" idx="3"/>
+                <a:endCxn id="103" idx="1"/>
+              </p:cNvCxnSpPr>
+              <p:nvPr/>
+            </p:nvCxnSpPr>
+            <p:spPr>
+              <a:xfrm>
+                <a:off x="3028427" y="5219207"/>
+                <a:ext cx="1180051" cy="558601"/>
+              </a:xfrm>
+              <a:prstGeom prst="line">
+                <a:avLst/>
+              </a:prstGeom>
+              <a:ln w="25400">
+                <a:solidFill>
+                  <a:schemeClr val="accent1"/>
+                </a:solidFill>
+              </a:ln>
+            </p:spPr>
+            <p:style>
+              <a:lnRef idx="1">
+                <a:schemeClr val="accent1"/>
+              </a:lnRef>
+              <a:fillRef idx="0">
+                <a:schemeClr val="accent1"/>
+              </a:fillRef>
+              <a:effectRef idx="0">
+                <a:schemeClr val="accent1"/>
+              </a:effectRef>
+              <a:fontRef idx="minor">
+                <a:schemeClr val="tx1"/>
+              </a:fontRef>
+            </p:style>
+          </p:cxnSp>
+        </p:grpSp>
+        <p:grpSp>
+          <p:nvGrpSpPr>
+            <p:cNvPr id="130" name="组合 129">
+              <a:extLst>
+                <a:ext uri="{FF2B5EF4-FFF2-40B4-BE49-F238E27FC236}">
+                  <a16:creationId xmlns:a16="http://schemas.microsoft.com/office/drawing/2014/main" id="{6F6256B2-4DC0-403D-A541-ECFC86F26CA0}"/>
+                </a:ext>
+              </a:extLst>
+            </p:cNvPr>
+            <p:cNvGrpSpPr/>
+            <p:nvPr/>
+          </p:nvGrpSpPr>
+          <p:grpSpPr>
+            <a:xfrm>
+              <a:off x="7057040" y="3328098"/>
+              <a:ext cx="2345187" cy="2346782"/>
+              <a:chOff x="7057040" y="3328098"/>
+              <a:chExt cx="2345187" cy="2346782"/>
+            </a:xfrm>
+          </p:grpSpPr>
+          <p:grpSp>
+            <p:nvGrpSpPr>
+              <p:cNvPr id="111" name="组合 110">
+                <a:extLst>
+                  <a:ext uri="{FF2B5EF4-FFF2-40B4-BE49-F238E27FC236}">
+                    <a16:creationId xmlns:a16="http://schemas.microsoft.com/office/drawing/2014/main" id="{F3BD0B96-D6B0-470B-8DF0-129BD6635BD5}"/>
+                  </a:ext>
+                </a:extLst>
+              </p:cNvPr>
+              <p:cNvGrpSpPr/>
+              <p:nvPr/>
+            </p:nvGrpSpPr>
+            <p:grpSpPr>
+              <a:xfrm>
+                <a:off x="7057040" y="3328098"/>
+                <a:ext cx="2345187" cy="2346782"/>
+                <a:chOff x="2396921" y="3766815"/>
+                <a:chExt cx="2345187" cy="2346782"/>
+              </a:xfrm>
+            </p:grpSpPr>
+            <p:sp>
+              <p:nvSpPr>
+                <p:cNvPr id="112" name="矩形: 圆角 111">
+                  <a:extLst>
+                    <a:ext uri="{FF2B5EF4-FFF2-40B4-BE49-F238E27FC236}">
+                      <a16:creationId xmlns:a16="http://schemas.microsoft.com/office/drawing/2014/main" id="{F074EDBB-B61C-438F-A1CA-CD0EC01CC955}"/>
+                    </a:ext>
+                  </a:extLst>
+                </p:cNvPr>
+                <p:cNvSpPr/>
+                <p:nvPr/>
+              </p:nvSpPr>
+              <p:spPr>
+                <a:xfrm>
+                  <a:off x="3929308" y="3767415"/>
+                  <a:ext cx="812800" cy="2346182"/>
+                </a:xfrm>
+                <a:prstGeom prst="roundRect">
+                  <a:avLst/>
+                </a:prstGeom>
+              </p:spPr>
+              <p:style>
+                <a:lnRef idx="1">
+                  <a:schemeClr val="accent5"/>
+                </a:lnRef>
+                <a:fillRef idx="2">
+                  <a:schemeClr val="accent5"/>
+                </a:fillRef>
+                <a:effectRef idx="1">
+                  <a:schemeClr val="accent5"/>
+                </a:effectRef>
+                <a:fontRef idx="minor">
+                  <a:schemeClr val="dk1"/>
+                </a:fontRef>
+              </p:style>
+              <p:txBody>
+                <a:bodyPr rtlCol="0" anchor="ctr"/>
+                <a:lstStyle/>
+                <a:p>
+                  <a:pPr algn="ctr"/>
+                  <a:endParaRPr lang="zh-CN" altLang="en-US"/>
+                </a:p>
+              </p:txBody>
+            </p:sp>
+            <p:sp>
+              <p:nvSpPr>
+                <p:cNvPr id="113" name="矩形: 圆角 112">
+                  <a:extLst>
+                    <a:ext uri="{FF2B5EF4-FFF2-40B4-BE49-F238E27FC236}">
+                      <a16:creationId xmlns:a16="http://schemas.microsoft.com/office/drawing/2014/main" id="{CBFD5E39-6788-4636-9E59-A895E31D2666}"/>
+                    </a:ext>
+                  </a:extLst>
+                </p:cNvPr>
+                <p:cNvSpPr/>
+                <p:nvPr/>
+              </p:nvSpPr>
+              <p:spPr>
+                <a:xfrm>
+                  <a:off x="2396921" y="3766815"/>
+                  <a:ext cx="812800" cy="2346182"/>
+                </a:xfrm>
+                <a:prstGeom prst="roundRect">
+                  <a:avLst/>
+                </a:prstGeom>
+              </p:spPr>
+              <p:style>
+                <a:lnRef idx="1">
+                  <a:schemeClr val="accent5"/>
+                </a:lnRef>
+                <a:fillRef idx="2">
+                  <a:schemeClr val="accent5"/>
+                </a:fillRef>
+                <a:effectRef idx="1">
+                  <a:schemeClr val="accent5"/>
+                </a:effectRef>
+                <a:fontRef idx="minor">
+                  <a:schemeClr val="dk1"/>
+                </a:fontRef>
+              </p:style>
+              <p:txBody>
+                <a:bodyPr rtlCol="0" anchor="ctr"/>
+                <a:lstStyle/>
+                <a:p>
+                  <a:pPr algn="ctr"/>
+                  <a:endParaRPr lang="zh-CN" altLang="en-US"/>
+                </a:p>
+              </p:txBody>
+            </p:sp>
+            <p:sp>
+              <p:nvSpPr>
+                <p:cNvPr id="114" name="文本框 113">
+                  <a:extLst>
+                    <a:ext uri="{FF2B5EF4-FFF2-40B4-BE49-F238E27FC236}">
+                      <a16:creationId xmlns:a16="http://schemas.microsoft.com/office/drawing/2014/main" id="{46543A19-FAAB-4D57-B3AD-447224B50E21}"/>
+                    </a:ext>
+                  </a:extLst>
+                </p:cNvPr>
+                <p:cNvSpPr txBox="1"/>
+                <p:nvPr/>
+              </p:nvSpPr>
+              <p:spPr>
+                <a:xfrm>
+                  <a:off x="2650921" y="3917339"/>
+                  <a:ext cx="377505" cy="369332"/>
+                </a:xfrm>
+                <a:prstGeom prst="rect">
+                  <a:avLst/>
+                </a:prstGeom>
+                <a:noFill/>
+              </p:spPr>
+              <p:txBody>
+                <a:bodyPr wrap="square" rtlCol="0">
+                  <a:spAutoFit/>
+                </a:bodyPr>
+                <a:lstStyle/>
+                <a:p>
+                  <a:r>
+                    <a:rPr lang="en-US" altLang="zh-CN" b="1" dirty="0"/>
+                    <a:t>1</a:t>
+                  </a:r>
+                  <a:endParaRPr lang="zh-CN" altLang="en-US" b="1" dirty="0"/>
+                </a:p>
+              </p:txBody>
+            </p:sp>
+            <p:sp>
+              <p:nvSpPr>
+                <p:cNvPr id="115" name="文本框 114">
+                  <a:extLst>
+                    <a:ext uri="{FF2B5EF4-FFF2-40B4-BE49-F238E27FC236}">
+                      <a16:creationId xmlns:a16="http://schemas.microsoft.com/office/drawing/2014/main" id="{B7814D6C-3D0A-4595-9AEB-1BC3CF354582}"/>
+                    </a:ext>
+                  </a:extLst>
+                </p:cNvPr>
+                <p:cNvSpPr txBox="1"/>
+                <p:nvPr/>
+              </p:nvSpPr>
+              <p:spPr>
+                <a:xfrm>
+                  <a:off x="2650922" y="4475940"/>
+                  <a:ext cx="377505" cy="369332"/>
+                </a:xfrm>
+                <a:prstGeom prst="rect">
+                  <a:avLst/>
+                </a:prstGeom>
+                <a:noFill/>
+              </p:spPr>
+              <p:txBody>
+                <a:bodyPr wrap="square" rtlCol="0">
+                  <a:spAutoFit/>
+                </a:bodyPr>
+                <a:lstStyle/>
+                <a:p>
+                  <a:r>
+                    <a:rPr lang="en-US" altLang="zh-CN" b="1" dirty="0"/>
+                    <a:t>2</a:t>
+                  </a:r>
+                  <a:endParaRPr lang="zh-CN" altLang="en-US" b="1" dirty="0"/>
+                </a:p>
+              </p:txBody>
+            </p:sp>
+            <p:sp>
+              <p:nvSpPr>
+                <p:cNvPr id="116" name="文本框 115">
+                  <a:extLst>
+                    <a:ext uri="{FF2B5EF4-FFF2-40B4-BE49-F238E27FC236}">
+                      <a16:creationId xmlns:a16="http://schemas.microsoft.com/office/drawing/2014/main" id="{7B3C2D61-DF41-4A10-B067-A335AFD86499}"/>
+                    </a:ext>
+                  </a:extLst>
+                </p:cNvPr>
+                <p:cNvSpPr txBox="1"/>
+                <p:nvPr/>
+              </p:nvSpPr>
+              <p:spPr>
+                <a:xfrm>
+                  <a:off x="2650922" y="5034541"/>
+                  <a:ext cx="377505" cy="369332"/>
+                </a:xfrm>
+                <a:prstGeom prst="rect">
+                  <a:avLst/>
+                </a:prstGeom>
+                <a:noFill/>
+              </p:spPr>
+              <p:txBody>
+                <a:bodyPr wrap="square" rtlCol="0">
+                  <a:spAutoFit/>
+                </a:bodyPr>
+                <a:lstStyle/>
+                <a:p>
+                  <a:r>
+                    <a:rPr lang="en-US" altLang="zh-CN" b="1" dirty="0"/>
+                    <a:t>3</a:t>
+                  </a:r>
+                  <a:endParaRPr lang="zh-CN" altLang="en-US" b="1" dirty="0"/>
+                </a:p>
+              </p:txBody>
+            </p:sp>
+            <p:sp>
+              <p:nvSpPr>
+                <p:cNvPr id="117" name="文本框 116">
+                  <a:extLst>
+                    <a:ext uri="{FF2B5EF4-FFF2-40B4-BE49-F238E27FC236}">
+                      <a16:creationId xmlns:a16="http://schemas.microsoft.com/office/drawing/2014/main" id="{81599B3F-9A2A-4B63-B4F0-2993BE084CBF}"/>
+                    </a:ext>
+                  </a:extLst>
+                </p:cNvPr>
+                <p:cNvSpPr txBox="1"/>
+                <p:nvPr/>
+              </p:nvSpPr>
+              <p:spPr>
+                <a:xfrm>
+                  <a:off x="2663506" y="5593142"/>
+                  <a:ext cx="377505" cy="369332"/>
+                </a:xfrm>
+                <a:prstGeom prst="rect">
+                  <a:avLst/>
+                </a:prstGeom>
+                <a:noFill/>
+              </p:spPr>
+              <p:txBody>
+                <a:bodyPr wrap="square" rtlCol="0">
+                  <a:spAutoFit/>
+                </a:bodyPr>
+                <a:lstStyle/>
+                <a:p>
+                  <a:r>
+                    <a:rPr lang="en-US" altLang="zh-CN" b="1" dirty="0"/>
+                    <a:t>4</a:t>
+                  </a:r>
+                  <a:endParaRPr lang="zh-CN" altLang="en-US" b="1" dirty="0"/>
+                </a:p>
+              </p:txBody>
+            </p:sp>
+            <p:sp>
+              <p:nvSpPr>
+                <p:cNvPr id="118" name="文本框 117">
+                  <a:extLst>
+                    <a:ext uri="{FF2B5EF4-FFF2-40B4-BE49-F238E27FC236}">
+                      <a16:creationId xmlns:a16="http://schemas.microsoft.com/office/drawing/2014/main" id="{4FECE3FD-D24B-4A5E-AFB5-4B0AC64C7878}"/>
+                    </a:ext>
+                  </a:extLst>
+                </p:cNvPr>
+                <p:cNvSpPr txBox="1"/>
+                <p:nvPr/>
+              </p:nvSpPr>
+              <p:spPr>
+                <a:xfrm>
+                  <a:off x="4195893" y="3917339"/>
+                  <a:ext cx="377505" cy="369332"/>
+                </a:xfrm>
+                <a:prstGeom prst="rect">
+                  <a:avLst/>
+                </a:prstGeom>
+              </p:spPr>
+              <p:style>
+                <a:lnRef idx="2">
+                  <a:schemeClr val="accent2">
+                    <a:shade val="50000"/>
+                  </a:schemeClr>
+                </a:lnRef>
+                <a:fillRef idx="1">
+                  <a:schemeClr val="accent2"/>
+                </a:fillRef>
+                <a:effectRef idx="0">
+                  <a:schemeClr val="accent2"/>
+                </a:effectRef>
+                <a:fontRef idx="minor">
+                  <a:schemeClr val="lt1"/>
+                </a:fontRef>
+              </p:style>
+              <p:txBody>
+                <a:bodyPr wrap="square" rtlCol="0">
+                  <a:spAutoFit/>
+                </a:bodyPr>
+                <a:lstStyle/>
+                <a:p>
+                  <a:r>
+                    <a:rPr lang="en-US" altLang="zh-CN" b="1" dirty="0"/>
+                    <a:t>A</a:t>
+                  </a:r>
+                  <a:endParaRPr lang="zh-CN" altLang="en-US" b="1" dirty="0"/>
+                </a:p>
+              </p:txBody>
+            </p:sp>
+            <p:sp>
+              <p:nvSpPr>
+                <p:cNvPr id="119" name="文本框 118">
+                  <a:extLst>
+                    <a:ext uri="{FF2B5EF4-FFF2-40B4-BE49-F238E27FC236}">
+                      <a16:creationId xmlns:a16="http://schemas.microsoft.com/office/drawing/2014/main" id="{5A5CF9F9-63C7-48B2-A557-B0A677D11083}"/>
+                    </a:ext>
+                  </a:extLst>
+                </p:cNvPr>
+                <p:cNvSpPr txBox="1"/>
+                <p:nvPr/>
+              </p:nvSpPr>
+              <p:spPr>
+                <a:xfrm>
+                  <a:off x="4195894" y="4475940"/>
+                  <a:ext cx="377505" cy="369332"/>
+                </a:xfrm>
+                <a:prstGeom prst="rect">
+                  <a:avLst/>
+                </a:prstGeom>
+              </p:spPr>
+              <p:style>
+                <a:lnRef idx="2">
+                  <a:schemeClr val="accent2">
+                    <a:shade val="50000"/>
+                  </a:schemeClr>
+                </a:lnRef>
+                <a:fillRef idx="1">
+                  <a:schemeClr val="accent2"/>
+                </a:fillRef>
+                <a:effectRef idx="0">
+                  <a:schemeClr val="accent2"/>
+                </a:effectRef>
+                <a:fontRef idx="minor">
+                  <a:schemeClr val="lt1"/>
+                </a:fontRef>
+              </p:style>
+              <p:txBody>
+                <a:bodyPr wrap="square" rtlCol="0">
+                  <a:spAutoFit/>
+                </a:bodyPr>
+                <a:lstStyle/>
+                <a:p>
+                  <a:r>
+                    <a:rPr lang="en-US" altLang="zh-CN" b="1" dirty="0"/>
+                    <a:t>B</a:t>
+                  </a:r>
+                  <a:endParaRPr lang="zh-CN" altLang="en-US" b="1" dirty="0"/>
+                </a:p>
+              </p:txBody>
+            </p:sp>
+            <p:sp>
+              <p:nvSpPr>
+                <p:cNvPr id="121" name="文本框 120">
+                  <a:extLst>
+                    <a:ext uri="{FF2B5EF4-FFF2-40B4-BE49-F238E27FC236}">
+                      <a16:creationId xmlns:a16="http://schemas.microsoft.com/office/drawing/2014/main" id="{61F4DEF7-FB58-4298-84A1-3D841C45B465}"/>
+                    </a:ext>
+                  </a:extLst>
+                </p:cNvPr>
+                <p:cNvSpPr txBox="1"/>
+                <p:nvPr/>
+              </p:nvSpPr>
+              <p:spPr>
+                <a:xfrm>
+                  <a:off x="4208478" y="5593142"/>
+                  <a:ext cx="377505" cy="369332"/>
+                </a:xfrm>
+                <a:prstGeom prst="rect">
+                  <a:avLst/>
+                </a:prstGeom>
+              </p:spPr>
+              <p:style>
+                <a:lnRef idx="2">
+                  <a:schemeClr val="accent2">
+                    <a:shade val="50000"/>
+                  </a:schemeClr>
+                </a:lnRef>
+                <a:fillRef idx="1">
+                  <a:schemeClr val="accent2"/>
+                </a:fillRef>
+                <a:effectRef idx="0">
+                  <a:schemeClr val="accent2"/>
+                </a:effectRef>
+                <a:fontRef idx="minor">
+                  <a:schemeClr val="lt1"/>
+                </a:fontRef>
+              </p:style>
+              <p:txBody>
+                <a:bodyPr wrap="square" rtlCol="0">
+                  <a:spAutoFit/>
+                </a:bodyPr>
+                <a:lstStyle/>
+                <a:p>
+                  <a:r>
+                    <a:rPr lang="en-US" altLang="zh-CN" b="1" dirty="0"/>
+                    <a:t>D</a:t>
+                  </a:r>
+                  <a:endParaRPr lang="zh-CN" altLang="en-US" b="1" dirty="0"/>
+                </a:p>
+              </p:txBody>
+            </p:sp>
+            <p:cxnSp>
+              <p:nvCxnSpPr>
+                <p:cNvPr id="122" name="直接连接符 121" descr="0.3">
+                  <a:extLst>
+                    <a:ext uri="{FF2B5EF4-FFF2-40B4-BE49-F238E27FC236}">
+                      <a16:creationId xmlns:a16="http://schemas.microsoft.com/office/drawing/2014/main" id="{F5CC7DA6-31A4-47D6-B0EF-A52888FEFADD}"/>
+                    </a:ext>
+                  </a:extLst>
+                </p:cNvPr>
+                <p:cNvCxnSpPr>
+                  <a:cxnSpLocks/>
+                  <a:stCxn id="114" idx="3"/>
+                  <a:endCxn id="118" idx="1"/>
+                </p:cNvCxnSpPr>
+                <p:nvPr/>
+              </p:nvCxnSpPr>
+              <p:spPr>
+                <a:xfrm>
+                  <a:off x="3028426" y="4102005"/>
+                  <a:ext cx="1167467" cy="0"/>
+                </a:xfrm>
+                <a:prstGeom prst="line">
+                  <a:avLst/>
+                </a:prstGeom>
+                <a:ln w="25400">
+                  <a:solidFill>
+                    <a:srgbClr val="FF0000"/>
+                  </a:solidFill>
+                  <a:prstDash val="solid"/>
+                </a:ln>
+              </p:spPr>
+              <p:style>
+                <a:lnRef idx="1">
+                  <a:schemeClr val="accent1"/>
+                </a:lnRef>
+                <a:fillRef idx="0">
+                  <a:schemeClr val="accent1"/>
+                </a:fillRef>
+                <a:effectRef idx="0">
+                  <a:schemeClr val="accent1"/>
+                </a:effectRef>
+                <a:fontRef idx="minor">
+                  <a:schemeClr val="tx1"/>
+                </a:fontRef>
+              </p:style>
+            </p:cxnSp>
+            <p:cxnSp>
+              <p:nvCxnSpPr>
+                <p:cNvPr id="123" name="直接连接符 122" descr="0.3">
+                  <a:extLst>
+                    <a:ext uri="{FF2B5EF4-FFF2-40B4-BE49-F238E27FC236}">
+                      <a16:creationId xmlns:a16="http://schemas.microsoft.com/office/drawing/2014/main" id="{7E565B7E-79D8-4F5C-8D36-E9695F2CFB26}"/>
+                    </a:ext>
+                  </a:extLst>
+                </p:cNvPr>
+                <p:cNvCxnSpPr>
+                  <a:cxnSpLocks/>
+                  <a:stCxn id="114" idx="3"/>
+                  <a:endCxn id="119" idx="1"/>
+                </p:cNvCxnSpPr>
+                <p:nvPr/>
+              </p:nvCxnSpPr>
+              <p:spPr>
+                <a:xfrm>
+                  <a:off x="3028426" y="4102005"/>
+                  <a:ext cx="1167468" cy="558601"/>
+                </a:xfrm>
+                <a:prstGeom prst="line">
+                  <a:avLst/>
+                </a:prstGeom>
+                <a:ln w="25400">
+                  <a:solidFill>
+                    <a:schemeClr val="accent1"/>
+                  </a:solidFill>
+                  <a:prstDash val="solid"/>
+                </a:ln>
+              </p:spPr>
+              <p:style>
+                <a:lnRef idx="1">
+                  <a:schemeClr val="accent1"/>
+                </a:lnRef>
+                <a:fillRef idx="0">
+                  <a:schemeClr val="accent1"/>
+                </a:fillRef>
+                <a:effectRef idx="0">
+                  <a:schemeClr val="accent1"/>
+                </a:effectRef>
+                <a:fontRef idx="minor">
+                  <a:schemeClr val="tx1"/>
+                </a:fontRef>
+              </p:style>
+            </p:cxnSp>
+            <p:cxnSp>
+              <p:nvCxnSpPr>
+                <p:cNvPr id="124" name="直接连接符 123" descr="0.3">
+                  <a:extLst>
+                    <a:ext uri="{FF2B5EF4-FFF2-40B4-BE49-F238E27FC236}">
+                      <a16:creationId xmlns:a16="http://schemas.microsoft.com/office/drawing/2014/main" id="{8EC7EE3D-D87F-4055-8857-2A9CCA9CCC92}"/>
+                    </a:ext>
+                  </a:extLst>
+                </p:cNvPr>
+                <p:cNvCxnSpPr>
+                  <a:cxnSpLocks/>
+                  <a:stCxn id="114" idx="3"/>
+                </p:cNvCxnSpPr>
+                <p:nvPr/>
+              </p:nvCxnSpPr>
+              <p:spPr>
+                <a:xfrm>
+                  <a:off x="3028426" y="4102005"/>
+                  <a:ext cx="1167468" cy="1117202"/>
+                </a:xfrm>
+                <a:prstGeom prst="line">
+                  <a:avLst/>
+                </a:prstGeom>
+                <a:ln w="25400">
+                  <a:solidFill>
+                    <a:srgbClr val="FF0000"/>
+                  </a:solidFill>
+                </a:ln>
+              </p:spPr>
+              <p:style>
+                <a:lnRef idx="1">
+                  <a:schemeClr val="accent1"/>
+                </a:lnRef>
+                <a:fillRef idx="0">
+                  <a:schemeClr val="accent1"/>
+                </a:fillRef>
+                <a:effectRef idx="0">
+                  <a:schemeClr val="accent1"/>
+                </a:effectRef>
+                <a:fontRef idx="minor">
+                  <a:schemeClr val="tx1"/>
+                </a:fontRef>
+              </p:style>
+            </p:cxnSp>
+            <p:cxnSp>
+              <p:nvCxnSpPr>
+                <p:cNvPr id="125" name="直接连接符 124" descr="0.3">
+                  <a:extLst>
+                    <a:ext uri="{FF2B5EF4-FFF2-40B4-BE49-F238E27FC236}">
+                      <a16:creationId xmlns:a16="http://schemas.microsoft.com/office/drawing/2014/main" id="{4146B697-05FE-4AF6-8F22-7F56D20861EE}"/>
+                    </a:ext>
+                  </a:extLst>
+                </p:cNvPr>
+                <p:cNvCxnSpPr>
+                  <a:cxnSpLocks/>
+                  <a:stCxn id="115" idx="3"/>
+                  <a:endCxn id="119" idx="1"/>
+                </p:cNvCxnSpPr>
+                <p:nvPr/>
+              </p:nvCxnSpPr>
+              <p:spPr>
+                <a:xfrm>
+                  <a:off x="3028427" y="4660606"/>
+                  <a:ext cx="1167467" cy="0"/>
+                </a:xfrm>
+                <a:prstGeom prst="line">
+                  <a:avLst/>
+                </a:prstGeom>
+                <a:ln w="25400">
+                  <a:solidFill>
+                    <a:srgbClr val="FF0000"/>
+                  </a:solidFill>
+                  <a:prstDash val="solid"/>
+                </a:ln>
+              </p:spPr>
+              <p:style>
+                <a:lnRef idx="1">
+                  <a:schemeClr val="accent1"/>
+                </a:lnRef>
+                <a:fillRef idx="0">
+                  <a:schemeClr val="accent1"/>
+                </a:fillRef>
+                <a:effectRef idx="0">
+                  <a:schemeClr val="accent1"/>
+                </a:effectRef>
+                <a:fontRef idx="minor">
+                  <a:schemeClr val="tx1"/>
+                </a:fontRef>
+              </p:style>
+            </p:cxnSp>
+            <p:cxnSp>
+              <p:nvCxnSpPr>
+                <p:cNvPr id="126" name="直接连接符 125" descr="0.3">
+                  <a:extLst>
+                    <a:ext uri="{FF2B5EF4-FFF2-40B4-BE49-F238E27FC236}">
+                      <a16:creationId xmlns:a16="http://schemas.microsoft.com/office/drawing/2014/main" id="{16EACFFC-B700-4C51-9D00-F083037900C8}"/>
+                    </a:ext>
+                  </a:extLst>
+                </p:cNvPr>
+                <p:cNvCxnSpPr>
+                  <a:cxnSpLocks/>
+                  <a:stCxn id="115" idx="3"/>
+                </p:cNvCxnSpPr>
+                <p:nvPr/>
+              </p:nvCxnSpPr>
+              <p:spPr>
+                <a:xfrm>
+                  <a:off x="3028427" y="4660606"/>
+                  <a:ext cx="1167467" cy="558601"/>
+                </a:xfrm>
+                <a:prstGeom prst="line">
+                  <a:avLst/>
+                </a:prstGeom>
+                <a:ln w="25400">
+                  <a:solidFill>
+                    <a:schemeClr val="accent1"/>
+                  </a:solidFill>
+                  <a:prstDash val="solid"/>
+                </a:ln>
+              </p:spPr>
+              <p:style>
+                <a:lnRef idx="1">
+                  <a:schemeClr val="accent1"/>
+                </a:lnRef>
+                <a:fillRef idx="0">
+                  <a:schemeClr val="accent1"/>
+                </a:fillRef>
+                <a:effectRef idx="0">
+                  <a:schemeClr val="accent1"/>
+                </a:effectRef>
+                <a:fontRef idx="minor">
+                  <a:schemeClr val="tx1"/>
+                </a:fontRef>
+              </p:style>
+            </p:cxnSp>
+            <p:cxnSp>
+              <p:nvCxnSpPr>
+                <p:cNvPr id="127" name="直接连接符 126" descr="0.3">
+                  <a:extLst>
+                    <a:ext uri="{FF2B5EF4-FFF2-40B4-BE49-F238E27FC236}">
+                      <a16:creationId xmlns:a16="http://schemas.microsoft.com/office/drawing/2014/main" id="{4E682F17-4583-47E5-B42B-2E4A1A4026E5}"/>
+                    </a:ext>
+                  </a:extLst>
+                </p:cNvPr>
+                <p:cNvCxnSpPr>
+                  <a:cxnSpLocks/>
+                  <a:stCxn id="117" idx="3"/>
+                  <a:endCxn id="118" idx="1"/>
+                </p:cNvCxnSpPr>
+                <p:nvPr/>
+              </p:nvCxnSpPr>
+              <p:spPr>
+                <a:xfrm flipV="1">
+                  <a:off x="3041011" y="4102005"/>
+                  <a:ext cx="1154882" cy="1675803"/>
+                </a:xfrm>
+                <a:prstGeom prst="line">
+                  <a:avLst/>
+                </a:prstGeom>
+                <a:ln w="25400">
+                  <a:solidFill>
+                    <a:schemeClr val="accent1"/>
+                  </a:solidFill>
+                  <a:prstDash val="solid"/>
+                </a:ln>
+              </p:spPr>
+              <p:style>
+                <a:lnRef idx="1">
+                  <a:schemeClr val="accent1"/>
+                </a:lnRef>
+                <a:fillRef idx="0">
+                  <a:schemeClr val="accent1"/>
+                </a:fillRef>
+                <a:effectRef idx="0">
+                  <a:schemeClr val="accent1"/>
+                </a:effectRef>
+                <a:fontRef idx="minor">
+                  <a:schemeClr val="tx1"/>
+                </a:fontRef>
+              </p:style>
+            </p:cxnSp>
+            <p:cxnSp>
+              <p:nvCxnSpPr>
+                <p:cNvPr id="128" name="直接连接符 127" descr="0.3">
+                  <a:extLst>
+                    <a:ext uri="{FF2B5EF4-FFF2-40B4-BE49-F238E27FC236}">
+                      <a16:creationId xmlns:a16="http://schemas.microsoft.com/office/drawing/2014/main" id="{CD20A249-EC58-4423-B71F-9E3E810ECB6B}"/>
+                    </a:ext>
+                  </a:extLst>
+                </p:cNvPr>
+                <p:cNvCxnSpPr>
+                  <a:cxnSpLocks/>
+                  <a:stCxn id="116" idx="3"/>
+                  <a:endCxn id="121" idx="1"/>
+                </p:cNvCxnSpPr>
+                <p:nvPr/>
+              </p:nvCxnSpPr>
+              <p:spPr>
+                <a:xfrm>
+                  <a:off x="3028427" y="5219207"/>
+                  <a:ext cx="1180051" cy="558601"/>
+                </a:xfrm>
+                <a:prstGeom prst="line">
+                  <a:avLst/>
+                </a:prstGeom>
+                <a:ln w="25400">
+                  <a:solidFill>
+                    <a:schemeClr val="accent1"/>
+                  </a:solidFill>
+                </a:ln>
+              </p:spPr>
+              <p:style>
+                <a:lnRef idx="1">
+                  <a:schemeClr val="accent1"/>
+                </a:lnRef>
+                <a:fillRef idx="0">
+                  <a:schemeClr val="accent1"/>
+                </a:fillRef>
+                <a:effectRef idx="0">
+                  <a:schemeClr val="accent1"/>
+                </a:effectRef>
+                <a:fontRef idx="minor">
+                  <a:schemeClr val="tx1"/>
+                </a:fontRef>
+              </p:style>
+            </p:cxnSp>
+          </p:grpSp>
+          <p:sp>
+            <p:nvSpPr>
+              <p:cNvPr id="129" name="文本框 128">
+                <a:extLst>
+                  <a:ext uri="{FF2B5EF4-FFF2-40B4-BE49-F238E27FC236}">
+                    <a16:creationId xmlns:a16="http://schemas.microsoft.com/office/drawing/2014/main" id="{A7624D5B-BC0F-48F1-A47F-725B4FCE23B5}"/>
+                  </a:ext>
+                </a:extLst>
+              </p:cNvPr>
+              <p:cNvSpPr txBox="1"/>
+              <p:nvPr/>
+            </p:nvSpPr>
+            <p:spPr>
+              <a:xfrm>
+                <a:off x="8868597" y="4586998"/>
+                <a:ext cx="377505" cy="369332"/>
+              </a:xfrm>
+              <a:prstGeom prst="rect">
+                <a:avLst/>
+              </a:prstGeom>
+            </p:spPr>
+            <p:style>
+              <a:lnRef idx="2">
+                <a:schemeClr val="accent2">
+                  <a:shade val="50000"/>
+                </a:schemeClr>
+              </a:lnRef>
+              <a:fillRef idx="1">
+                <a:schemeClr val="accent2"/>
+              </a:fillRef>
+              <a:effectRef idx="0">
+                <a:schemeClr val="accent2"/>
+              </a:effectRef>
+              <a:fontRef idx="minor">
+                <a:schemeClr val="lt1"/>
+              </a:fontRef>
+            </p:style>
+            <p:txBody>
+              <a:bodyPr wrap="square" rtlCol="0">
+                <a:spAutoFit/>
+              </a:bodyPr>
+              <a:lstStyle/>
+              <a:p>
+                <a:r>
+                  <a:rPr lang="en-US" altLang="zh-CN" b="1" dirty="0"/>
+                  <a:t>C</a:t>
+                </a:r>
+                <a:endParaRPr lang="zh-CN" altLang="en-US" b="1" dirty="0"/>
+              </a:p>
+            </p:txBody>
+          </p:sp>
+        </p:grpSp>
+      </p:grpSp>
     </p:spTree>
     <p:extLst>
       <p:ext uri="{BB962C8B-B14F-4D97-AF65-F5344CB8AC3E}">

--- a/temp/hungarian.pptx
+++ b/temp/hungarian.pptx
@@ -277,7 +277,7 @@
           <a:p>
             <a:fld id="{0DAAA78B-305F-40B1-AA0A-4A7B2A823B23}" type="datetimeFigureOut">
               <a:rPr lang="zh-CN" altLang="en-US" smtClean="0"/>
-              <a:t>2020/4/9</a:t>
+              <a:t>2020/4/10</a:t>
             </a:fld>
             <a:endParaRPr lang="zh-CN" altLang="en-US"/>
           </a:p>
@@ -475,7 +475,7 @@
           <a:p>
             <a:fld id="{0DAAA78B-305F-40B1-AA0A-4A7B2A823B23}" type="datetimeFigureOut">
               <a:rPr lang="zh-CN" altLang="en-US" smtClean="0"/>
-              <a:t>2020/4/9</a:t>
+              <a:t>2020/4/10</a:t>
             </a:fld>
             <a:endParaRPr lang="zh-CN" altLang="en-US"/>
           </a:p>
@@ -683,7 +683,7 @@
           <a:p>
             <a:fld id="{0DAAA78B-305F-40B1-AA0A-4A7B2A823B23}" type="datetimeFigureOut">
               <a:rPr lang="zh-CN" altLang="en-US" smtClean="0"/>
-              <a:t>2020/4/9</a:t>
+              <a:t>2020/4/10</a:t>
             </a:fld>
             <a:endParaRPr lang="zh-CN" altLang="en-US"/>
           </a:p>
@@ -881,7 +881,7 @@
           <a:p>
             <a:fld id="{0DAAA78B-305F-40B1-AA0A-4A7B2A823B23}" type="datetimeFigureOut">
               <a:rPr lang="zh-CN" altLang="en-US" smtClean="0"/>
-              <a:t>2020/4/9</a:t>
+              <a:t>2020/4/10</a:t>
             </a:fld>
             <a:endParaRPr lang="zh-CN" altLang="en-US"/>
           </a:p>
@@ -1156,7 +1156,7 @@
           <a:p>
             <a:fld id="{0DAAA78B-305F-40B1-AA0A-4A7B2A823B23}" type="datetimeFigureOut">
               <a:rPr lang="zh-CN" altLang="en-US" smtClean="0"/>
-              <a:t>2020/4/9</a:t>
+              <a:t>2020/4/10</a:t>
             </a:fld>
             <a:endParaRPr lang="zh-CN" altLang="en-US"/>
           </a:p>
@@ -1421,7 +1421,7 @@
           <a:p>
             <a:fld id="{0DAAA78B-305F-40B1-AA0A-4A7B2A823B23}" type="datetimeFigureOut">
               <a:rPr lang="zh-CN" altLang="en-US" smtClean="0"/>
-              <a:t>2020/4/9</a:t>
+              <a:t>2020/4/10</a:t>
             </a:fld>
             <a:endParaRPr lang="zh-CN" altLang="en-US"/>
           </a:p>
@@ -1833,7 +1833,7 @@
           <a:p>
             <a:fld id="{0DAAA78B-305F-40B1-AA0A-4A7B2A823B23}" type="datetimeFigureOut">
               <a:rPr lang="zh-CN" altLang="en-US" smtClean="0"/>
-              <a:t>2020/4/9</a:t>
+              <a:t>2020/4/10</a:t>
             </a:fld>
             <a:endParaRPr lang="zh-CN" altLang="en-US"/>
           </a:p>
@@ -1974,7 +1974,7 @@
           <a:p>
             <a:fld id="{0DAAA78B-305F-40B1-AA0A-4A7B2A823B23}" type="datetimeFigureOut">
               <a:rPr lang="zh-CN" altLang="en-US" smtClean="0"/>
-              <a:t>2020/4/9</a:t>
+              <a:t>2020/4/10</a:t>
             </a:fld>
             <a:endParaRPr lang="zh-CN" altLang="en-US"/>
           </a:p>
@@ -2087,7 +2087,7 @@
           <a:p>
             <a:fld id="{0DAAA78B-305F-40B1-AA0A-4A7B2A823B23}" type="datetimeFigureOut">
               <a:rPr lang="zh-CN" altLang="en-US" smtClean="0"/>
-              <a:t>2020/4/9</a:t>
+              <a:t>2020/4/10</a:t>
             </a:fld>
             <a:endParaRPr lang="zh-CN" altLang="en-US"/>
           </a:p>
@@ -2398,7 +2398,7 @@
           <a:p>
             <a:fld id="{0DAAA78B-305F-40B1-AA0A-4A7B2A823B23}" type="datetimeFigureOut">
               <a:rPr lang="zh-CN" altLang="en-US" smtClean="0"/>
-              <a:t>2020/4/9</a:t>
+              <a:t>2020/4/10</a:t>
             </a:fld>
             <a:endParaRPr lang="zh-CN" altLang="en-US"/>
           </a:p>
@@ -2686,7 +2686,7 @@
           <a:p>
             <a:fld id="{0DAAA78B-305F-40B1-AA0A-4A7B2A823B23}" type="datetimeFigureOut">
               <a:rPr lang="zh-CN" altLang="en-US" smtClean="0"/>
-              <a:t>2020/4/9</a:t>
+              <a:t>2020/4/10</a:t>
             </a:fld>
             <a:endParaRPr lang="zh-CN" altLang="en-US"/>
           </a:p>
@@ -2927,7 +2927,7 @@
           <a:p>
             <a:fld id="{0DAAA78B-305F-40B1-AA0A-4A7B2A823B23}" type="datetimeFigureOut">
               <a:rPr lang="zh-CN" altLang="en-US" smtClean="0"/>
-              <a:t>2020/4/9</a:t>
+              <a:t>2020/4/10</a:t>
             </a:fld>
             <a:endParaRPr lang="zh-CN" altLang="en-US"/>
           </a:p>
@@ -6257,8 +6257,8 @@
           <a:chExt cx="0" cy="0"/>
         </a:xfrm>
       </p:grpSpPr>
-      <mc:AlternateContent xmlns:mc="http://schemas.openxmlformats.org/markup-compatibility/2006">
-        <mc:Choice xmlns:a14="http://schemas.microsoft.com/office/drawing/2010/main" Requires="a14">
+      <mc:AlternateContent xmlns:mc="http://schemas.openxmlformats.org/markup-compatibility/2006" xmlns:a14="http://schemas.microsoft.com/office/drawing/2010/main">
+        <mc:Choice Requires="a14">
           <p:sp>
             <p:nvSpPr>
               <p:cNvPr id="3" name="文本框 2">
@@ -6287,6 +6287,7 @@
               </a:bodyPr>
               <a:lstStyle/>
               <a:p>
+                <a:pPr/>
                 <a14:m>
                   <m:oMathPara xmlns:m="http://schemas.openxmlformats.org/officeDocument/2006/math">
                     <m:oMathParaPr>
@@ -6329,7 +6330,13 @@
                                   <a:rPr lang="en-US" altLang="zh-CN" sz="2800" b="0" i="1" smtClean="0">
                                     <a:latin typeface="Cambria Math" panose="02040503050406030204" pitchFamily="18" charset="0"/>
                                   </a:rPr>
-                                  <m:t>0.3</m:t>
+                                  <m:t>0</m:t>
+                                </m:r>
+                                <m:r>
+                                  <a:rPr lang="en-US" altLang="zh-CN" sz="2800" b="0" i="1" smtClean="0">
+                                    <a:latin typeface="Cambria Math" panose="02040503050406030204" pitchFamily="18" charset="0"/>
+                                  </a:rPr>
+                                  <m:t>.3</m:t>
                                 </m:r>
                               </m:e>
                               <m:e>
@@ -6470,7 +6477,7 @@
             </p:txBody>
           </p:sp>
         </mc:Choice>
-        <mc:Fallback>
+        <mc:Fallback xmlns="">
           <p:sp>
             <p:nvSpPr>
               <p:cNvPr id="3" name="文本框 2">
@@ -7481,8 +7488,23 @@
               <a:prstGeom prst="rect">
                 <a:avLst/>
               </a:prstGeom>
-              <a:noFill/>
             </p:spPr>
+            <p:style>
+              <a:lnRef idx="2">
+                <a:schemeClr val="accent2">
+                  <a:shade val="50000"/>
+                </a:schemeClr>
+              </a:lnRef>
+              <a:fillRef idx="1">
+                <a:schemeClr val="accent2"/>
+              </a:fillRef>
+              <a:effectRef idx="0">
+                <a:schemeClr val="accent2"/>
+              </a:effectRef>
+              <a:fontRef idx="minor">
+                <a:schemeClr val="lt1"/>
+              </a:fontRef>
+            </p:style>
             <p:txBody>
               <a:bodyPr wrap="square" rtlCol="0">
                 <a:spAutoFit/>
@@ -8208,8 +8230,23 @@
               <a:prstGeom prst="rect">
                 <a:avLst/>
               </a:prstGeom>
-              <a:noFill/>
             </p:spPr>
+            <p:style>
+              <a:lnRef idx="2">
+                <a:schemeClr val="accent2">
+                  <a:shade val="50000"/>
+                </a:schemeClr>
+              </a:lnRef>
+              <a:fillRef idx="1">
+                <a:schemeClr val="accent2"/>
+              </a:fillRef>
+              <a:effectRef idx="0">
+                <a:schemeClr val="accent2"/>
+              </a:effectRef>
+              <a:fontRef idx="minor">
+                <a:schemeClr val="lt1"/>
+              </a:fontRef>
+            </p:style>
             <p:txBody>
               <a:bodyPr wrap="square" rtlCol="0">
                 <a:spAutoFit/>
@@ -8244,8 +8281,23 @@
               <a:prstGeom prst="rect">
                 <a:avLst/>
               </a:prstGeom>
-              <a:noFill/>
             </p:spPr>
+            <p:style>
+              <a:lnRef idx="2">
+                <a:schemeClr val="accent2">
+                  <a:shade val="50000"/>
+                </a:schemeClr>
+              </a:lnRef>
+              <a:fillRef idx="1">
+                <a:schemeClr val="accent2"/>
+              </a:fillRef>
+              <a:effectRef idx="0">
+                <a:schemeClr val="accent2"/>
+              </a:effectRef>
+              <a:fontRef idx="minor">
+                <a:schemeClr val="lt1"/>
+              </a:fontRef>
+            </p:style>
             <p:txBody>
               <a:bodyPr wrap="square" rtlCol="0">
                 <a:spAutoFit/>
@@ -8950,8 +9002,23 @@
               <a:prstGeom prst="rect">
                 <a:avLst/>
               </a:prstGeom>
-              <a:noFill/>
             </p:spPr>
+            <p:style>
+              <a:lnRef idx="2">
+                <a:schemeClr val="accent2">
+                  <a:shade val="50000"/>
+                </a:schemeClr>
+              </a:lnRef>
+              <a:fillRef idx="1">
+                <a:schemeClr val="accent2"/>
+              </a:fillRef>
+              <a:effectRef idx="0">
+                <a:schemeClr val="accent2"/>
+              </a:effectRef>
+              <a:fontRef idx="minor">
+                <a:schemeClr val="lt1"/>
+              </a:fontRef>
+            </p:style>
             <p:txBody>
               <a:bodyPr wrap="square" rtlCol="0">
                 <a:spAutoFit/>
@@ -8986,8 +9053,23 @@
               <a:prstGeom prst="rect">
                 <a:avLst/>
               </a:prstGeom>
-              <a:noFill/>
             </p:spPr>
+            <p:style>
+              <a:lnRef idx="2">
+                <a:schemeClr val="accent2">
+                  <a:shade val="50000"/>
+                </a:schemeClr>
+              </a:lnRef>
+              <a:fillRef idx="1">
+                <a:schemeClr val="accent2"/>
+              </a:fillRef>
+              <a:effectRef idx="0">
+                <a:schemeClr val="accent2"/>
+              </a:effectRef>
+              <a:fontRef idx="minor">
+                <a:schemeClr val="lt1"/>
+              </a:fontRef>
+            </p:style>
             <p:txBody>
               <a:bodyPr wrap="square" rtlCol="0">
                 <a:spAutoFit/>
@@ -9022,8 +9104,23 @@
               <a:prstGeom prst="rect">
                 <a:avLst/>
               </a:prstGeom>
-              <a:noFill/>
             </p:spPr>
+            <p:style>
+              <a:lnRef idx="2">
+                <a:schemeClr val="accent2">
+                  <a:shade val="50000"/>
+                </a:schemeClr>
+              </a:lnRef>
+              <a:fillRef idx="1">
+                <a:schemeClr val="accent2"/>
+              </a:fillRef>
+              <a:effectRef idx="0">
+                <a:schemeClr val="accent2"/>
+              </a:effectRef>
+              <a:fontRef idx="minor">
+                <a:schemeClr val="lt1"/>
+              </a:fontRef>
+            </p:style>
             <p:txBody>
               <a:bodyPr wrap="square" rtlCol="0">
                 <a:spAutoFit/>
@@ -9712,8 +9809,23 @@
               <a:prstGeom prst="rect">
                 <a:avLst/>
               </a:prstGeom>
-              <a:noFill/>
             </p:spPr>
+            <p:style>
+              <a:lnRef idx="2">
+                <a:schemeClr val="accent2">
+                  <a:shade val="50000"/>
+                </a:schemeClr>
+              </a:lnRef>
+              <a:fillRef idx="1">
+                <a:schemeClr val="accent2"/>
+              </a:fillRef>
+              <a:effectRef idx="0">
+                <a:schemeClr val="accent2"/>
+              </a:effectRef>
+              <a:fontRef idx="minor">
+                <a:schemeClr val="lt1"/>
+              </a:fontRef>
+            </p:style>
             <p:txBody>
               <a:bodyPr wrap="square" rtlCol="0">
                 <a:spAutoFit/>
@@ -9748,8 +9860,23 @@
               <a:prstGeom prst="rect">
                 <a:avLst/>
               </a:prstGeom>
-              <a:noFill/>
             </p:spPr>
+            <p:style>
+              <a:lnRef idx="2">
+                <a:schemeClr val="accent2">
+                  <a:shade val="50000"/>
+                </a:schemeClr>
+              </a:lnRef>
+              <a:fillRef idx="1">
+                <a:schemeClr val="accent2"/>
+              </a:fillRef>
+              <a:effectRef idx="0">
+                <a:schemeClr val="accent2"/>
+              </a:effectRef>
+              <a:fontRef idx="minor">
+                <a:schemeClr val="lt1"/>
+              </a:fontRef>
+            </p:style>
             <p:txBody>
               <a:bodyPr wrap="square" rtlCol="0">
                 <a:spAutoFit/>
@@ -9784,8 +9911,23 @@
               <a:prstGeom prst="rect">
                 <a:avLst/>
               </a:prstGeom>
-              <a:noFill/>
             </p:spPr>
+            <p:style>
+              <a:lnRef idx="2">
+                <a:schemeClr val="accent2">
+                  <a:shade val="50000"/>
+                </a:schemeClr>
+              </a:lnRef>
+              <a:fillRef idx="1">
+                <a:schemeClr val="accent2"/>
+              </a:fillRef>
+              <a:effectRef idx="0">
+                <a:schemeClr val="accent2"/>
+              </a:effectRef>
+              <a:fontRef idx="minor">
+                <a:schemeClr val="lt1"/>
+              </a:fontRef>
+            </p:style>
             <p:txBody>
               <a:bodyPr wrap="square" rtlCol="0">
                 <a:spAutoFit/>
@@ -10469,8 +10611,23 @@
               <a:prstGeom prst="rect">
                 <a:avLst/>
               </a:prstGeom>
-              <a:noFill/>
             </p:spPr>
+            <p:style>
+              <a:lnRef idx="2">
+                <a:schemeClr val="accent2">
+                  <a:shade val="50000"/>
+                </a:schemeClr>
+              </a:lnRef>
+              <a:fillRef idx="1">
+                <a:schemeClr val="accent2"/>
+              </a:fillRef>
+              <a:effectRef idx="0">
+                <a:schemeClr val="accent2"/>
+              </a:effectRef>
+              <a:fontRef idx="minor">
+                <a:schemeClr val="lt1"/>
+              </a:fontRef>
+            </p:style>
             <p:txBody>
               <a:bodyPr wrap="square" rtlCol="0">
                 <a:spAutoFit/>
@@ -10505,8 +10662,23 @@
               <a:prstGeom prst="rect">
                 <a:avLst/>
               </a:prstGeom>
-              <a:noFill/>
             </p:spPr>
+            <p:style>
+              <a:lnRef idx="2">
+                <a:schemeClr val="accent2">
+                  <a:shade val="50000"/>
+                </a:schemeClr>
+              </a:lnRef>
+              <a:fillRef idx="1">
+                <a:schemeClr val="accent2"/>
+              </a:fillRef>
+              <a:effectRef idx="0">
+                <a:schemeClr val="accent2"/>
+              </a:effectRef>
+              <a:fontRef idx="minor">
+                <a:schemeClr val="lt1"/>
+              </a:fontRef>
+            </p:style>
             <p:txBody>
               <a:bodyPr wrap="square" rtlCol="0">
                 <a:spAutoFit/>
@@ -10541,8 +10713,23 @@
               <a:prstGeom prst="rect">
                 <a:avLst/>
               </a:prstGeom>
-              <a:noFill/>
             </p:spPr>
+            <p:style>
+              <a:lnRef idx="2">
+                <a:schemeClr val="accent2">
+                  <a:shade val="50000"/>
+                </a:schemeClr>
+              </a:lnRef>
+              <a:fillRef idx="1">
+                <a:schemeClr val="accent2"/>
+              </a:fillRef>
+              <a:effectRef idx="0">
+                <a:schemeClr val="accent2"/>
+              </a:effectRef>
+              <a:fontRef idx="minor">
+                <a:schemeClr val="lt1"/>
+              </a:fontRef>
+            </p:style>
             <p:txBody>
               <a:bodyPr wrap="square" rtlCol="0">
                 <a:spAutoFit/>
@@ -11251,8 +11438,23 @@
                 <a:prstGeom prst="rect">
                   <a:avLst/>
                 </a:prstGeom>
-                <a:noFill/>
               </p:spPr>
+              <p:style>
+                <a:lnRef idx="2">
+                  <a:schemeClr val="accent2">
+                    <a:shade val="50000"/>
+                  </a:schemeClr>
+                </a:lnRef>
+                <a:fillRef idx="1">
+                  <a:schemeClr val="accent2"/>
+                </a:fillRef>
+                <a:effectRef idx="0">
+                  <a:schemeClr val="accent2"/>
+                </a:effectRef>
+                <a:fontRef idx="minor">
+                  <a:schemeClr val="lt1"/>
+                </a:fontRef>
+              </p:style>
               <p:txBody>
                 <a:bodyPr wrap="square" rtlCol="0">
                   <a:spAutoFit/>
@@ -11287,8 +11489,23 @@
                 <a:prstGeom prst="rect">
                   <a:avLst/>
                 </a:prstGeom>
-                <a:noFill/>
               </p:spPr>
+              <p:style>
+                <a:lnRef idx="2">
+                  <a:schemeClr val="accent2">
+                    <a:shade val="50000"/>
+                  </a:schemeClr>
+                </a:lnRef>
+                <a:fillRef idx="1">
+                  <a:schemeClr val="accent2"/>
+                </a:fillRef>
+                <a:effectRef idx="0">
+                  <a:schemeClr val="accent2"/>
+                </a:effectRef>
+                <a:fontRef idx="minor">
+                  <a:schemeClr val="lt1"/>
+                </a:fontRef>
+              </p:style>
               <p:txBody>
                 <a:bodyPr wrap="square" rtlCol="0">
                   <a:spAutoFit/>
@@ -11323,8 +11540,23 @@
                 <a:prstGeom prst="rect">
                   <a:avLst/>
                 </a:prstGeom>
-                <a:noFill/>
               </p:spPr>
+              <p:style>
+                <a:lnRef idx="2">
+                  <a:schemeClr val="accent2">
+                    <a:shade val="50000"/>
+                  </a:schemeClr>
+                </a:lnRef>
+                <a:fillRef idx="1">
+                  <a:schemeClr val="accent2"/>
+                </a:fillRef>
+                <a:effectRef idx="0">
+                  <a:schemeClr val="accent2"/>
+                </a:effectRef>
+                <a:fontRef idx="minor">
+                  <a:schemeClr val="lt1"/>
+                </a:fontRef>
+              </p:style>
               <p:txBody>
                 <a:bodyPr wrap="square" rtlCol="0">
                   <a:spAutoFit/>
@@ -11359,8 +11591,23 @@
                 <a:prstGeom prst="rect">
                   <a:avLst/>
                 </a:prstGeom>
-                <a:noFill/>
               </p:spPr>
+              <p:style>
+                <a:lnRef idx="2">
+                  <a:schemeClr val="accent2">
+                    <a:shade val="50000"/>
+                  </a:schemeClr>
+                </a:lnRef>
+                <a:fillRef idx="1">
+                  <a:schemeClr val="accent2"/>
+                </a:fillRef>
+                <a:effectRef idx="0">
+                  <a:schemeClr val="accent2"/>
+                </a:effectRef>
+                <a:fontRef idx="minor">
+                  <a:schemeClr val="lt1"/>
+                </a:fontRef>
+              </p:style>
               <p:txBody>
                 <a:bodyPr wrap="square" rtlCol="0">
                   <a:spAutoFit/>
